--- a/H8_Final_Project_G2_RMT30.pptx
+++ b/H8_Final_Project_G2_RMT30.pptx
@@ -33,52 +33,53 @@
     <p:sldId id="276" r:id="rId29"/>
     <p:sldId id="277" r:id="rId30"/>
     <p:sldId id="278" r:id="rId31"/>
+    <p:sldId id="279" r:id="rId32"/>
   </p:sldIdLst>
   <p:sldSz cy="5143500" cx="9144000"/>
   <p:notesSz cx="6858000" cy="9144000"/>
   <p:embeddedFontLst>
     <p:embeddedFont>
       <p:font typeface="Inter"/>
-      <p:regular r:id="rId32"/>
-      <p:bold r:id="rId33"/>
+      <p:regular r:id="rId33"/>
+      <p:bold r:id="rId34"/>
     </p:embeddedFont>
     <p:embeddedFont>
       <p:font typeface="Work Sans Medium"/>
-      <p:regular r:id="rId34"/>
-      <p:bold r:id="rId35"/>
-      <p:italic r:id="rId36"/>
-      <p:boldItalic r:id="rId37"/>
+      <p:regular r:id="rId35"/>
+      <p:bold r:id="rId36"/>
+      <p:italic r:id="rId37"/>
+      <p:boldItalic r:id="rId38"/>
     </p:embeddedFont>
     <p:embeddedFont>
       <p:font typeface="Work Sans ExtraBold"/>
-      <p:bold r:id="rId38"/>
-      <p:boldItalic r:id="rId39"/>
+      <p:bold r:id="rId39"/>
+      <p:boldItalic r:id="rId40"/>
     </p:embeddedFont>
     <p:embeddedFont>
       <p:font typeface="Work Sans"/>
-      <p:regular r:id="rId40"/>
-      <p:bold r:id="rId41"/>
-      <p:italic r:id="rId42"/>
-      <p:boldItalic r:id="rId43"/>
+      <p:regular r:id="rId41"/>
+      <p:bold r:id="rId42"/>
+      <p:italic r:id="rId43"/>
+      <p:boldItalic r:id="rId44"/>
     </p:embeddedFont>
     <p:embeddedFont>
       <p:font typeface="Work Sans SemiBold"/>
-      <p:regular r:id="rId44"/>
-      <p:bold r:id="rId45"/>
-      <p:italic r:id="rId46"/>
-      <p:boldItalic r:id="rId47"/>
+      <p:regular r:id="rId45"/>
+      <p:bold r:id="rId46"/>
+      <p:italic r:id="rId47"/>
+      <p:boldItalic r:id="rId48"/>
     </p:embeddedFont>
     <p:embeddedFont>
       <p:font typeface="Poppins SemiBold"/>
-      <p:regular r:id="rId48"/>
-      <p:bold r:id="rId49"/>
-      <p:italic r:id="rId50"/>
-      <p:boldItalic r:id="rId51"/>
+      <p:regular r:id="rId49"/>
+      <p:bold r:id="rId50"/>
+      <p:italic r:id="rId51"/>
+      <p:boldItalic r:id="rId52"/>
     </p:embeddedFont>
     <p:embeddedFont>
       <p:font typeface="Poppins ExtraBold"/>
-      <p:bold r:id="rId52"/>
-      <p:boldItalic r:id="rId53"/>
+      <p:bold r:id="rId53"/>
+      <p:boldItalic r:id="rId54"/>
     </p:embeddedFont>
   </p:embeddedFontLst>
   <p:defaultTextStyle>
@@ -1019,7 +1020,7 @@
   <p:cSld>
     <p:spTree>
       <p:nvGrpSpPr>
-        <p:cNvPr id="314" name="Shape 314"/>
+        <p:cNvPr id="316" name="Shape 316"/>
         <p:cNvGrpSpPr/>
         <p:nvPr/>
       </p:nvGrpSpPr>
@@ -1033,7 +1034,7 @@
       </p:grpSpPr>
       <p:sp>
         <p:nvSpPr>
-          <p:cNvPr id="315" name="Google Shape;315;g27312f89b80_0_721:notes"/>
+          <p:cNvPr id="317" name="Google Shape;317;g27312f89b80_0_638:notes"/>
           <p:cNvSpPr/>
           <p:nvPr>
             <p:ph idx="2" type="sldImg"/>
@@ -1078,7 +1079,7 @@
       </p:sp>
       <p:sp>
         <p:nvSpPr>
-          <p:cNvPr id="316" name="Google Shape;316;g27312f89b80_0_721:notes"/>
+          <p:cNvPr id="318" name="Google Shape;318;g27312f89b80_0_638:notes"/>
           <p:cNvSpPr txBox="1"/>
           <p:nvPr>
             <p:ph idx="1" type="body"/>
@@ -1138,7 +1139,7 @@
   <p:cSld>
     <p:spTree>
       <p:nvGrpSpPr>
-        <p:cNvPr id="323" name="Shape 323"/>
+        <p:cNvPr id="325" name="Shape 325"/>
         <p:cNvGrpSpPr/>
         <p:nvPr/>
       </p:nvGrpSpPr>
@@ -1152,7 +1153,7 @@
       </p:grpSpPr>
       <p:sp>
         <p:nvSpPr>
-          <p:cNvPr id="324" name="Google Shape;324;g27312f89b80_0_731:notes"/>
+          <p:cNvPr id="326" name="Google Shape;326;g27312f89b80_0_721:notes"/>
           <p:cNvSpPr/>
           <p:nvPr>
             <p:ph idx="2" type="sldImg"/>
@@ -1197,7 +1198,7 @@
       </p:sp>
       <p:sp>
         <p:nvSpPr>
-          <p:cNvPr id="325" name="Google Shape;325;g27312f89b80_0_731:notes"/>
+          <p:cNvPr id="327" name="Google Shape;327;g27312f89b80_0_721:notes"/>
           <p:cNvSpPr txBox="1"/>
           <p:nvPr>
             <p:ph idx="1" type="body"/>
@@ -1257,7 +1258,7 @@
   <p:cSld>
     <p:spTree>
       <p:nvGrpSpPr>
-        <p:cNvPr id="332" name="Shape 332"/>
+        <p:cNvPr id="334" name="Shape 334"/>
         <p:cNvGrpSpPr/>
         <p:nvPr/>
       </p:nvGrpSpPr>
@@ -1271,7 +1272,7 @@
       </p:grpSpPr>
       <p:sp>
         <p:nvSpPr>
-          <p:cNvPr id="333" name="Google Shape;333;g27312f89b80_0_741:notes"/>
+          <p:cNvPr id="335" name="Google Shape;335;g27312f89b80_0_731:notes"/>
           <p:cNvSpPr/>
           <p:nvPr>
             <p:ph idx="2" type="sldImg"/>
@@ -1316,7 +1317,7 @@
       </p:sp>
       <p:sp>
         <p:nvSpPr>
-          <p:cNvPr id="334" name="Google Shape;334;g27312f89b80_0_741:notes"/>
+          <p:cNvPr id="336" name="Google Shape;336;g27312f89b80_0_731:notes"/>
           <p:cNvSpPr txBox="1"/>
           <p:nvPr>
             <p:ph idx="1" type="body"/>
@@ -1376,7 +1377,7 @@
   <p:cSld>
     <p:spTree>
       <p:nvGrpSpPr>
-        <p:cNvPr id="341" name="Shape 341"/>
+        <p:cNvPr id="343" name="Shape 343"/>
         <p:cNvGrpSpPr/>
         <p:nvPr/>
       </p:nvGrpSpPr>
@@ -1390,7 +1391,7 @@
       </p:grpSpPr>
       <p:sp>
         <p:nvSpPr>
-          <p:cNvPr id="342" name="Google Shape;342;g27312f89b80_0_751:notes"/>
+          <p:cNvPr id="344" name="Google Shape;344;g27312f89b80_0_741:notes"/>
           <p:cNvSpPr/>
           <p:nvPr>
             <p:ph idx="2" type="sldImg"/>
@@ -1435,7 +1436,7 @@
       </p:sp>
       <p:sp>
         <p:nvSpPr>
-          <p:cNvPr id="343" name="Google Shape;343;g27312f89b80_0_751:notes"/>
+          <p:cNvPr id="345" name="Google Shape;345;g27312f89b80_0_741:notes"/>
           <p:cNvSpPr txBox="1"/>
           <p:nvPr>
             <p:ph idx="1" type="body"/>
@@ -1495,7 +1496,7 @@
   <p:cSld>
     <p:spTree>
       <p:nvGrpSpPr>
-        <p:cNvPr id="350" name="Shape 350"/>
+        <p:cNvPr id="352" name="Shape 352"/>
         <p:cNvGrpSpPr/>
         <p:nvPr/>
       </p:nvGrpSpPr>
@@ -1509,7 +1510,7 @@
       </p:grpSpPr>
       <p:sp>
         <p:nvSpPr>
-          <p:cNvPr id="351" name="Google Shape;351;g27312f89b80_0_777:notes"/>
+          <p:cNvPr id="353" name="Google Shape;353;g27312f89b80_0_751:notes"/>
           <p:cNvSpPr/>
           <p:nvPr>
             <p:ph idx="2" type="sldImg"/>
@@ -1554,7 +1555,7 @@
       </p:sp>
       <p:sp>
         <p:nvSpPr>
-          <p:cNvPr id="352" name="Google Shape;352;g27312f89b80_0_777:notes"/>
+          <p:cNvPr id="354" name="Google Shape;354;g27312f89b80_0_751:notes"/>
           <p:cNvSpPr txBox="1"/>
           <p:nvPr>
             <p:ph idx="1" type="body"/>
@@ -1614,7 +1615,7 @@
   <p:cSld>
     <p:spTree>
       <p:nvGrpSpPr>
-        <p:cNvPr id="359" name="Shape 359"/>
+        <p:cNvPr id="361" name="Shape 361"/>
         <p:cNvGrpSpPr/>
         <p:nvPr/>
       </p:nvGrpSpPr>
@@ -1628,7 +1629,7 @@
       </p:grpSpPr>
       <p:sp>
         <p:nvSpPr>
-          <p:cNvPr id="360" name="Google Shape;360;g27312f89b80_0_787:notes"/>
+          <p:cNvPr id="362" name="Google Shape;362;g27312f89b80_0_777:notes"/>
           <p:cNvSpPr/>
           <p:nvPr>
             <p:ph idx="2" type="sldImg"/>
@@ -1673,7 +1674,7 @@
       </p:sp>
       <p:sp>
         <p:nvSpPr>
-          <p:cNvPr id="361" name="Google Shape;361;g27312f89b80_0_787:notes"/>
+          <p:cNvPr id="363" name="Google Shape;363;g27312f89b80_0_777:notes"/>
           <p:cNvSpPr txBox="1"/>
           <p:nvPr>
             <p:ph idx="1" type="body"/>
@@ -1733,7 +1734,7 @@
   <p:cSld>
     <p:spTree>
       <p:nvGrpSpPr>
-        <p:cNvPr id="368" name="Shape 368"/>
+        <p:cNvPr id="370" name="Shape 370"/>
         <p:cNvGrpSpPr/>
         <p:nvPr/>
       </p:nvGrpSpPr>
@@ -1747,7 +1748,7 @@
       </p:grpSpPr>
       <p:sp>
         <p:nvSpPr>
-          <p:cNvPr id="369" name="Google Shape;369;g27312f89b80_0_797:notes"/>
+          <p:cNvPr id="371" name="Google Shape;371;g27312f89b80_0_787:notes"/>
           <p:cNvSpPr/>
           <p:nvPr>
             <p:ph idx="2" type="sldImg"/>
@@ -1792,7 +1793,7 @@
       </p:sp>
       <p:sp>
         <p:nvSpPr>
-          <p:cNvPr id="370" name="Google Shape;370;g27312f89b80_0_797:notes"/>
+          <p:cNvPr id="372" name="Google Shape;372;g27312f89b80_0_787:notes"/>
           <p:cNvSpPr txBox="1"/>
           <p:nvPr>
             <p:ph idx="1" type="body"/>
@@ -1852,7 +1853,7 @@
   <p:cSld>
     <p:spTree>
       <p:nvGrpSpPr>
-        <p:cNvPr id="377" name="Shape 377"/>
+        <p:cNvPr id="379" name="Shape 379"/>
         <p:cNvGrpSpPr/>
         <p:nvPr/>
       </p:nvGrpSpPr>
@@ -1866,7 +1867,7 @@
       </p:grpSpPr>
       <p:sp>
         <p:nvSpPr>
-          <p:cNvPr id="378" name="Google Shape;378;g27312f89b80_0_807:notes"/>
+          <p:cNvPr id="380" name="Google Shape;380;g27312f89b80_0_797:notes"/>
           <p:cNvSpPr/>
           <p:nvPr>
             <p:ph idx="2" type="sldImg"/>
@@ -1911,7 +1912,7 @@
       </p:sp>
       <p:sp>
         <p:nvSpPr>
-          <p:cNvPr id="379" name="Google Shape;379;g27312f89b80_0_807:notes"/>
+          <p:cNvPr id="381" name="Google Shape;381;g27312f89b80_0_797:notes"/>
           <p:cNvSpPr txBox="1"/>
           <p:nvPr>
             <p:ph idx="1" type="body"/>
@@ -1971,7 +1972,7 @@
   <p:cSld>
     <p:spTree>
       <p:nvGrpSpPr>
-        <p:cNvPr id="387" name="Shape 387"/>
+        <p:cNvPr id="388" name="Shape 388"/>
         <p:cNvGrpSpPr/>
         <p:nvPr/>
       </p:nvGrpSpPr>
@@ -1985,7 +1986,126 @@
       </p:grpSpPr>
       <p:sp>
         <p:nvSpPr>
-          <p:cNvPr id="388" name="Google Shape;388;g27312f89b80_0_36:notes"/>
+          <p:cNvPr id="389" name="Google Shape;389;g27312f89b80_0_807:notes"/>
+          <p:cNvSpPr/>
+          <p:nvPr>
+            <p:ph idx="2" type="sldImg"/>
+          </p:nvPr>
+        </p:nvSpPr>
+        <p:spPr>
+          <a:xfrm>
+            <a:off x="381000" y="685800"/>
+            <a:ext cx="6096000" cy="3429000"/>
+          </a:xfrm>
+          <a:custGeom>
+            <a:rect b="b" l="l" r="r" t="t"/>
+            <a:pathLst>
+              <a:path extrusionOk="0" h="120000" w="120000">
+                <a:moveTo>
+                  <a:pt x="0" y="0"/>
+                </a:moveTo>
+                <a:lnTo>
+                  <a:pt x="120000" y="0"/>
+                </a:lnTo>
+                <a:lnTo>
+                  <a:pt x="120000" y="120000"/>
+                </a:lnTo>
+                <a:lnTo>
+                  <a:pt x="0" y="120000"/>
+                </a:lnTo>
+                <a:close/>
+              </a:path>
+            </a:pathLst>
+          </a:custGeom>
+          <a:noFill/>
+          <a:ln cap="flat" cmpd="sng" w="9525">
+            <a:solidFill>
+              <a:srgbClr val="000000"/>
+            </a:solidFill>
+            <a:prstDash val="solid"/>
+            <a:round/>
+            <a:headEnd len="sm" w="sm" type="none"/>
+            <a:tailEnd len="sm" w="sm" type="none"/>
+          </a:ln>
+        </p:spPr>
+      </p:sp>
+      <p:sp>
+        <p:nvSpPr>
+          <p:cNvPr id="390" name="Google Shape;390;g27312f89b80_0_807:notes"/>
+          <p:cNvSpPr txBox="1"/>
+          <p:nvPr>
+            <p:ph idx="1" type="body"/>
+          </p:nvPr>
+        </p:nvSpPr>
+        <p:spPr>
+          <a:xfrm>
+            <a:off x="685800" y="4343400"/>
+            <a:ext cx="5486400" cy="4114800"/>
+          </a:xfrm>
+          <a:prstGeom prst="rect">
+            <a:avLst/>
+          </a:prstGeom>
+          <a:noFill/>
+          <a:ln>
+            <a:noFill/>
+          </a:ln>
+        </p:spPr>
+        <p:txBody>
+          <a:bodyPr anchorCtr="0" anchor="t" bIns="91425" lIns="91425" spcFirstLastPara="1" rIns="91425" wrap="square" tIns="91425">
+            <a:noAutofit/>
+          </a:bodyPr>
+          <a:lstStyle/>
+          <a:p>
+            <a:pPr indent="0" lvl="0" marL="0" rtl="0" algn="l">
+              <a:spcBef>
+                <a:spcPts val="0"/>
+              </a:spcBef>
+              <a:spcAft>
+                <a:spcPts val="0"/>
+              </a:spcAft>
+              <a:buSzPts val="1100"/>
+              <a:buNone/>
+            </a:pPr>
+            <a:r>
+              <a:rPr lang="en">
+                <a:solidFill>
+                  <a:schemeClr val="dk1"/>
+                </a:solidFill>
+              </a:rPr>
+              <a:t>Fahmi / Firhan</a:t>
+            </a:r>
+            <a:endParaRPr/>
+          </a:p>
+        </p:txBody>
+      </p:sp>
+    </p:spTree>
+  </p:cSld>
+  <p:clrMapOvr>
+    <a:masterClrMapping/>
+  </p:clrMapOvr>
+</p:notes>
+</file>
+
+<file path=ppt/notesSlides/notesSlide19.xml><?xml version="1.0" encoding="utf-8"?>
+<p:notes xmlns:a="http://schemas.openxmlformats.org/drawingml/2006/main" xmlns:r="http://schemas.openxmlformats.org/officeDocument/2006/relationships" xmlns:mc="http://schemas.openxmlformats.org/markup-compatibility/2006" xmlns:mv="urn:schemas-microsoft-com:mac:vml" xmlns:p="http://schemas.openxmlformats.org/presentationml/2006/main" xmlns:c="http://schemas.openxmlformats.org/drawingml/2006/chart" xmlns:dgm="http://schemas.openxmlformats.org/drawingml/2006/diagram" xmlns:o="urn:schemas-microsoft-com:office:office" xmlns:v="urn:schemas-microsoft-com:vml" xmlns:pvml="urn:schemas-microsoft-com:office:powerpoint" xmlns:com="http://schemas.openxmlformats.org/drawingml/2006/compatibility" xmlns:p14="http://schemas.microsoft.com/office/powerpoint/2010/main" xmlns:p15="http://schemas.microsoft.com/office/powerpoint/2012/main" xmlns:ahyp="http://schemas.microsoft.com/office/drawing/2018/hyperlinkcolor" showMasterPhAnim="0" showMasterSp="0">
+  <p:cSld>
+    <p:spTree>
+      <p:nvGrpSpPr>
+        <p:cNvPr id="398" name="Shape 398"/>
+        <p:cNvGrpSpPr/>
+        <p:nvPr/>
+      </p:nvGrpSpPr>
+      <p:grpSpPr>
+        <a:xfrm>
+          <a:off x="0" y="0"/>
+          <a:ext cx="0" cy="0"/>
+          <a:chOff x="0" y="0"/>
+          <a:chExt cx="0" cy="0"/>
+        </a:xfrm>
+      </p:grpSpPr>
+      <p:sp>
+        <p:nvSpPr>
+          <p:cNvPr id="399" name="Google Shape;399;g27312f89b80_0_36:notes"/>
           <p:cNvSpPr/>
           <p:nvPr>
             <p:ph idx="2" type="sldImg"/>
@@ -2030,124 +2150,7 @@
       </p:sp>
       <p:sp>
         <p:nvSpPr>
-          <p:cNvPr id="389" name="Google Shape;389;g27312f89b80_0_36:notes"/>
-          <p:cNvSpPr txBox="1"/>
-          <p:nvPr>
-            <p:ph idx="1" type="body"/>
-          </p:nvPr>
-        </p:nvSpPr>
-        <p:spPr>
-          <a:xfrm>
-            <a:off x="685800" y="4343400"/>
-            <a:ext cx="5486400" cy="4114800"/>
-          </a:xfrm>
-          <a:prstGeom prst="rect">
-            <a:avLst/>
-          </a:prstGeom>
-          <a:noFill/>
-          <a:ln>
-            <a:noFill/>
-          </a:ln>
-        </p:spPr>
-        <p:txBody>
-          <a:bodyPr anchorCtr="0" anchor="t" bIns="91425" lIns="91425" spcFirstLastPara="1" rIns="91425" wrap="square" tIns="91425">
-            <a:noAutofit/>
-          </a:bodyPr>
-          <a:lstStyle/>
-          <a:p>
-            <a:pPr indent="0" lvl="0" marL="0" rtl="0" algn="l">
-              <a:lnSpc>
-                <a:spcPct val="100000"/>
-              </a:lnSpc>
-              <a:spcBef>
-                <a:spcPts val="0"/>
-              </a:spcBef>
-              <a:spcAft>
-                <a:spcPts val="0"/>
-              </a:spcAft>
-              <a:buSzPts val="1100"/>
-              <a:buNone/>
-            </a:pPr>
-            <a:r>
-              <a:t/>
-            </a:r>
-            <a:endParaRPr/>
-          </a:p>
-        </p:txBody>
-      </p:sp>
-    </p:spTree>
-  </p:cSld>
-  <p:clrMapOvr>
-    <a:masterClrMapping/>
-  </p:clrMapOvr>
-</p:notes>
-</file>
-
-<file path=ppt/notesSlides/notesSlide19.xml><?xml version="1.0" encoding="utf-8"?>
-<p:notes xmlns:a="http://schemas.openxmlformats.org/drawingml/2006/main" xmlns:r="http://schemas.openxmlformats.org/officeDocument/2006/relationships" xmlns:mc="http://schemas.openxmlformats.org/markup-compatibility/2006" xmlns:mv="urn:schemas-microsoft-com:mac:vml" xmlns:p="http://schemas.openxmlformats.org/presentationml/2006/main" xmlns:c="http://schemas.openxmlformats.org/drawingml/2006/chart" xmlns:dgm="http://schemas.openxmlformats.org/drawingml/2006/diagram" xmlns:o="urn:schemas-microsoft-com:office:office" xmlns:v="urn:schemas-microsoft-com:vml" xmlns:pvml="urn:schemas-microsoft-com:office:powerpoint" xmlns:com="http://schemas.openxmlformats.org/drawingml/2006/compatibility" xmlns:p14="http://schemas.microsoft.com/office/powerpoint/2010/main" xmlns:p15="http://schemas.microsoft.com/office/powerpoint/2012/main" xmlns:ahyp="http://schemas.microsoft.com/office/drawing/2018/hyperlinkcolor" showMasterPhAnim="0" showMasterSp="0">
-  <p:cSld>
-    <p:spTree>
-      <p:nvGrpSpPr>
-        <p:cNvPr id="395" name="Shape 395"/>
-        <p:cNvGrpSpPr/>
-        <p:nvPr/>
-      </p:nvGrpSpPr>
-      <p:grpSpPr>
-        <a:xfrm>
-          <a:off x="0" y="0"/>
-          <a:ext cx="0" cy="0"/>
-          <a:chOff x="0" y="0"/>
-          <a:chExt cx="0" cy="0"/>
-        </a:xfrm>
-      </p:grpSpPr>
-      <p:sp>
-        <p:nvSpPr>
-          <p:cNvPr id="396" name="Google Shape;396;g27312f89b80_0_1504:notes"/>
-          <p:cNvSpPr/>
-          <p:nvPr>
-            <p:ph idx="2" type="sldImg"/>
-          </p:nvPr>
-        </p:nvSpPr>
-        <p:spPr>
-          <a:xfrm>
-            <a:off x="381000" y="685800"/>
-            <a:ext cx="6096000" cy="3429000"/>
-          </a:xfrm>
-          <a:custGeom>
-            <a:rect b="b" l="l" r="r" t="t"/>
-            <a:pathLst>
-              <a:path extrusionOk="0" h="120000" w="120000">
-                <a:moveTo>
-                  <a:pt x="0" y="0"/>
-                </a:moveTo>
-                <a:lnTo>
-                  <a:pt x="120000" y="0"/>
-                </a:lnTo>
-                <a:lnTo>
-                  <a:pt x="120000" y="120000"/>
-                </a:lnTo>
-                <a:lnTo>
-                  <a:pt x="0" y="120000"/>
-                </a:lnTo>
-                <a:close/>
-              </a:path>
-            </a:pathLst>
-          </a:custGeom>
-          <a:noFill/>
-          <a:ln cap="flat" cmpd="sng" w="9525">
-            <a:solidFill>
-              <a:srgbClr val="000000"/>
-            </a:solidFill>
-            <a:prstDash val="solid"/>
-            <a:round/>
-            <a:headEnd len="sm" w="sm" type="none"/>
-            <a:tailEnd len="sm" w="sm" type="none"/>
-          </a:ln>
-        </p:spPr>
-      </p:sp>
-      <p:sp>
-        <p:nvSpPr>
-          <p:cNvPr id="397" name="Google Shape;397;g27312f89b80_0_1504:notes"/>
+          <p:cNvPr id="400" name="Google Shape;400;g27312f89b80_0_36:notes"/>
           <p:cNvSpPr txBox="1"/>
           <p:nvPr>
             <p:ph idx="1" type="body"/>
@@ -2322,7 +2325,7 @@
   <p:cSld>
     <p:spTree>
       <p:nvGrpSpPr>
-        <p:cNvPr id="405" name="Shape 405"/>
+        <p:cNvPr id="406" name="Shape 406"/>
         <p:cNvGrpSpPr/>
         <p:nvPr/>
       </p:nvGrpSpPr>
@@ -2336,7 +2339,124 @@
       </p:grpSpPr>
       <p:sp>
         <p:nvSpPr>
-          <p:cNvPr id="406" name="Google Shape;406;g27312f89b80_0_1426:notes"/>
+          <p:cNvPr id="407" name="Google Shape;407;g27312f89b80_0_1504:notes"/>
+          <p:cNvSpPr/>
+          <p:nvPr>
+            <p:ph idx="2" type="sldImg"/>
+          </p:nvPr>
+        </p:nvSpPr>
+        <p:spPr>
+          <a:xfrm>
+            <a:off x="381000" y="685800"/>
+            <a:ext cx="6096000" cy="3429000"/>
+          </a:xfrm>
+          <a:custGeom>
+            <a:rect b="b" l="l" r="r" t="t"/>
+            <a:pathLst>
+              <a:path extrusionOk="0" h="120000" w="120000">
+                <a:moveTo>
+                  <a:pt x="0" y="0"/>
+                </a:moveTo>
+                <a:lnTo>
+                  <a:pt x="120000" y="0"/>
+                </a:lnTo>
+                <a:lnTo>
+                  <a:pt x="120000" y="120000"/>
+                </a:lnTo>
+                <a:lnTo>
+                  <a:pt x="0" y="120000"/>
+                </a:lnTo>
+                <a:close/>
+              </a:path>
+            </a:pathLst>
+          </a:custGeom>
+          <a:noFill/>
+          <a:ln cap="flat" cmpd="sng" w="9525">
+            <a:solidFill>
+              <a:srgbClr val="000000"/>
+            </a:solidFill>
+            <a:prstDash val="solid"/>
+            <a:round/>
+            <a:headEnd len="sm" w="sm" type="none"/>
+            <a:tailEnd len="sm" w="sm" type="none"/>
+          </a:ln>
+        </p:spPr>
+      </p:sp>
+      <p:sp>
+        <p:nvSpPr>
+          <p:cNvPr id="408" name="Google Shape;408;g27312f89b80_0_1504:notes"/>
+          <p:cNvSpPr txBox="1"/>
+          <p:nvPr>
+            <p:ph idx="1" type="body"/>
+          </p:nvPr>
+        </p:nvSpPr>
+        <p:spPr>
+          <a:xfrm>
+            <a:off x="685800" y="4343400"/>
+            <a:ext cx="5486400" cy="4114800"/>
+          </a:xfrm>
+          <a:prstGeom prst="rect">
+            <a:avLst/>
+          </a:prstGeom>
+          <a:noFill/>
+          <a:ln>
+            <a:noFill/>
+          </a:ln>
+        </p:spPr>
+        <p:txBody>
+          <a:bodyPr anchorCtr="0" anchor="t" bIns="91425" lIns="91425" spcFirstLastPara="1" rIns="91425" wrap="square" tIns="91425">
+            <a:noAutofit/>
+          </a:bodyPr>
+          <a:lstStyle/>
+          <a:p>
+            <a:pPr indent="0" lvl="0" marL="0" rtl="0" algn="l">
+              <a:lnSpc>
+                <a:spcPct val="100000"/>
+              </a:lnSpc>
+              <a:spcBef>
+                <a:spcPts val="0"/>
+              </a:spcBef>
+              <a:spcAft>
+                <a:spcPts val="0"/>
+              </a:spcAft>
+              <a:buSzPts val="1100"/>
+              <a:buNone/>
+            </a:pPr>
+            <a:r>
+              <a:t/>
+            </a:r>
+            <a:endParaRPr/>
+          </a:p>
+        </p:txBody>
+      </p:sp>
+    </p:spTree>
+  </p:cSld>
+  <p:clrMapOvr>
+    <a:masterClrMapping/>
+  </p:clrMapOvr>
+</p:notes>
+</file>
+
+<file path=ppt/notesSlides/notesSlide21.xml><?xml version="1.0" encoding="utf-8"?>
+<p:notes xmlns:a="http://schemas.openxmlformats.org/drawingml/2006/main" xmlns:r="http://schemas.openxmlformats.org/officeDocument/2006/relationships" xmlns:mc="http://schemas.openxmlformats.org/markup-compatibility/2006" xmlns:mv="urn:schemas-microsoft-com:mac:vml" xmlns:p="http://schemas.openxmlformats.org/presentationml/2006/main" xmlns:c="http://schemas.openxmlformats.org/drawingml/2006/chart" xmlns:dgm="http://schemas.openxmlformats.org/drawingml/2006/diagram" xmlns:o="urn:schemas-microsoft-com:office:office" xmlns:v="urn:schemas-microsoft-com:vml" xmlns:pvml="urn:schemas-microsoft-com:office:powerpoint" xmlns:com="http://schemas.openxmlformats.org/drawingml/2006/compatibility" xmlns:p14="http://schemas.microsoft.com/office/powerpoint/2010/main" xmlns:p15="http://schemas.microsoft.com/office/powerpoint/2012/main" xmlns:ahyp="http://schemas.microsoft.com/office/drawing/2018/hyperlinkcolor" showMasterPhAnim="0" showMasterSp="0">
+  <p:cSld>
+    <p:spTree>
+      <p:nvGrpSpPr>
+        <p:cNvPr id="416" name="Shape 416"/>
+        <p:cNvGrpSpPr/>
+        <p:nvPr/>
+      </p:nvGrpSpPr>
+      <p:grpSpPr>
+        <a:xfrm>
+          <a:off x="0" y="0"/>
+          <a:ext cx="0" cy="0"/>
+          <a:chOff x="0" y="0"/>
+          <a:chExt cx="0" cy="0"/>
+        </a:xfrm>
+      </p:grpSpPr>
+      <p:sp>
+        <p:nvSpPr>
+          <p:cNvPr id="417" name="Google Shape;417;g27312f89b80_0_1426:notes"/>
           <p:cNvSpPr/>
           <p:nvPr>
             <p:ph idx="2" type="sldImg"/>
@@ -2381,7 +2501,7 @@
       </p:sp>
       <p:sp>
         <p:nvSpPr>
-          <p:cNvPr id="407" name="Google Shape;407;g27312f89b80_0_1426:notes"/>
+          <p:cNvPr id="418" name="Google Shape;418;g27312f89b80_0_1426:notes"/>
           <p:cNvSpPr txBox="1"/>
           <p:nvPr>
             <p:ph idx="1" type="body"/>
@@ -2434,12 +2554,12 @@
 </p:notes>
 </file>
 
-<file path=ppt/notesSlides/notesSlide21.xml><?xml version="1.0" encoding="utf-8"?>
+<file path=ppt/notesSlides/notesSlide22.xml><?xml version="1.0" encoding="utf-8"?>
 <p:notes xmlns:a="http://schemas.openxmlformats.org/drawingml/2006/main" xmlns:r="http://schemas.openxmlformats.org/officeDocument/2006/relationships" xmlns:mc="http://schemas.openxmlformats.org/markup-compatibility/2006" xmlns:mv="urn:schemas-microsoft-com:mac:vml" xmlns:p="http://schemas.openxmlformats.org/presentationml/2006/main" xmlns:c="http://schemas.openxmlformats.org/drawingml/2006/chart" xmlns:dgm="http://schemas.openxmlformats.org/drawingml/2006/diagram" xmlns:o="urn:schemas-microsoft-com:office:office" xmlns:v="urn:schemas-microsoft-com:vml" xmlns:pvml="urn:schemas-microsoft-com:office:powerpoint" xmlns:com="http://schemas.openxmlformats.org/drawingml/2006/compatibility" xmlns:p14="http://schemas.microsoft.com/office/powerpoint/2010/main" xmlns:p15="http://schemas.microsoft.com/office/powerpoint/2012/main" xmlns:ahyp="http://schemas.microsoft.com/office/drawing/2018/hyperlinkcolor" showMasterPhAnim="0" showMasterSp="0">
   <p:cSld>
     <p:spTree>
       <p:nvGrpSpPr>
-        <p:cNvPr id="414" name="Shape 414"/>
+        <p:cNvPr id="425" name="Shape 425"/>
         <p:cNvGrpSpPr/>
         <p:nvPr/>
       </p:nvGrpSpPr>
@@ -2453,7 +2573,7 @@
       </p:grpSpPr>
       <p:sp>
         <p:nvSpPr>
-          <p:cNvPr id="415" name="Google Shape;415;g27312f89b80_0_1588:notes"/>
+          <p:cNvPr id="426" name="Google Shape;426;g27312f89b80_0_1588:notes"/>
           <p:cNvSpPr/>
           <p:nvPr>
             <p:ph idx="2" type="sldImg"/>
@@ -2498,7 +2618,7 @@
       </p:sp>
       <p:sp>
         <p:nvSpPr>
-          <p:cNvPr id="416" name="Google Shape;416;g27312f89b80_0_1588:notes"/>
+          <p:cNvPr id="427" name="Google Shape;427;g27312f89b80_0_1588:notes"/>
           <p:cNvSpPr txBox="1"/>
           <p:nvPr>
             <p:ph idx="1" type="body"/>
@@ -2551,12 +2671,12 @@
 </p:notes>
 </file>
 
-<file path=ppt/notesSlides/notesSlide22.xml><?xml version="1.0" encoding="utf-8"?>
+<file path=ppt/notesSlides/notesSlide23.xml><?xml version="1.0" encoding="utf-8"?>
 <p:notes xmlns:a="http://schemas.openxmlformats.org/drawingml/2006/main" xmlns:r="http://schemas.openxmlformats.org/officeDocument/2006/relationships" xmlns:mc="http://schemas.openxmlformats.org/markup-compatibility/2006" xmlns:mv="urn:schemas-microsoft-com:mac:vml" xmlns:p="http://schemas.openxmlformats.org/presentationml/2006/main" xmlns:c="http://schemas.openxmlformats.org/drawingml/2006/chart" xmlns:dgm="http://schemas.openxmlformats.org/drawingml/2006/diagram" xmlns:o="urn:schemas-microsoft-com:office:office" xmlns:v="urn:schemas-microsoft-com:vml" xmlns:pvml="urn:schemas-microsoft-com:office:powerpoint" xmlns:com="http://schemas.openxmlformats.org/drawingml/2006/compatibility" xmlns:p14="http://schemas.microsoft.com/office/powerpoint/2010/main" xmlns:p15="http://schemas.microsoft.com/office/powerpoint/2012/main" xmlns:ahyp="http://schemas.microsoft.com/office/drawing/2018/hyperlinkcolor" showMasterPhAnim="0" showMasterSp="0">
   <p:cSld>
     <p:spTree>
       <p:nvGrpSpPr>
-        <p:cNvPr id="422" name="Shape 422"/>
+        <p:cNvPr id="433" name="Shape 433"/>
         <p:cNvGrpSpPr/>
         <p:nvPr/>
       </p:nvGrpSpPr>
@@ -2570,7 +2690,7 @@
       </p:grpSpPr>
       <p:sp>
         <p:nvSpPr>
-          <p:cNvPr id="423" name="Google Shape;423;g27312f89b80_0_1271:notes"/>
+          <p:cNvPr id="434" name="Google Shape;434;g27312f89b80_0_1271:notes"/>
           <p:cNvSpPr/>
           <p:nvPr>
             <p:ph idx="2" type="sldImg"/>
@@ -2615,7 +2735,7 @@
       </p:sp>
       <p:sp>
         <p:nvSpPr>
-          <p:cNvPr id="424" name="Google Shape;424;g27312f89b80_0_1271:notes"/>
+          <p:cNvPr id="435" name="Google Shape;435;g27312f89b80_0_1271:notes"/>
           <p:cNvSpPr txBox="1"/>
           <p:nvPr>
             <p:ph idx="1" type="body"/>
@@ -2668,12 +2788,12 @@
 </p:notes>
 </file>
 
-<file path=ppt/notesSlides/notesSlide23.xml><?xml version="1.0" encoding="utf-8"?>
+<file path=ppt/notesSlides/notesSlide24.xml><?xml version="1.0" encoding="utf-8"?>
 <p:notes xmlns:a="http://schemas.openxmlformats.org/drawingml/2006/main" xmlns:r="http://schemas.openxmlformats.org/officeDocument/2006/relationships" xmlns:mc="http://schemas.openxmlformats.org/markup-compatibility/2006" xmlns:mv="urn:schemas-microsoft-com:mac:vml" xmlns:p="http://schemas.openxmlformats.org/presentationml/2006/main" xmlns:c="http://schemas.openxmlformats.org/drawingml/2006/chart" xmlns:dgm="http://schemas.openxmlformats.org/drawingml/2006/diagram" xmlns:o="urn:schemas-microsoft-com:office:office" xmlns:v="urn:schemas-microsoft-com:vml" xmlns:pvml="urn:schemas-microsoft-com:office:powerpoint" xmlns:com="http://schemas.openxmlformats.org/drawingml/2006/compatibility" xmlns:p14="http://schemas.microsoft.com/office/powerpoint/2010/main" xmlns:p15="http://schemas.microsoft.com/office/powerpoint/2012/main" xmlns:ahyp="http://schemas.microsoft.com/office/drawing/2018/hyperlinkcolor" showMasterPhAnim="0" showMasterSp="0">
   <p:cSld>
     <p:spTree>
       <p:nvGrpSpPr>
-        <p:cNvPr id="429" name="Shape 429"/>
+        <p:cNvPr id="440" name="Shape 440"/>
         <p:cNvGrpSpPr/>
         <p:nvPr/>
       </p:nvGrpSpPr>
@@ -2687,7 +2807,7 @@
       </p:grpSpPr>
       <p:sp>
         <p:nvSpPr>
-          <p:cNvPr id="430" name="Google Shape;430;g27312f89b80_0_899:notes"/>
+          <p:cNvPr id="441" name="Google Shape;441;g27312f89b80_0_899:notes"/>
           <p:cNvSpPr/>
           <p:nvPr>
             <p:ph idx="2" type="sldImg"/>
@@ -2732,7 +2852,7 @@
       </p:sp>
       <p:sp>
         <p:nvSpPr>
-          <p:cNvPr id="431" name="Google Shape;431;g27312f89b80_0_899:notes"/>
+          <p:cNvPr id="442" name="Google Shape;442;g27312f89b80_0_899:notes"/>
           <p:cNvSpPr txBox="1"/>
           <p:nvPr>
             <p:ph idx="1" type="body"/>
@@ -3496,7 +3616,7 @@
   <p:cSld>
     <p:spTree>
       <p:nvGrpSpPr>
-        <p:cNvPr id="305" name="Shape 305"/>
+        <p:cNvPr id="307" name="Shape 307"/>
         <p:cNvGrpSpPr/>
         <p:nvPr/>
       </p:nvGrpSpPr>
@@ -3510,7 +3630,7 @@
       </p:grpSpPr>
       <p:sp>
         <p:nvSpPr>
-          <p:cNvPr id="306" name="Google Shape;306;g27312f89b80_0_638:notes"/>
+          <p:cNvPr id="308" name="Google Shape;308;g20e1b220102_2_4:notes"/>
           <p:cNvSpPr/>
           <p:nvPr>
             <p:ph idx="2" type="sldImg"/>
@@ -3555,7 +3675,7 @@
       </p:sp>
       <p:sp>
         <p:nvSpPr>
-          <p:cNvPr id="307" name="Google Shape;307;g27312f89b80_0_638:notes"/>
+          <p:cNvPr id="309" name="Google Shape;309;g20e1b220102_2_4:notes"/>
           <p:cNvSpPr txBox="1"/>
           <p:nvPr>
             <p:ph idx="1" type="body"/>
@@ -3581,6 +3701,9 @@
           <a:lstStyle/>
           <a:p>
             <a:pPr indent="0" lvl="0" marL="0" rtl="0" algn="l">
+              <a:lnSpc>
+                <a:spcPct val="100000"/>
+              </a:lnSpc>
               <a:spcBef>
                 <a:spcPts val="0"/>
               </a:spcBef>
@@ -3591,12 +3714,8 @@
               <a:buNone/>
             </a:pPr>
             <a:r>
-              <a:rPr lang="en">
-                <a:solidFill>
-                  <a:schemeClr val="dk1"/>
-                </a:solidFill>
-              </a:rPr>
-              <a:t>Fahmi / Firhan</a:t>
+              <a:rPr lang="en"/>
+              <a:t>Fattah</a:t>
             </a:r>
             <a:endParaRPr/>
           </a:p>
@@ -32799,7 +32918,7 @@
   <p:cSld>
     <p:spTree>
       <p:nvGrpSpPr>
-        <p:cNvPr id="317" name="Shape 317"/>
+        <p:cNvPr id="319" name="Shape 319"/>
         <p:cNvGrpSpPr/>
         <p:nvPr/>
       </p:nvGrpSpPr>
@@ -32813,7 +32932,7 @@
       </p:grpSpPr>
       <p:sp>
         <p:nvSpPr>
-          <p:cNvPr id="318" name="Google Shape;318;p67"/>
+          <p:cNvPr id="320" name="Google Shape;320;p67"/>
           <p:cNvSpPr txBox="1"/>
           <p:nvPr>
             <p:ph idx="12" type="sldNum"/>
@@ -32845,6 +32964,11 @@
               <a:spcAft>
                 <a:spcPts val="0"/>
               </a:spcAft>
+              <a:buClr>
+                <a:srgbClr val="000000"/>
+              </a:buClr>
+              <a:buSzPts val="1000"/>
+              <a:buFont typeface="Arial"/>
               <a:buNone/>
             </a:pPr>
             <a:fld id="{00000000-1234-1234-1234-123412341234}" type="slidenum">
@@ -32857,7 +32981,7 @@
       </p:sp>
       <p:sp>
         <p:nvSpPr>
-          <p:cNvPr id="319" name="Google Shape;319;p67"/>
+          <p:cNvPr id="321" name="Google Shape;321;p67"/>
           <p:cNvSpPr txBox="1"/>
           <p:nvPr/>
         </p:nvSpPr>
@@ -32923,7 +33047,7 @@
       </p:sp>
       <p:sp>
         <p:nvSpPr>
-          <p:cNvPr id="320" name="Google Shape;320;p67"/>
+          <p:cNvPr id="322" name="Google Shape;322;p67"/>
           <p:cNvSpPr txBox="1"/>
           <p:nvPr/>
         </p:nvSpPr>
@@ -32980,7 +33104,7 @@
       </p:sp>
       <p:sp>
         <p:nvSpPr>
-          <p:cNvPr id="321" name="Google Shape;321;p67"/>
+          <p:cNvPr id="323" name="Google Shape;323;p67"/>
           <p:cNvSpPr txBox="1"/>
           <p:nvPr/>
         </p:nvSpPr>
@@ -33065,6 +33189,559 @@
                 <a:cs typeface="Times New Roman"/>
                 <a:sym typeface="Times New Roman"/>
               </a:rPr>
+              <a:t>New Visitor is spread less across different regions compared to Returning Visitor and Other.</a:t>
+            </a:r>
+            <a:endParaRPr sz="1100">
+              <a:solidFill>
+                <a:schemeClr val="dk1"/>
+              </a:solidFill>
+              <a:latin typeface="Times New Roman"/>
+              <a:ea typeface="Times New Roman"/>
+              <a:cs typeface="Times New Roman"/>
+              <a:sym typeface="Times New Roman"/>
+            </a:endParaRPr>
+          </a:p>
+          <a:p>
+            <a:pPr indent="-298449" lvl="0" marL="89999" rtl="0" algn="l">
+              <a:lnSpc>
+                <a:spcPct val="115000"/>
+              </a:lnSpc>
+              <a:spcBef>
+                <a:spcPts val="0"/>
+              </a:spcBef>
+              <a:spcAft>
+                <a:spcPts val="0"/>
+              </a:spcAft>
+              <a:buClr>
+                <a:schemeClr val="dk1"/>
+              </a:buClr>
+              <a:buSzPts val="1100"/>
+              <a:buFont typeface="Times New Roman"/>
+              <a:buChar char="●"/>
+            </a:pPr>
+            <a:r>
+              <a:rPr lang="en" sz="1100">
+                <a:solidFill>
+                  <a:schemeClr val="dk1"/>
+                </a:solidFill>
+                <a:latin typeface="Times New Roman"/>
+                <a:ea typeface="Times New Roman"/>
+                <a:cs typeface="Times New Roman"/>
+                <a:sym typeface="Times New Roman"/>
+              </a:rPr>
+              <a:t>Other has the highest region spread.</a:t>
+            </a:r>
+            <a:endParaRPr sz="1100">
+              <a:solidFill>
+                <a:schemeClr val="dk1"/>
+              </a:solidFill>
+              <a:latin typeface="Times New Roman"/>
+              <a:ea typeface="Times New Roman"/>
+              <a:cs typeface="Times New Roman"/>
+              <a:sym typeface="Times New Roman"/>
+            </a:endParaRPr>
+          </a:p>
+          <a:p>
+            <a:pPr indent="-298449" lvl="0" marL="89999" rtl="0" algn="l">
+              <a:lnSpc>
+                <a:spcPct val="115000"/>
+              </a:lnSpc>
+              <a:spcBef>
+                <a:spcPts val="0"/>
+              </a:spcBef>
+              <a:spcAft>
+                <a:spcPts val="0"/>
+              </a:spcAft>
+              <a:buClr>
+                <a:schemeClr val="dk1"/>
+              </a:buClr>
+              <a:buSzPts val="1100"/>
+              <a:buFont typeface="Times New Roman"/>
+              <a:buChar char="●"/>
+            </a:pPr>
+            <a:r>
+              <a:rPr lang="en" sz="1100">
+                <a:solidFill>
+                  <a:schemeClr val="dk1"/>
+                </a:solidFill>
+                <a:latin typeface="Times New Roman"/>
+                <a:ea typeface="Times New Roman"/>
+                <a:cs typeface="Times New Roman"/>
+                <a:sym typeface="Times New Roman"/>
+              </a:rPr>
+              <a:t>Returning Visitor is in the middle between new visitors and other categories.</a:t>
+            </a:r>
+            <a:endParaRPr sz="1100">
+              <a:solidFill>
+                <a:schemeClr val="dk1"/>
+              </a:solidFill>
+              <a:latin typeface="Times New Roman"/>
+              <a:ea typeface="Times New Roman"/>
+              <a:cs typeface="Times New Roman"/>
+              <a:sym typeface="Times New Roman"/>
+            </a:endParaRPr>
+          </a:p>
+          <a:p>
+            <a:pPr indent="0" lvl="0" marL="0" rtl="0" algn="l">
+              <a:lnSpc>
+                <a:spcPct val="115000"/>
+              </a:lnSpc>
+              <a:spcBef>
+                <a:spcPts val="1200"/>
+              </a:spcBef>
+              <a:spcAft>
+                <a:spcPts val="0"/>
+              </a:spcAft>
+              <a:buNone/>
+            </a:pPr>
+            <a:r>
+              <a:rPr lang="en" sz="1100">
+                <a:solidFill>
+                  <a:schemeClr val="dk1"/>
+                </a:solidFill>
+                <a:latin typeface="Times New Roman"/>
+                <a:ea typeface="Times New Roman"/>
+                <a:cs typeface="Times New Roman"/>
+                <a:sym typeface="Times New Roman"/>
+              </a:rPr>
+              <a:t>Business Recommendations:</a:t>
+            </a:r>
+            <a:endParaRPr sz="1100">
+              <a:solidFill>
+                <a:schemeClr val="dk1"/>
+              </a:solidFill>
+              <a:latin typeface="Times New Roman"/>
+              <a:ea typeface="Times New Roman"/>
+              <a:cs typeface="Times New Roman"/>
+              <a:sym typeface="Times New Roman"/>
+            </a:endParaRPr>
+          </a:p>
+          <a:p>
+            <a:pPr indent="-298449" lvl="0" marL="89999" rtl="0" algn="l">
+              <a:lnSpc>
+                <a:spcPct val="115000"/>
+              </a:lnSpc>
+              <a:spcBef>
+                <a:spcPts val="1200"/>
+              </a:spcBef>
+              <a:spcAft>
+                <a:spcPts val="0"/>
+              </a:spcAft>
+              <a:buClr>
+                <a:schemeClr val="dk1"/>
+              </a:buClr>
+              <a:buSzPts val="1100"/>
+              <a:buFont typeface="Times New Roman"/>
+              <a:buChar char="●"/>
+            </a:pPr>
+            <a:r>
+              <a:rPr lang="en" sz="1100">
+                <a:solidFill>
+                  <a:schemeClr val="dk1"/>
+                </a:solidFill>
+                <a:latin typeface="Times New Roman"/>
+                <a:ea typeface="Times New Roman"/>
+                <a:cs typeface="Times New Roman"/>
+                <a:sym typeface="Times New Roman"/>
+              </a:rPr>
+              <a:t>Target New Visitors: Enhance marketing in regions with higher potential for new visitors to attract more new visitors.</a:t>
+            </a:r>
+            <a:endParaRPr sz="1100">
+              <a:solidFill>
+                <a:schemeClr val="dk1"/>
+              </a:solidFill>
+              <a:latin typeface="Times New Roman"/>
+              <a:ea typeface="Times New Roman"/>
+              <a:cs typeface="Times New Roman"/>
+              <a:sym typeface="Times New Roman"/>
+            </a:endParaRPr>
+          </a:p>
+          <a:p>
+            <a:pPr indent="-298449" lvl="0" marL="89999" rtl="0" algn="l">
+              <a:lnSpc>
+                <a:spcPct val="115000"/>
+              </a:lnSpc>
+              <a:spcBef>
+                <a:spcPts val="0"/>
+              </a:spcBef>
+              <a:spcAft>
+                <a:spcPts val="0"/>
+              </a:spcAft>
+              <a:buClr>
+                <a:schemeClr val="dk1"/>
+              </a:buClr>
+              <a:buSzPts val="1100"/>
+              <a:buFont typeface="Times New Roman"/>
+              <a:buChar char="●"/>
+            </a:pPr>
+            <a:r>
+              <a:rPr lang="en" sz="1100">
+                <a:solidFill>
+                  <a:schemeClr val="dk1"/>
+                </a:solidFill>
+                <a:latin typeface="Times New Roman"/>
+                <a:ea typeface="Times New Roman"/>
+                <a:cs typeface="Times New Roman"/>
+                <a:sym typeface="Times New Roman"/>
+              </a:rPr>
+              <a:t>Optimize for Other Visitor Categories: Identify what attracts the "Other" visitor category and apply those strategies in other regions.</a:t>
+            </a:r>
+            <a:endParaRPr sz="1100">
+              <a:solidFill>
+                <a:schemeClr val="dk1"/>
+              </a:solidFill>
+              <a:latin typeface="Times New Roman"/>
+              <a:ea typeface="Times New Roman"/>
+              <a:cs typeface="Times New Roman"/>
+              <a:sym typeface="Times New Roman"/>
+            </a:endParaRPr>
+          </a:p>
+          <a:p>
+            <a:pPr indent="-298449" lvl="0" marL="89999" rtl="0" algn="l">
+              <a:lnSpc>
+                <a:spcPct val="115000"/>
+              </a:lnSpc>
+              <a:spcBef>
+                <a:spcPts val="0"/>
+              </a:spcBef>
+              <a:spcAft>
+                <a:spcPts val="0"/>
+              </a:spcAft>
+              <a:buClr>
+                <a:schemeClr val="dk1"/>
+              </a:buClr>
+              <a:buSzPts val="1100"/>
+              <a:buFont typeface="Times New Roman"/>
+              <a:buChar char="●"/>
+            </a:pPr>
+            <a:r>
+              <a:rPr lang="en" sz="1100">
+                <a:solidFill>
+                  <a:schemeClr val="dk1"/>
+                </a:solidFill>
+                <a:latin typeface="Times New Roman"/>
+                <a:ea typeface="Times New Roman"/>
+                <a:cs typeface="Times New Roman"/>
+                <a:sym typeface="Times New Roman"/>
+              </a:rPr>
+              <a:t>Increase Returning Visitor Loyalty: Create loyalty programs or special offers to retain and increase engagement of returning visitors.</a:t>
+            </a:r>
+            <a:endParaRPr sz="1200">
+              <a:latin typeface="Times New Roman"/>
+              <a:ea typeface="Times New Roman"/>
+              <a:cs typeface="Times New Roman"/>
+              <a:sym typeface="Times New Roman"/>
+            </a:endParaRPr>
+          </a:p>
+        </p:txBody>
+      </p:sp>
+      <p:pic>
+        <p:nvPicPr>
+          <p:cNvPr id="324" name="Google Shape;324;p67"/>
+          <p:cNvPicPr preferRelativeResize="0"/>
+          <p:nvPr/>
+        </p:nvPicPr>
+        <p:blipFill>
+          <a:blip r:embed="rId3">
+            <a:alphaModFix/>
+          </a:blip>
+          <a:stretch>
+            <a:fillRect/>
+          </a:stretch>
+        </p:blipFill>
+        <p:spPr>
+          <a:xfrm>
+            <a:off x="245325" y="881725"/>
+            <a:ext cx="7151496" cy="1443625"/>
+          </a:xfrm>
+          <a:prstGeom prst="rect">
+            <a:avLst/>
+          </a:prstGeom>
+          <a:noFill/>
+          <a:ln>
+            <a:noFill/>
+          </a:ln>
+        </p:spPr>
+      </p:pic>
+    </p:spTree>
+  </p:cSld>
+  <p:clrMapOvr>
+    <a:masterClrMapping/>
+  </p:clrMapOvr>
+</p:sld>
+</file>
+
+<file path=ppt/slides/slide11.xml><?xml version="1.0" encoding="utf-8"?>
+<p:sld xmlns:a="http://schemas.openxmlformats.org/drawingml/2006/main" xmlns:r="http://schemas.openxmlformats.org/officeDocument/2006/relationships" xmlns:mc="http://schemas.openxmlformats.org/markup-compatibility/2006" xmlns:mv="urn:schemas-microsoft-com:mac:vml" xmlns:p="http://schemas.openxmlformats.org/presentationml/2006/main" xmlns:c="http://schemas.openxmlformats.org/drawingml/2006/chart" xmlns:dgm="http://schemas.openxmlformats.org/drawingml/2006/diagram" xmlns:o="urn:schemas-microsoft-com:office:office" xmlns:v="urn:schemas-microsoft-com:vml" xmlns:pvml="urn:schemas-microsoft-com:office:powerpoint" xmlns:com="http://schemas.openxmlformats.org/drawingml/2006/compatibility" xmlns:p14="http://schemas.microsoft.com/office/powerpoint/2010/main" xmlns:p15="http://schemas.microsoft.com/office/powerpoint/2012/main" xmlns:ahyp="http://schemas.microsoft.com/office/drawing/2018/hyperlinkcolor">
+  <p:cSld>
+    <p:spTree>
+      <p:nvGrpSpPr>
+        <p:cNvPr id="328" name="Shape 328"/>
+        <p:cNvGrpSpPr/>
+        <p:nvPr/>
+      </p:nvGrpSpPr>
+      <p:grpSpPr>
+        <a:xfrm>
+          <a:off x="0" y="0"/>
+          <a:ext cx="0" cy="0"/>
+          <a:chOff x="0" y="0"/>
+          <a:chExt cx="0" cy="0"/>
+        </a:xfrm>
+      </p:grpSpPr>
+      <p:sp>
+        <p:nvSpPr>
+          <p:cNvPr id="329" name="Google Shape;329;p68"/>
+          <p:cNvSpPr txBox="1"/>
+          <p:nvPr>
+            <p:ph idx="12" type="sldNum"/>
+          </p:nvPr>
+        </p:nvSpPr>
+        <p:spPr>
+          <a:xfrm>
+            <a:off x="8472458" y="4663217"/>
+            <a:ext cx="548700" cy="393600"/>
+          </a:xfrm>
+          <a:prstGeom prst="rect">
+            <a:avLst/>
+          </a:prstGeom>
+          <a:noFill/>
+          <a:ln>
+            <a:noFill/>
+          </a:ln>
+        </p:spPr>
+        <p:txBody>
+          <a:bodyPr anchorCtr="0" anchor="ctr" bIns="91425" lIns="91425" spcFirstLastPara="1" rIns="91425" wrap="square" tIns="91425">
+            <a:normAutofit/>
+          </a:bodyPr>
+          <a:lstStyle/>
+          <a:p>
+            <a:pPr indent="0" lvl="0" marL="0" rtl="0" algn="r">
+              <a:spcBef>
+                <a:spcPts val="0"/>
+              </a:spcBef>
+              <a:spcAft>
+                <a:spcPts val="0"/>
+              </a:spcAft>
+              <a:buNone/>
+            </a:pPr>
+            <a:fld id="{00000000-1234-1234-1234-123412341234}" type="slidenum">
+              <a:rPr lang="en"/>
+              <a:t>‹#›</a:t>
+            </a:fld>
+            <a:endParaRPr/>
+          </a:p>
+        </p:txBody>
+      </p:sp>
+      <p:sp>
+        <p:nvSpPr>
+          <p:cNvPr id="330" name="Google Shape;330;p68"/>
+          <p:cNvSpPr txBox="1"/>
+          <p:nvPr/>
+        </p:nvSpPr>
+        <p:spPr>
+          <a:xfrm>
+            <a:off x="408128" y="283543"/>
+            <a:ext cx="4863600" cy="561000"/>
+          </a:xfrm>
+          <a:prstGeom prst="rect">
+            <a:avLst/>
+          </a:prstGeom>
+          <a:noFill/>
+          <a:ln>
+            <a:noFill/>
+          </a:ln>
+        </p:spPr>
+        <p:txBody>
+          <a:bodyPr anchorCtr="0" anchor="t" bIns="91425" lIns="91425" spcFirstLastPara="1" rIns="91425" wrap="square" tIns="91425">
+            <a:noAutofit/>
+          </a:bodyPr>
+          <a:lstStyle/>
+          <a:p>
+            <a:pPr indent="0" lvl="0" marL="0" marR="0" rtl="0" algn="l">
+              <a:lnSpc>
+                <a:spcPct val="90000"/>
+              </a:lnSpc>
+              <a:spcBef>
+                <a:spcPts val="0"/>
+              </a:spcBef>
+              <a:spcAft>
+                <a:spcPts val="0"/>
+              </a:spcAft>
+              <a:buClr>
+                <a:srgbClr val="000000"/>
+              </a:buClr>
+              <a:buSzPts val="3500"/>
+              <a:buFont typeface="Arial"/>
+              <a:buNone/>
+            </a:pPr>
+            <a:r>
+              <a:rPr b="1" i="0" lang="en" sz="3200" u="none" cap="none" strike="noStrike">
+                <a:solidFill>
+                  <a:srgbClr val="F06634"/>
+                </a:solidFill>
+                <a:latin typeface="Poppins SemiBold"/>
+                <a:ea typeface="Poppins SemiBold"/>
+                <a:cs typeface="Poppins SemiBold"/>
+                <a:sym typeface="Poppins SemiBold"/>
+              </a:rPr>
+              <a:t>Analysis Data</a:t>
+            </a:r>
+            <a:endParaRPr b="1" i="0" sz="3200" u="none" cap="none" strike="noStrike">
+              <a:solidFill>
+                <a:srgbClr val="F06634"/>
+              </a:solidFill>
+              <a:latin typeface="Poppins SemiBold"/>
+              <a:ea typeface="Poppins SemiBold"/>
+              <a:cs typeface="Poppins SemiBold"/>
+              <a:sym typeface="Poppins SemiBold"/>
+            </a:endParaRPr>
+          </a:p>
+        </p:txBody>
+      </p:sp>
+      <p:sp>
+        <p:nvSpPr>
+          <p:cNvPr id="331" name="Google Shape;331;p68"/>
+          <p:cNvSpPr txBox="1"/>
+          <p:nvPr/>
+        </p:nvSpPr>
+        <p:spPr>
+          <a:xfrm>
+            <a:off x="6862171" y="163078"/>
+            <a:ext cx="1851600" cy="375900"/>
+          </a:xfrm>
+          <a:prstGeom prst="rect">
+            <a:avLst/>
+          </a:prstGeom>
+          <a:noFill/>
+          <a:ln>
+            <a:noFill/>
+          </a:ln>
+        </p:spPr>
+        <p:txBody>
+          <a:bodyPr anchorCtr="0" anchor="t" bIns="91425" lIns="91425" spcFirstLastPara="1" rIns="91425" wrap="square" tIns="91425">
+            <a:noAutofit/>
+          </a:bodyPr>
+          <a:lstStyle/>
+          <a:p>
+            <a:pPr indent="0" lvl="0" marL="0" marR="0" rtl="0" algn="l">
+              <a:lnSpc>
+                <a:spcPct val="90000"/>
+              </a:lnSpc>
+              <a:spcBef>
+                <a:spcPts val="0"/>
+              </a:spcBef>
+              <a:spcAft>
+                <a:spcPts val="0"/>
+              </a:spcAft>
+              <a:buClr>
+                <a:srgbClr val="000000"/>
+              </a:buClr>
+              <a:buSzPts val="3500"/>
+              <a:buFont typeface="Arial"/>
+              <a:buNone/>
+            </a:pPr>
+            <a:r>
+              <a:t/>
+            </a:r>
+            <a:endParaRPr b="0" i="0" sz="1200" u="none" cap="none" strike="noStrike">
+              <a:solidFill>
+                <a:srgbClr val="F06634"/>
+              </a:solidFill>
+              <a:latin typeface="Poppins ExtraBold"/>
+              <a:ea typeface="Poppins ExtraBold"/>
+              <a:cs typeface="Poppins ExtraBold"/>
+              <a:sym typeface="Poppins ExtraBold"/>
+            </a:endParaRPr>
+          </a:p>
+        </p:txBody>
+      </p:sp>
+      <p:sp>
+        <p:nvSpPr>
+          <p:cNvPr id="332" name="Google Shape;332;p68"/>
+          <p:cNvSpPr txBox="1"/>
+          <p:nvPr/>
+        </p:nvSpPr>
+        <p:spPr>
+          <a:xfrm>
+            <a:off x="918475" y="2255125"/>
+            <a:ext cx="7935900" cy="2086500"/>
+          </a:xfrm>
+          <a:prstGeom prst="rect">
+            <a:avLst/>
+          </a:prstGeom>
+          <a:noFill/>
+          <a:ln>
+            <a:noFill/>
+          </a:ln>
+        </p:spPr>
+        <p:txBody>
+          <a:bodyPr anchorCtr="0" anchor="t" bIns="45700" lIns="91425" spcFirstLastPara="1" rIns="91425" wrap="square" tIns="45700">
+            <a:spAutoFit/>
+          </a:bodyPr>
+          <a:lstStyle/>
+          <a:p>
+            <a:pPr indent="0" lvl="0" marL="0" rtl="0" algn="l">
+              <a:lnSpc>
+                <a:spcPct val="115000"/>
+              </a:lnSpc>
+              <a:spcBef>
+                <a:spcPts val="1200"/>
+              </a:spcBef>
+              <a:spcAft>
+                <a:spcPts val="0"/>
+              </a:spcAft>
+              <a:buNone/>
+            </a:pPr>
+            <a:r>
+              <a:rPr lang="en" sz="1100">
+                <a:solidFill>
+                  <a:schemeClr val="dk1"/>
+                </a:solidFill>
+                <a:latin typeface="Times New Roman"/>
+                <a:ea typeface="Times New Roman"/>
+                <a:cs typeface="Times New Roman"/>
+                <a:sym typeface="Times New Roman"/>
+              </a:rPr>
+              <a:t>Insight:</a:t>
+            </a:r>
+            <a:endParaRPr sz="1100">
+              <a:solidFill>
+                <a:schemeClr val="dk1"/>
+              </a:solidFill>
+              <a:latin typeface="Times New Roman"/>
+              <a:ea typeface="Times New Roman"/>
+              <a:cs typeface="Times New Roman"/>
+              <a:sym typeface="Times New Roman"/>
+            </a:endParaRPr>
+          </a:p>
+          <a:p>
+            <a:pPr indent="-298449" lvl="0" marL="89999" rtl="0" algn="l">
+              <a:lnSpc>
+                <a:spcPct val="115000"/>
+              </a:lnSpc>
+              <a:spcBef>
+                <a:spcPts val="1200"/>
+              </a:spcBef>
+              <a:spcAft>
+                <a:spcPts val="0"/>
+              </a:spcAft>
+              <a:buClr>
+                <a:schemeClr val="dk1"/>
+              </a:buClr>
+              <a:buSzPts val="1100"/>
+              <a:buFont typeface="Times New Roman"/>
+              <a:buChar char="●"/>
+            </a:pPr>
+            <a:r>
+              <a:rPr lang="en" sz="1100">
+                <a:solidFill>
+                  <a:schemeClr val="dk1"/>
+                </a:solidFill>
+                <a:latin typeface="Times New Roman"/>
+                <a:ea typeface="Times New Roman"/>
+                <a:cs typeface="Times New Roman"/>
+                <a:sym typeface="Times New Roman"/>
+              </a:rPr>
               <a:t>The Other visitor category uses a wider variety of operating systems compared to other visitors.</a:t>
             </a:r>
             <a:endParaRPr sz="1100">
@@ -33276,7 +33953,7 @@
       </p:sp>
       <p:pic>
         <p:nvPicPr>
-          <p:cNvPr id="322" name="Google Shape;322;p67"/>
+          <p:cNvPr id="333" name="Google Shape;333;p68"/>
           <p:cNvPicPr preferRelativeResize="0"/>
           <p:nvPr/>
         </p:nvPicPr>
@@ -33310,12 +33987,12 @@
 </p:sld>
 </file>
 
-<file path=ppt/slides/slide11.xml><?xml version="1.0" encoding="utf-8"?>
+<file path=ppt/slides/slide12.xml><?xml version="1.0" encoding="utf-8"?>
 <p:sld xmlns:a="http://schemas.openxmlformats.org/drawingml/2006/main" xmlns:r="http://schemas.openxmlformats.org/officeDocument/2006/relationships" xmlns:mc="http://schemas.openxmlformats.org/markup-compatibility/2006" xmlns:mv="urn:schemas-microsoft-com:mac:vml" xmlns:p="http://schemas.openxmlformats.org/presentationml/2006/main" xmlns:c="http://schemas.openxmlformats.org/drawingml/2006/chart" xmlns:dgm="http://schemas.openxmlformats.org/drawingml/2006/diagram" xmlns:o="urn:schemas-microsoft-com:office:office" xmlns:v="urn:schemas-microsoft-com:vml" xmlns:pvml="urn:schemas-microsoft-com:office:powerpoint" xmlns:com="http://schemas.openxmlformats.org/drawingml/2006/compatibility" xmlns:p14="http://schemas.microsoft.com/office/powerpoint/2010/main" xmlns:p15="http://schemas.microsoft.com/office/powerpoint/2012/main" xmlns:ahyp="http://schemas.microsoft.com/office/drawing/2018/hyperlinkcolor">
   <p:cSld>
     <p:spTree>
       <p:nvGrpSpPr>
-        <p:cNvPr id="326" name="Shape 326"/>
+        <p:cNvPr id="337" name="Shape 337"/>
         <p:cNvGrpSpPr/>
         <p:nvPr/>
       </p:nvGrpSpPr>
@@ -33329,7 +34006,7 @@
       </p:grpSpPr>
       <p:sp>
         <p:nvSpPr>
-          <p:cNvPr id="327" name="Google Shape;327;p68"/>
+          <p:cNvPr id="338" name="Google Shape;338;p69"/>
           <p:cNvSpPr txBox="1"/>
           <p:nvPr>
             <p:ph idx="12" type="sldNum"/>
@@ -33373,7 +34050,7 @@
       </p:sp>
       <p:sp>
         <p:nvSpPr>
-          <p:cNvPr id="328" name="Google Shape;328;p68"/>
+          <p:cNvPr id="339" name="Google Shape;339;p69"/>
           <p:cNvSpPr txBox="1"/>
           <p:nvPr/>
         </p:nvSpPr>
@@ -33439,7 +34116,7 @@
       </p:sp>
       <p:sp>
         <p:nvSpPr>
-          <p:cNvPr id="329" name="Google Shape;329;p68"/>
+          <p:cNvPr id="340" name="Google Shape;340;p69"/>
           <p:cNvSpPr txBox="1"/>
           <p:nvPr/>
         </p:nvSpPr>
@@ -33496,7 +34173,7 @@
       </p:sp>
       <p:sp>
         <p:nvSpPr>
-          <p:cNvPr id="330" name="Google Shape;330;p68"/>
+          <p:cNvPr id="341" name="Google Shape;341;p69"/>
           <p:cNvSpPr txBox="1"/>
           <p:nvPr/>
         </p:nvSpPr>
@@ -33828,7 +34505,7 @@
       </p:sp>
       <p:pic>
         <p:nvPicPr>
-          <p:cNvPr id="331" name="Google Shape;331;p68"/>
+          <p:cNvPr id="342" name="Google Shape;342;p69"/>
           <p:cNvPicPr preferRelativeResize="0"/>
           <p:nvPr/>
         </p:nvPicPr>
@@ -33862,12 +34539,12 @@
 </p:sld>
 </file>
 
-<file path=ppt/slides/slide12.xml><?xml version="1.0" encoding="utf-8"?>
+<file path=ppt/slides/slide13.xml><?xml version="1.0" encoding="utf-8"?>
 <p:sld xmlns:a="http://schemas.openxmlformats.org/drawingml/2006/main" xmlns:r="http://schemas.openxmlformats.org/officeDocument/2006/relationships" xmlns:mc="http://schemas.openxmlformats.org/markup-compatibility/2006" xmlns:mv="urn:schemas-microsoft-com:mac:vml" xmlns:p="http://schemas.openxmlformats.org/presentationml/2006/main" xmlns:c="http://schemas.openxmlformats.org/drawingml/2006/chart" xmlns:dgm="http://schemas.openxmlformats.org/drawingml/2006/diagram" xmlns:o="urn:schemas-microsoft-com:office:office" xmlns:v="urn:schemas-microsoft-com:vml" xmlns:pvml="urn:schemas-microsoft-com:office:powerpoint" xmlns:com="http://schemas.openxmlformats.org/drawingml/2006/compatibility" xmlns:p14="http://schemas.microsoft.com/office/powerpoint/2010/main" xmlns:p15="http://schemas.microsoft.com/office/powerpoint/2012/main" xmlns:ahyp="http://schemas.microsoft.com/office/drawing/2018/hyperlinkcolor">
   <p:cSld>
     <p:spTree>
       <p:nvGrpSpPr>
-        <p:cNvPr id="335" name="Shape 335"/>
+        <p:cNvPr id="346" name="Shape 346"/>
         <p:cNvGrpSpPr/>
         <p:nvPr/>
       </p:nvGrpSpPr>
@@ -33881,7 +34558,7 @@
       </p:grpSpPr>
       <p:sp>
         <p:nvSpPr>
-          <p:cNvPr id="336" name="Google Shape;336;p69"/>
+          <p:cNvPr id="347" name="Google Shape;347;p70"/>
           <p:cNvSpPr txBox="1"/>
           <p:nvPr>
             <p:ph idx="12" type="sldNum"/>
@@ -33925,7 +34602,7 @@
       </p:sp>
       <p:sp>
         <p:nvSpPr>
-          <p:cNvPr id="337" name="Google Shape;337;p69"/>
+          <p:cNvPr id="348" name="Google Shape;348;p70"/>
           <p:cNvSpPr txBox="1"/>
           <p:nvPr/>
         </p:nvSpPr>
@@ -33991,7 +34668,7 @@
       </p:sp>
       <p:sp>
         <p:nvSpPr>
-          <p:cNvPr id="338" name="Google Shape;338;p69"/>
+          <p:cNvPr id="349" name="Google Shape;349;p70"/>
           <p:cNvSpPr txBox="1"/>
           <p:nvPr/>
         </p:nvSpPr>
@@ -34048,7 +34725,7 @@
       </p:sp>
       <p:sp>
         <p:nvSpPr>
-          <p:cNvPr id="339" name="Google Shape;339;p69"/>
+          <p:cNvPr id="350" name="Google Shape;350;p70"/>
           <p:cNvSpPr txBox="1"/>
           <p:nvPr/>
         </p:nvSpPr>
@@ -34302,7 +34979,7 @@
       </p:sp>
       <p:pic>
         <p:nvPicPr>
-          <p:cNvPr id="340" name="Google Shape;340;p69"/>
+          <p:cNvPr id="351" name="Google Shape;351;p70"/>
           <p:cNvPicPr preferRelativeResize="0"/>
           <p:nvPr/>
         </p:nvPicPr>
@@ -34336,12 +35013,12 @@
 </p:sld>
 </file>
 
-<file path=ppt/slides/slide13.xml><?xml version="1.0" encoding="utf-8"?>
+<file path=ppt/slides/slide14.xml><?xml version="1.0" encoding="utf-8"?>
 <p:sld xmlns:a="http://schemas.openxmlformats.org/drawingml/2006/main" xmlns:r="http://schemas.openxmlformats.org/officeDocument/2006/relationships" xmlns:mc="http://schemas.openxmlformats.org/markup-compatibility/2006" xmlns:mv="urn:schemas-microsoft-com:mac:vml" xmlns:p="http://schemas.openxmlformats.org/presentationml/2006/main" xmlns:c="http://schemas.openxmlformats.org/drawingml/2006/chart" xmlns:dgm="http://schemas.openxmlformats.org/drawingml/2006/diagram" xmlns:o="urn:schemas-microsoft-com:office:office" xmlns:v="urn:schemas-microsoft-com:vml" xmlns:pvml="urn:schemas-microsoft-com:office:powerpoint" xmlns:com="http://schemas.openxmlformats.org/drawingml/2006/compatibility" xmlns:p14="http://schemas.microsoft.com/office/powerpoint/2010/main" xmlns:p15="http://schemas.microsoft.com/office/powerpoint/2012/main" xmlns:ahyp="http://schemas.microsoft.com/office/drawing/2018/hyperlinkcolor">
   <p:cSld>
     <p:spTree>
       <p:nvGrpSpPr>
-        <p:cNvPr id="344" name="Shape 344"/>
+        <p:cNvPr id="355" name="Shape 355"/>
         <p:cNvGrpSpPr/>
         <p:nvPr/>
       </p:nvGrpSpPr>
@@ -34355,7 +35032,7 @@
       </p:grpSpPr>
       <p:sp>
         <p:nvSpPr>
-          <p:cNvPr id="345" name="Google Shape;345;p70"/>
+          <p:cNvPr id="356" name="Google Shape;356;p71"/>
           <p:cNvSpPr txBox="1"/>
           <p:nvPr>
             <p:ph idx="12" type="sldNum"/>
@@ -34399,7 +35076,7 @@
       </p:sp>
       <p:sp>
         <p:nvSpPr>
-          <p:cNvPr id="346" name="Google Shape;346;p70"/>
+          <p:cNvPr id="357" name="Google Shape;357;p71"/>
           <p:cNvSpPr txBox="1"/>
           <p:nvPr/>
         </p:nvSpPr>
@@ -34465,7 +35142,7 @@
       </p:sp>
       <p:sp>
         <p:nvSpPr>
-          <p:cNvPr id="347" name="Google Shape;347;p70"/>
+          <p:cNvPr id="358" name="Google Shape;358;p71"/>
           <p:cNvSpPr txBox="1"/>
           <p:nvPr/>
         </p:nvSpPr>
@@ -34522,7 +35199,7 @@
       </p:sp>
       <p:sp>
         <p:nvSpPr>
-          <p:cNvPr id="348" name="Google Shape;348;p70"/>
+          <p:cNvPr id="359" name="Google Shape;359;p71"/>
           <p:cNvSpPr txBox="1"/>
           <p:nvPr/>
         </p:nvSpPr>
@@ -34776,7 +35453,7 @@
       </p:sp>
       <p:pic>
         <p:nvPicPr>
-          <p:cNvPr id="349" name="Google Shape;349;p70"/>
+          <p:cNvPr id="360" name="Google Shape;360;p71"/>
           <p:cNvPicPr preferRelativeResize="0"/>
           <p:nvPr/>
         </p:nvPicPr>
@@ -34810,12 +35487,12 @@
 </p:sld>
 </file>
 
-<file path=ppt/slides/slide14.xml><?xml version="1.0" encoding="utf-8"?>
+<file path=ppt/slides/slide15.xml><?xml version="1.0" encoding="utf-8"?>
 <p:sld xmlns:a="http://schemas.openxmlformats.org/drawingml/2006/main" xmlns:r="http://schemas.openxmlformats.org/officeDocument/2006/relationships" xmlns:mc="http://schemas.openxmlformats.org/markup-compatibility/2006" xmlns:mv="urn:schemas-microsoft-com:mac:vml" xmlns:p="http://schemas.openxmlformats.org/presentationml/2006/main" xmlns:c="http://schemas.openxmlformats.org/drawingml/2006/chart" xmlns:dgm="http://schemas.openxmlformats.org/drawingml/2006/diagram" xmlns:o="urn:schemas-microsoft-com:office:office" xmlns:v="urn:schemas-microsoft-com:vml" xmlns:pvml="urn:schemas-microsoft-com:office:powerpoint" xmlns:com="http://schemas.openxmlformats.org/drawingml/2006/compatibility" xmlns:p14="http://schemas.microsoft.com/office/powerpoint/2010/main" xmlns:p15="http://schemas.microsoft.com/office/powerpoint/2012/main" xmlns:ahyp="http://schemas.microsoft.com/office/drawing/2018/hyperlinkcolor">
   <p:cSld>
     <p:spTree>
       <p:nvGrpSpPr>
-        <p:cNvPr id="353" name="Shape 353"/>
+        <p:cNvPr id="364" name="Shape 364"/>
         <p:cNvGrpSpPr/>
         <p:nvPr/>
       </p:nvGrpSpPr>
@@ -34829,7 +35506,7 @@
       </p:grpSpPr>
       <p:sp>
         <p:nvSpPr>
-          <p:cNvPr id="354" name="Google Shape;354;p71"/>
+          <p:cNvPr id="365" name="Google Shape;365;p72"/>
           <p:cNvSpPr txBox="1"/>
           <p:nvPr>
             <p:ph idx="12" type="sldNum"/>
@@ -34873,7 +35550,7 @@
       </p:sp>
       <p:sp>
         <p:nvSpPr>
-          <p:cNvPr id="355" name="Google Shape;355;p71"/>
+          <p:cNvPr id="366" name="Google Shape;366;p72"/>
           <p:cNvSpPr txBox="1"/>
           <p:nvPr/>
         </p:nvSpPr>
@@ -34939,7 +35616,7 @@
       </p:sp>
       <p:sp>
         <p:nvSpPr>
-          <p:cNvPr id="356" name="Google Shape;356;p71"/>
+          <p:cNvPr id="367" name="Google Shape;367;p72"/>
           <p:cNvSpPr txBox="1"/>
           <p:nvPr/>
         </p:nvSpPr>
@@ -34996,7 +35673,7 @@
       </p:sp>
       <p:sp>
         <p:nvSpPr>
-          <p:cNvPr id="357" name="Google Shape;357;p71"/>
+          <p:cNvPr id="368" name="Google Shape;368;p72"/>
           <p:cNvSpPr txBox="1"/>
           <p:nvPr/>
         </p:nvSpPr>
@@ -35252,7 +35929,7 @@
       </p:sp>
       <p:pic>
         <p:nvPicPr>
-          <p:cNvPr id="358" name="Google Shape;358;p71"/>
+          <p:cNvPr id="369" name="Google Shape;369;p72"/>
           <p:cNvPicPr preferRelativeResize="0"/>
           <p:nvPr/>
         </p:nvPicPr>
@@ -35286,12 +35963,12 @@
 </p:sld>
 </file>
 
-<file path=ppt/slides/slide15.xml><?xml version="1.0" encoding="utf-8"?>
+<file path=ppt/slides/slide16.xml><?xml version="1.0" encoding="utf-8"?>
 <p:sld xmlns:a="http://schemas.openxmlformats.org/drawingml/2006/main" xmlns:r="http://schemas.openxmlformats.org/officeDocument/2006/relationships" xmlns:mc="http://schemas.openxmlformats.org/markup-compatibility/2006" xmlns:mv="urn:schemas-microsoft-com:mac:vml" xmlns:p="http://schemas.openxmlformats.org/presentationml/2006/main" xmlns:c="http://schemas.openxmlformats.org/drawingml/2006/chart" xmlns:dgm="http://schemas.openxmlformats.org/drawingml/2006/diagram" xmlns:o="urn:schemas-microsoft-com:office:office" xmlns:v="urn:schemas-microsoft-com:vml" xmlns:pvml="urn:schemas-microsoft-com:office:powerpoint" xmlns:com="http://schemas.openxmlformats.org/drawingml/2006/compatibility" xmlns:p14="http://schemas.microsoft.com/office/powerpoint/2010/main" xmlns:p15="http://schemas.microsoft.com/office/powerpoint/2012/main" xmlns:ahyp="http://schemas.microsoft.com/office/drawing/2018/hyperlinkcolor">
   <p:cSld>
     <p:spTree>
       <p:nvGrpSpPr>
-        <p:cNvPr id="362" name="Shape 362"/>
+        <p:cNvPr id="373" name="Shape 373"/>
         <p:cNvGrpSpPr/>
         <p:nvPr/>
       </p:nvGrpSpPr>
@@ -35305,7 +35982,7 @@
       </p:grpSpPr>
       <p:sp>
         <p:nvSpPr>
-          <p:cNvPr id="363" name="Google Shape;363;p72"/>
+          <p:cNvPr id="374" name="Google Shape;374;p73"/>
           <p:cNvSpPr txBox="1"/>
           <p:nvPr>
             <p:ph idx="12" type="sldNum"/>
@@ -35349,7 +36026,7 @@
       </p:sp>
       <p:sp>
         <p:nvSpPr>
-          <p:cNvPr id="364" name="Google Shape;364;p72"/>
+          <p:cNvPr id="375" name="Google Shape;375;p73"/>
           <p:cNvSpPr txBox="1"/>
           <p:nvPr/>
         </p:nvSpPr>
@@ -35415,7 +36092,7 @@
       </p:sp>
       <p:sp>
         <p:nvSpPr>
-          <p:cNvPr id="365" name="Google Shape;365;p72"/>
+          <p:cNvPr id="376" name="Google Shape;376;p73"/>
           <p:cNvSpPr txBox="1"/>
           <p:nvPr/>
         </p:nvSpPr>
@@ -35472,7 +36149,7 @@
       </p:sp>
       <p:sp>
         <p:nvSpPr>
-          <p:cNvPr id="366" name="Google Shape;366;p72"/>
+          <p:cNvPr id="377" name="Google Shape;377;p73"/>
           <p:cNvSpPr txBox="1"/>
           <p:nvPr/>
         </p:nvSpPr>
@@ -35728,7 +36405,7 @@
       </p:sp>
       <p:pic>
         <p:nvPicPr>
-          <p:cNvPr id="367" name="Google Shape;367;p72"/>
+          <p:cNvPr id="378" name="Google Shape;378;p73"/>
           <p:cNvPicPr preferRelativeResize="0"/>
           <p:nvPr/>
         </p:nvPicPr>
@@ -35762,12 +36439,12 @@
 </p:sld>
 </file>
 
-<file path=ppt/slides/slide16.xml><?xml version="1.0" encoding="utf-8"?>
+<file path=ppt/slides/slide17.xml><?xml version="1.0" encoding="utf-8"?>
 <p:sld xmlns:a="http://schemas.openxmlformats.org/drawingml/2006/main" xmlns:r="http://schemas.openxmlformats.org/officeDocument/2006/relationships" xmlns:mc="http://schemas.openxmlformats.org/markup-compatibility/2006" xmlns:mv="urn:schemas-microsoft-com:mac:vml" xmlns:p="http://schemas.openxmlformats.org/presentationml/2006/main" xmlns:c="http://schemas.openxmlformats.org/drawingml/2006/chart" xmlns:dgm="http://schemas.openxmlformats.org/drawingml/2006/diagram" xmlns:o="urn:schemas-microsoft-com:office:office" xmlns:v="urn:schemas-microsoft-com:vml" xmlns:pvml="urn:schemas-microsoft-com:office:powerpoint" xmlns:com="http://schemas.openxmlformats.org/drawingml/2006/compatibility" xmlns:p14="http://schemas.microsoft.com/office/powerpoint/2010/main" xmlns:p15="http://schemas.microsoft.com/office/powerpoint/2012/main" xmlns:ahyp="http://schemas.microsoft.com/office/drawing/2018/hyperlinkcolor">
   <p:cSld>
     <p:spTree>
       <p:nvGrpSpPr>
-        <p:cNvPr id="371" name="Shape 371"/>
+        <p:cNvPr id="382" name="Shape 382"/>
         <p:cNvGrpSpPr/>
         <p:nvPr/>
       </p:nvGrpSpPr>
@@ -35781,7 +36458,7 @@
       </p:grpSpPr>
       <p:sp>
         <p:nvSpPr>
-          <p:cNvPr id="372" name="Google Shape;372;p73"/>
+          <p:cNvPr id="383" name="Google Shape;383;p74"/>
           <p:cNvSpPr txBox="1"/>
           <p:nvPr>
             <p:ph idx="12" type="sldNum"/>
@@ -35825,7 +36502,7 @@
       </p:sp>
       <p:sp>
         <p:nvSpPr>
-          <p:cNvPr id="373" name="Google Shape;373;p73"/>
+          <p:cNvPr id="384" name="Google Shape;384;p74"/>
           <p:cNvSpPr txBox="1"/>
           <p:nvPr/>
         </p:nvSpPr>
@@ -35891,7 +36568,7 @@
       </p:sp>
       <p:sp>
         <p:nvSpPr>
-          <p:cNvPr id="374" name="Google Shape;374;p73"/>
+          <p:cNvPr id="385" name="Google Shape;385;p74"/>
           <p:cNvSpPr txBox="1"/>
           <p:nvPr/>
         </p:nvSpPr>
@@ -35948,7 +36625,7 @@
       </p:sp>
       <p:sp>
         <p:nvSpPr>
-          <p:cNvPr id="375" name="Google Shape;375;p73"/>
+          <p:cNvPr id="386" name="Google Shape;386;p74"/>
           <p:cNvSpPr txBox="1"/>
           <p:nvPr/>
         </p:nvSpPr>
@@ -36164,7 +36841,7 @@
       </p:sp>
       <p:pic>
         <p:nvPicPr>
-          <p:cNvPr id="376" name="Google Shape;376;p73"/>
+          <p:cNvPr id="387" name="Google Shape;387;p74"/>
           <p:cNvPicPr preferRelativeResize="0"/>
           <p:nvPr/>
         </p:nvPicPr>
@@ -36198,12 +36875,12 @@
 </p:sld>
 </file>
 
-<file path=ppt/slides/slide17.xml><?xml version="1.0" encoding="utf-8"?>
+<file path=ppt/slides/slide18.xml><?xml version="1.0" encoding="utf-8"?>
 <p:sld xmlns:a="http://schemas.openxmlformats.org/drawingml/2006/main" xmlns:r="http://schemas.openxmlformats.org/officeDocument/2006/relationships" xmlns:mc="http://schemas.openxmlformats.org/markup-compatibility/2006" xmlns:mv="urn:schemas-microsoft-com:mac:vml" xmlns:p="http://schemas.openxmlformats.org/presentationml/2006/main" xmlns:c="http://schemas.openxmlformats.org/drawingml/2006/chart" xmlns:dgm="http://schemas.openxmlformats.org/drawingml/2006/diagram" xmlns:o="urn:schemas-microsoft-com:office:office" xmlns:v="urn:schemas-microsoft-com:vml" xmlns:pvml="urn:schemas-microsoft-com:office:powerpoint" xmlns:com="http://schemas.openxmlformats.org/drawingml/2006/compatibility" xmlns:p14="http://schemas.microsoft.com/office/powerpoint/2010/main" xmlns:p15="http://schemas.microsoft.com/office/powerpoint/2012/main" xmlns:ahyp="http://schemas.microsoft.com/office/drawing/2018/hyperlinkcolor">
   <p:cSld>
     <p:spTree>
       <p:nvGrpSpPr>
-        <p:cNvPr id="380" name="Shape 380"/>
+        <p:cNvPr id="391" name="Shape 391"/>
         <p:cNvGrpSpPr/>
         <p:nvPr/>
       </p:nvGrpSpPr>
@@ -36217,7 +36894,7 @@
       </p:grpSpPr>
       <p:sp>
         <p:nvSpPr>
-          <p:cNvPr id="381" name="Google Shape;381;p74"/>
+          <p:cNvPr id="392" name="Google Shape;392;p75"/>
           <p:cNvSpPr txBox="1"/>
           <p:nvPr>
             <p:ph idx="12" type="sldNum"/>
@@ -36261,7 +36938,7 @@
       </p:sp>
       <p:sp>
         <p:nvSpPr>
-          <p:cNvPr id="382" name="Google Shape;382;p74"/>
+          <p:cNvPr id="393" name="Google Shape;393;p75"/>
           <p:cNvSpPr txBox="1"/>
           <p:nvPr/>
         </p:nvSpPr>
@@ -36327,7 +37004,7 @@
       </p:sp>
       <p:sp>
         <p:nvSpPr>
-          <p:cNvPr id="383" name="Google Shape;383;p74"/>
+          <p:cNvPr id="394" name="Google Shape;394;p75"/>
           <p:cNvSpPr txBox="1"/>
           <p:nvPr/>
         </p:nvSpPr>
@@ -36384,7 +37061,7 @@
       </p:sp>
       <p:sp>
         <p:nvSpPr>
-          <p:cNvPr id="384" name="Google Shape;384;p74"/>
+          <p:cNvPr id="395" name="Google Shape;395;p75"/>
           <p:cNvSpPr txBox="1"/>
           <p:nvPr/>
         </p:nvSpPr>
@@ -36600,7 +37277,7 @@
       </p:sp>
       <p:pic>
         <p:nvPicPr>
-          <p:cNvPr id="385" name="Google Shape;385;p74"/>
+          <p:cNvPr id="396" name="Google Shape;396;p75"/>
           <p:cNvPicPr preferRelativeResize="0"/>
           <p:nvPr/>
         </p:nvPicPr>
@@ -36628,7 +37305,7 @@
       </p:pic>
       <p:pic>
         <p:nvPicPr>
-          <p:cNvPr id="386" name="Google Shape;386;p74"/>
+          <p:cNvPr id="397" name="Google Shape;397;p75"/>
           <p:cNvPicPr preferRelativeResize="0"/>
           <p:nvPr/>
         </p:nvPicPr>
@@ -36662,12 +37339,12 @@
 </p:sld>
 </file>
 
-<file path=ppt/slides/slide18.xml><?xml version="1.0" encoding="utf-8"?>
+<file path=ppt/slides/slide19.xml><?xml version="1.0" encoding="utf-8"?>
 <p:sld xmlns:a="http://schemas.openxmlformats.org/drawingml/2006/main" xmlns:r="http://schemas.openxmlformats.org/officeDocument/2006/relationships" xmlns:mc="http://schemas.openxmlformats.org/markup-compatibility/2006" xmlns:mv="urn:schemas-microsoft-com:mac:vml" xmlns:p="http://schemas.openxmlformats.org/presentationml/2006/main" xmlns:c="http://schemas.openxmlformats.org/drawingml/2006/chart" xmlns:dgm="http://schemas.openxmlformats.org/drawingml/2006/diagram" xmlns:o="urn:schemas-microsoft-com:office:office" xmlns:v="urn:schemas-microsoft-com:vml" xmlns:pvml="urn:schemas-microsoft-com:office:powerpoint" xmlns:com="http://schemas.openxmlformats.org/drawingml/2006/compatibility" xmlns:p14="http://schemas.microsoft.com/office/powerpoint/2010/main" xmlns:p15="http://schemas.microsoft.com/office/powerpoint/2012/main" xmlns:ahyp="http://schemas.microsoft.com/office/drawing/2018/hyperlinkcolor">
   <p:cSld>
     <p:spTree>
       <p:nvGrpSpPr>
-        <p:cNvPr id="390" name="Shape 390"/>
+        <p:cNvPr id="401" name="Shape 401"/>
         <p:cNvGrpSpPr/>
         <p:nvPr/>
       </p:nvGrpSpPr>
@@ -36681,7 +37358,7 @@
       </p:grpSpPr>
       <p:sp>
         <p:nvSpPr>
-          <p:cNvPr id="391" name="Google Shape;391;p75"/>
+          <p:cNvPr id="402" name="Google Shape;402;p76"/>
           <p:cNvSpPr txBox="1"/>
           <p:nvPr/>
         </p:nvSpPr>
@@ -36747,7 +37424,7 @@
       </p:sp>
       <p:graphicFrame>
         <p:nvGraphicFramePr>
-          <p:cNvPr id="392" name="Google Shape;392;p75"/>
+          <p:cNvPr id="403" name="Google Shape;403;p76"/>
           <p:cNvGraphicFramePr/>
           <p:nvPr/>
         </p:nvGraphicFramePr>
@@ -36760,7 +37437,7 @@
             <a:tbl>
               <a:tblPr>
                 <a:noFill/>
-                <a:tableStyleId>{9ECB5CED-C7D4-43FA-A7EB-5550A9A2923C}</a:tableStyleId>
+                <a:tableStyleId>{9B17AD88-E45B-4232-8C63-73787A63ED5E}</a:tableStyleId>
               </a:tblPr>
               <a:tblGrid>
                 <a:gridCol w="862975"/>
@@ -38572,7 +39249,7 @@
       </p:graphicFrame>
       <p:sp>
         <p:nvSpPr>
-          <p:cNvPr id="393" name="Google Shape;393;p75"/>
+          <p:cNvPr id="404" name="Google Shape;404;p76"/>
           <p:cNvSpPr txBox="1"/>
           <p:nvPr>
             <p:ph idx="12" type="sldNum"/>
@@ -38620,7 +39297,7 @@
       </p:sp>
       <p:sp>
         <p:nvSpPr>
-          <p:cNvPr id="394" name="Google Shape;394;p75"/>
+          <p:cNvPr id="405" name="Google Shape;405;p76"/>
           <p:cNvSpPr txBox="1"/>
           <p:nvPr/>
         </p:nvSpPr>
@@ -38866,351 +39543,6 @@
           </a:p>
         </p:txBody>
       </p:sp>
-    </p:spTree>
-  </p:cSld>
-  <p:clrMapOvr>
-    <a:masterClrMapping/>
-  </p:clrMapOvr>
-</p:sld>
-</file>
-
-<file path=ppt/slides/slide19.xml><?xml version="1.0" encoding="utf-8"?>
-<p:sld xmlns:a="http://schemas.openxmlformats.org/drawingml/2006/main" xmlns:r="http://schemas.openxmlformats.org/officeDocument/2006/relationships" xmlns:mc="http://schemas.openxmlformats.org/markup-compatibility/2006" xmlns:mv="urn:schemas-microsoft-com:mac:vml" xmlns:p="http://schemas.openxmlformats.org/presentationml/2006/main" xmlns:c="http://schemas.openxmlformats.org/drawingml/2006/chart" xmlns:dgm="http://schemas.openxmlformats.org/drawingml/2006/diagram" xmlns:o="urn:schemas-microsoft-com:office:office" xmlns:v="urn:schemas-microsoft-com:vml" xmlns:pvml="urn:schemas-microsoft-com:office:powerpoint" xmlns:com="http://schemas.openxmlformats.org/drawingml/2006/compatibility" xmlns:p14="http://schemas.microsoft.com/office/powerpoint/2010/main" xmlns:p15="http://schemas.microsoft.com/office/powerpoint/2012/main" xmlns:ahyp="http://schemas.microsoft.com/office/drawing/2018/hyperlinkcolor">
-  <p:cSld>
-    <p:spTree>
-      <p:nvGrpSpPr>
-        <p:cNvPr id="398" name="Shape 398"/>
-        <p:cNvGrpSpPr/>
-        <p:nvPr/>
-      </p:nvGrpSpPr>
-      <p:grpSpPr>
-        <a:xfrm>
-          <a:off x="0" y="0"/>
-          <a:ext cx="0" cy="0"/>
-          <a:chOff x="0" y="0"/>
-          <a:chExt cx="0" cy="0"/>
-        </a:xfrm>
-      </p:grpSpPr>
-      <p:sp>
-        <p:nvSpPr>
-          <p:cNvPr id="399" name="Google Shape;399;p76"/>
-          <p:cNvSpPr txBox="1"/>
-          <p:nvPr>
-            <p:ph idx="12" type="sldNum"/>
-          </p:nvPr>
-        </p:nvSpPr>
-        <p:spPr>
-          <a:xfrm>
-            <a:off x="8472458" y="4663217"/>
-            <a:ext cx="548700" cy="393600"/>
-          </a:xfrm>
-          <a:prstGeom prst="rect">
-            <a:avLst/>
-          </a:prstGeom>
-          <a:noFill/>
-          <a:ln>
-            <a:noFill/>
-          </a:ln>
-        </p:spPr>
-        <p:txBody>
-          <a:bodyPr anchorCtr="0" anchor="ctr" bIns="91425" lIns="91425" spcFirstLastPara="1" rIns="91425" wrap="square" tIns="91425">
-            <a:normAutofit/>
-          </a:bodyPr>
-          <a:lstStyle/>
-          <a:p>
-            <a:pPr indent="0" lvl="0" marL="0" rtl="0" algn="r">
-              <a:spcBef>
-                <a:spcPts val="0"/>
-              </a:spcBef>
-              <a:spcAft>
-                <a:spcPts val="0"/>
-              </a:spcAft>
-              <a:buClr>
-                <a:srgbClr val="000000"/>
-              </a:buClr>
-              <a:buSzPts val="1000"/>
-              <a:buFont typeface="Arial"/>
-              <a:buNone/>
-            </a:pPr>
-            <a:fld id="{00000000-1234-1234-1234-123412341234}" type="slidenum">
-              <a:rPr lang="en"/>
-              <a:t>‹#›</a:t>
-            </a:fld>
-            <a:endParaRPr/>
-          </a:p>
-        </p:txBody>
-      </p:sp>
-      <p:sp>
-        <p:nvSpPr>
-          <p:cNvPr id="400" name="Google Shape;400;p76"/>
-          <p:cNvSpPr txBox="1"/>
-          <p:nvPr/>
-        </p:nvSpPr>
-        <p:spPr>
-          <a:xfrm>
-            <a:off x="1522753" y="-7"/>
-            <a:ext cx="4863600" cy="561000"/>
-          </a:xfrm>
-          <a:prstGeom prst="rect">
-            <a:avLst/>
-          </a:prstGeom>
-          <a:noFill/>
-          <a:ln>
-            <a:noFill/>
-          </a:ln>
-        </p:spPr>
-        <p:txBody>
-          <a:bodyPr anchorCtr="0" anchor="t" bIns="91425" lIns="91425" spcFirstLastPara="1" rIns="91425" wrap="square" tIns="91425">
-            <a:noAutofit/>
-          </a:bodyPr>
-          <a:lstStyle/>
-          <a:p>
-            <a:pPr indent="0" lvl="0" marL="0" marR="0" rtl="0" algn="l">
-              <a:lnSpc>
-                <a:spcPct val="90000"/>
-              </a:lnSpc>
-              <a:spcBef>
-                <a:spcPts val="0"/>
-              </a:spcBef>
-              <a:spcAft>
-                <a:spcPts val="0"/>
-              </a:spcAft>
-              <a:buClr>
-                <a:srgbClr val="000000"/>
-              </a:buClr>
-              <a:buSzPts val="3500"/>
-              <a:buFont typeface="Arial"/>
-              <a:buNone/>
-            </a:pPr>
-            <a:r>
-              <a:rPr b="1" i="0" lang="en" sz="3200" u="none" cap="none" strike="noStrike">
-                <a:solidFill>
-                  <a:srgbClr val="F06634"/>
-                </a:solidFill>
-                <a:latin typeface="Poppins SemiBold"/>
-                <a:ea typeface="Poppins SemiBold"/>
-                <a:cs typeface="Poppins SemiBold"/>
-                <a:sym typeface="Poppins SemiBold"/>
-              </a:rPr>
-              <a:t>Demo </a:t>
-            </a:r>
-            <a:r>
-              <a:rPr b="1" lang="en" sz="3200">
-                <a:solidFill>
-                  <a:srgbClr val="F06634"/>
-                </a:solidFill>
-                <a:latin typeface="Poppins SemiBold"/>
-                <a:ea typeface="Poppins SemiBold"/>
-                <a:cs typeface="Poppins SemiBold"/>
-                <a:sym typeface="Poppins SemiBold"/>
-              </a:rPr>
-              <a:t> </a:t>
-            </a:r>
-            <a:r>
-              <a:rPr b="1" i="0" lang="en" sz="3200" u="none" cap="none" strike="noStrike">
-                <a:solidFill>
-                  <a:srgbClr val="F06634"/>
-                </a:solidFill>
-                <a:latin typeface="Poppins SemiBold"/>
-                <a:ea typeface="Poppins SemiBold"/>
-                <a:cs typeface="Poppins SemiBold"/>
-                <a:sym typeface="Poppins SemiBold"/>
-              </a:rPr>
-              <a:t>Model</a:t>
-            </a:r>
-            <a:endParaRPr b="1" i="0" sz="3200" u="none" cap="none" strike="noStrike">
-              <a:solidFill>
-                <a:srgbClr val="F06634"/>
-              </a:solidFill>
-              <a:latin typeface="Poppins SemiBold"/>
-              <a:ea typeface="Poppins SemiBold"/>
-              <a:cs typeface="Poppins SemiBold"/>
-              <a:sym typeface="Poppins SemiBold"/>
-            </a:endParaRPr>
-          </a:p>
-        </p:txBody>
-      </p:sp>
-      <p:pic>
-        <p:nvPicPr>
-          <p:cNvPr id="401" name="Google Shape;401;p76"/>
-          <p:cNvPicPr preferRelativeResize="0"/>
-          <p:nvPr/>
-        </p:nvPicPr>
-        <p:blipFill rotWithShape="1">
-          <a:blip r:embed="rId3">
-            <a:alphaModFix/>
-          </a:blip>
-          <a:srcRect b="23630" l="27786" r="29556" t="21604"/>
-          <a:stretch/>
-        </p:blipFill>
-        <p:spPr>
-          <a:xfrm>
-            <a:off x="6557963" y="256299"/>
-            <a:ext cx="335818" cy="307777"/>
-          </a:xfrm>
-          <a:prstGeom prst="rect">
-            <a:avLst/>
-          </a:prstGeom>
-          <a:noFill/>
-          <a:ln>
-            <a:noFill/>
-          </a:ln>
-        </p:spPr>
-      </p:pic>
-      <p:sp>
-        <p:nvSpPr>
-          <p:cNvPr id="402" name="Google Shape;402;p76"/>
-          <p:cNvSpPr txBox="1"/>
-          <p:nvPr/>
-        </p:nvSpPr>
-        <p:spPr>
-          <a:xfrm>
-            <a:off x="6862171" y="163078"/>
-            <a:ext cx="1851600" cy="375900"/>
-          </a:xfrm>
-          <a:prstGeom prst="rect">
-            <a:avLst/>
-          </a:prstGeom>
-          <a:noFill/>
-          <a:ln>
-            <a:noFill/>
-          </a:ln>
-        </p:spPr>
-        <p:txBody>
-          <a:bodyPr anchorCtr="0" anchor="t" bIns="91425" lIns="91425" spcFirstLastPara="1" rIns="91425" wrap="square" tIns="91425">
-            <a:noAutofit/>
-          </a:bodyPr>
-          <a:lstStyle/>
-          <a:p>
-            <a:pPr indent="0" lvl="0" marL="0" marR="0" rtl="0" algn="l">
-              <a:lnSpc>
-                <a:spcPct val="90000"/>
-              </a:lnSpc>
-              <a:spcBef>
-                <a:spcPts val="0"/>
-              </a:spcBef>
-              <a:spcAft>
-                <a:spcPts val="0"/>
-              </a:spcAft>
-              <a:buClr>
-                <a:srgbClr val="000000"/>
-              </a:buClr>
-              <a:buSzPts val="3500"/>
-              <a:buFont typeface="Arial"/>
-              <a:buNone/>
-            </a:pPr>
-            <a:r>
-              <a:rPr b="0" i="0" lang="en" sz="1200" u="none" cap="none" strike="noStrike">
-                <a:solidFill>
-                  <a:srgbClr val="F06634"/>
-                </a:solidFill>
-                <a:latin typeface="Poppins ExtraBold"/>
-                <a:ea typeface="Poppins ExtraBold"/>
-                <a:cs typeface="Poppins ExtraBold"/>
-                <a:sym typeface="Poppins ExtraBold"/>
-              </a:rPr>
-              <a:t>Property</a:t>
-            </a:r>
-            <a:endParaRPr/>
-          </a:p>
-          <a:p>
-            <a:pPr indent="0" lvl="0" marL="0" marR="0" rtl="0" algn="l">
-              <a:lnSpc>
-                <a:spcPct val="90000"/>
-              </a:lnSpc>
-              <a:spcBef>
-                <a:spcPts val="0"/>
-              </a:spcBef>
-              <a:spcAft>
-                <a:spcPts val="0"/>
-              </a:spcAft>
-              <a:buClr>
-                <a:srgbClr val="000000"/>
-              </a:buClr>
-              <a:buSzPts val="3500"/>
-              <a:buFont typeface="Arial"/>
-              <a:buNone/>
-            </a:pPr>
-            <a:r>
-              <a:rPr b="0" i="0" lang="en" sz="1200" u="none" cap="none" strike="noStrike">
-                <a:solidFill>
-                  <a:srgbClr val="F06634"/>
-                </a:solidFill>
-                <a:latin typeface="Poppins ExtraBold"/>
-                <a:ea typeface="Poppins ExtraBold"/>
-                <a:cs typeface="Poppins ExtraBold"/>
-                <a:sym typeface="Poppins ExtraBold"/>
-              </a:rPr>
-              <a:t>Worth</a:t>
-            </a:r>
-            <a:endParaRPr b="0" i="0" sz="1200" u="none" cap="none" strike="noStrike">
-              <a:solidFill>
-                <a:srgbClr val="F06634"/>
-              </a:solidFill>
-              <a:latin typeface="Poppins ExtraBold"/>
-              <a:ea typeface="Poppins ExtraBold"/>
-              <a:cs typeface="Poppins ExtraBold"/>
-              <a:sym typeface="Poppins ExtraBold"/>
-            </a:endParaRPr>
-          </a:p>
-        </p:txBody>
-      </p:sp>
-      <p:pic>
-        <p:nvPicPr>
-          <p:cNvPr id="403" name="Google Shape;403;p76"/>
-          <p:cNvPicPr preferRelativeResize="0"/>
-          <p:nvPr/>
-        </p:nvPicPr>
-        <p:blipFill>
-          <a:blip r:embed="rId4">
-            <a:alphaModFix/>
-          </a:blip>
-          <a:stretch>
-            <a:fillRect/>
-          </a:stretch>
-        </p:blipFill>
-        <p:spPr>
-          <a:xfrm>
-            <a:off x="-374525" y="1240150"/>
-            <a:ext cx="4785975" cy="3092400"/>
-          </a:xfrm>
-          <a:prstGeom prst="rect">
-            <a:avLst/>
-          </a:prstGeom>
-          <a:noFill/>
-          <a:ln>
-            <a:noFill/>
-          </a:ln>
-        </p:spPr>
-      </p:pic>
-      <p:pic>
-        <p:nvPicPr>
-          <p:cNvPr id="404" name="Google Shape;404;p76"/>
-          <p:cNvPicPr preferRelativeResize="0"/>
-          <p:nvPr/>
-        </p:nvPicPr>
-        <p:blipFill>
-          <a:blip r:embed="rId5">
-            <a:alphaModFix/>
-          </a:blip>
-          <a:stretch>
-            <a:fillRect/>
-          </a:stretch>
-        </p:blipFill>
-        <p:spPr>
-          <a:xfrm>
-            <a:off x="3919725" y="1306938"/>
-            <a:ext cx="5701349" cy="2958824"/>
-          </a:xfrm>
-          <a:prstGeom prst="rect">
-            <a:avLst/>
-          </a:prstGeom>
-          <a:noFill/>
-          <a:ln>
-            <a:noFill/>
-          </a:ln>
-        </p:spPr>
-      </p:pic>
     </p:spTree>
   </p:cSld>
   <p:clrMapOvr>
@@ -39646,7 +39978,7 @@
   <p:cSld>
     <p:spTree>
       <p:nvGrpSpPr>
-        <p:cNvPr id="408" name="Shape 408"/>
+        <p:cNvPr id="409" name="Shape 409"/>
         <p:cNvGrpSpPr/>
         <p:nvPr/>
       </p:nvGrpSpPr>
@@ -39660,483 +39992,7 @@
       </p:grpSpPr>
       <p:sp>
         <p:nvSpPr>
-          <p:cNvPr id="409" name="Google Shape;409;p77"/>
-          <p:cNvSpPr txBox="1"/>
-          <p:nvPr/>
-        </p:nvSpPr>
-        <p:spPr>
-          <a:xfrm>
-            <a:off x="624375" y="1033475"/>
-            <a:ext cx="7750800" cy="484200"/>
-          </a:xfrm>
-          <a:prstGeom prst="rect">
-            <a:avLst/>
-          </a:prstGeom>
-          <a:noFill/>
-          <a:ln>
-            <a:noFill/>
-          </a:ln>
-        </p:spPr>
-        <p:txBody>
-          <a:bodyPr anchorCtr="0" anchor="t" bIns="91425" lIns="91425" spcFirstLastPara="1" rIns="91425" wrap="square" tIns="91425">
-            <a:noAutofit/>
-          </a:bodyPr>
-          <a:lstStyle/>
-          <a:p>
-            <a:pPr indent="0" lvl="0" marL="0" marR="0" rtl="0" algn="l">
-              <a:lnSpc>
-                <a:spcPct val="100000"/>
-              </a:lnSpc>
-              <a:spcBef>
-                <a:spcPts val="0"/>
-              </a:spcBef>
-              <a:spcAft>
-                <a:spcPts val="0"/>
-              </a:spcAft>
-              <a:buClr>
-                <a:schemeClr val="dk1"/>
-              </a:buClr>
-              <a:buSzPts val="1100"/>
-              <a:buFont typeface="Arial"/>
-              <a:buNone/>
-            </a:pPr>
-            <a:r>
-              <a:t/>
-            </a:r>
-            <a:endParaRPr i="1" sz="1500">
-              <a:solidFill>
-                <a:srgbClr val="E0764F"/>
-              </a:solidFill>
-              <a:latin typeface="Inter"/>
-              <a:ea typeface="Inter"/>
-              <a:cs typeface="Inter"/>
-              <a:sym typeface="Inter"/>
-            </a:endParaRPr>
-          </a:p>
-        </p:txBody>
-      </p:sp>
-      <p:sp>
-        <p:nvSpPr>
           <p:cNvPr id="410" name="Google Shape;410;p77"/>
-          <p:cNvSpPr txBox="1"/>
-          <p:nvPr/>
-        </p:nvSpPr>
-        <p:spPr>
-          <a:xfrm>
-            <a:off x="624375" y="1314125"/>
-            <a:ext cx="3378900" cy="484200"/>
-          </a:xfrm>
-          <a:prstGeom prst="rect">
-            <a:avLst/>
-          </a:prstGeom>
-          <a:noFill/>
-          <a:ln>
-            <a:noFill/>
-          </a:ln>
-        </p:spPr>
-        <p:txBody>
-          <a:bodyPr anchorCtr="0" anchor="t" bIns="91425" lIns="91425" spcFirstLastPara="1" rIns="91425" wrap="square" tIns="91425">
-            <a:noAutofit/>
-          </a:bodyPr>
-          <a:lstStyle/>
-          <a:p>
-            <a:pPr indent="0" lvl="0" marL="0" marR="0" rtl="0" algn="l">
-              <a:lnSpc>
-                <a:spcPct val="100000"/>
-              </a:lnSpc>
-              <a:spcBef>
-                <a:spcPts val="0"/>
-              </a:spcBef>
-              <a:spcAft>
-                <a:spcPts val="0"/>
-              </a:spcAft>
-              <a:buClr>
-                <a:srgbClr val="000000"/>
-              </a:buClr>
-              <a:buSzPts val="2300"/>
-              <a:buFont typeface="Arial"/>
-              <a:buNone/>
-            </a:pPr>
-            <a:r>
-              <a:rPr lang="en" sz="2300">
-                <a:solidFill>
-                  <a:srgbClr val="1C4587"/>
-                </a:solidFill>
-                <a:latin typeface="Work Sans ExtraBold"/>
-                <a:ea typeface="Work Sans ExtraBold"/>
-                <a:cs typeface="Work Sans ExtraBold"/>
-                <a:sym typeface="Work Sans ExtraBold"/>
-              </a:rPr>
-              <a:t>Challenges</a:t>
-            </a:r>
-            <a:endParaRPr b="0" i="0" sz="2300" u="none" cap="none" strike="noStrike">
-              <a:solidFill>
-                <a:srgbClr val="1C4587"/>
-              </a:solidFill>
-              <a:latin typeface="Work Sans ExtraBold"/>
-              <a:ea typeface="Work Sans ExtraBold"/>
-              <a:cs typeface="Work Sans ExtraBold"/>
-              <a:sym typeface="Work Sans ExtraBold"/>
-            </a:endParaRPr>
-          </a:p>
-        </p:txBody>
-      </p:sp>
-      <p:sp>
-        <p:nvSpPr>
-          <p:cNvPr id="411" name="Google Shape;411;p77"/>
-          <p:cNvSpPr txBox="1"/>
-          <p:nvPr/>
-        </p:nvSpPr>
-        <p:spPr>
-          <a:xfrm>
-            <a:off x="624375" y="1870067"/>
-            <a:ext cx="3566700" cy="1975200"/>
-          </a:xfrm>
-          <a:prstGeom prst="rect">
-            <a:avLst/>
-          </a:prstGeom>
-          <a:noFill/>
-          <a:ln>
-            <a:noFill/>
-          </a:ln>
-        </p:spPr>
-        <p:txBody>
-          <a:bodyPr anchorCtr="0" anchor="t" bIns="91425" lIns="91425" spcFirstLastPara="1" rIns="91425" wrap="square" tIns="91425">
-            <a:noAutofit/>
-          </a:bodyPr>
-          <a:lstStyle/>
-          <a:p>
-            <a:pPr indent="0" lvl="0" marL="0" rtl="0" algn="l">
-              <a:lnSpc>
-                <a:spcPct val="115000"/>
-              </a:lnSpc>
-              <a:spcBef>
-                <a:spcPts val="1200"/>
-              </a:spcBef>
-              <a:spcAft>
-                <a:spcPts val="0"/>
-              </a:spcAft>
-              <a:buClr>
-                <a:schemeClr val="dk1"/>
-              </a:buClr>
-              <a:buSzPts val="1100"/>
-              <a:buFont typeface="Arial"/>
-              <a:buNone/>
-            </a:pPr>
-            <a:r>
-              <a:rPr b="1" lang="en" sz="1100">
-                <a:solidFill>
-                  <a:schemeClr val="dk1"/>
-                </a:solidFill>
-                <a:latin typeface="Times New Roman"/>
-                <a:ea typeface="Times New Roman"/>
-                <a:cs typeface="Times New Roman"/>
-                <a:sym typeface="Times New Roman"/>
-              </a:rPr>
-              <a:t>Limited Time</a:t>
-            </a:r>
-            <a:r>
-              <a:rPr lang="en" sz="1100">
-                <a:solidFill>
-                  <a:schemeClr val="dk1"/>
-                </a:solidFill>
-                <a:latin typeface="Times New Roman"/>
-                <a:ea typeface="Times New Roman"/>
-                <a:cs typeface="Times New Roman"/>
-                <a:sym typeface="Times New Roman"/>
-              </a:rPr>
-              <a:t> : As a first time facing this challenge, we realize that we still need time to explore further to gain more information.</a:t>
-            </a:r>
-            <a:endParaRPr sz="1100">
-              <a:solidFill>
-                <a:schemeClr val="dk1"/>
-              </a:solidFill>
-              <a:latin typeface="Times New Roman"/>
-              <a:ea typeface="Times New Roman"/>
-              <a:cs typeface="Times New Roman"/>
-              <a:sym typeface="Times New Roman"/>
-            </a:endParaRPr>
-          </a:p>
-          <a:p>
-            <a:pPr indent="0" lvl="0" marL="0" rtl="0" algn="l">
-              <a:lnSpc>
-                <a:spcPct val="115000"/>
-              </a:lnSpc>
-              <a:spcBef>
-                <a:spcPts val="1200"/>
-              </a:spcBef>
-              <a:spcAft>
-                <a:spcPts val="0"/>
-              </a:spcAft>
-              <a:buClr>
-                <a:schemeClr val="dk1"/>
-              </a:buClr>
-              <a:buSzPts val="1100"/>
-              <a:buFont typeface="Arial"/>
-              <a:buNone/>
-            </a:pPr>
-            <a:r>
-              <a:rPr b="1" lang="en" sz="1100">
-                <a:solidFill>
-                  <a:schemeClr val="dk1"/>
-                </a:solidFill>
-                <a:latin typeface="Times New Roman"/>
-                <a:ea typeface="Times New Roman"/>
-                <a:cs typeface="Times New Roman"/>
-                <a:sym typeface="Times New Roman"/>
-              </a:rPr>
-              <a:t>Time Coordination</a:t>
-            </a:r>
-            <a:r>
-              <a:rPr lang="en" sz="1100">
-                <a:solidFill>
-                  <a:schemeClr val="dk1"/>
-                </a:solidFill>
-                <a:latin typeface="Times New Roman"/>
-                <a:ea typeface="Times New Roman"/>
-                <a:cs typeface="Times New Roman"/>
-                <a:sym typeface="Times New Roman"/>
-              </a:rPr>
-              <a:t>: One common issue is the difficulty in finding a suitable time for all group members to communicate and work together. Each member may have busy schedules or different time zones.</a:t>
-            </a:r>
-            <a:endParaRPr sz="1100">
-              <a:solidFill>
-                <a:schemeClr val="dk1"/>
-              </a:solidFill>
-              <a:latin typeface="Times New Roman"/>
-              <a:ea typeface="Times New Roman"/>
-              <a:cs typeface="Times New Roman"/>
-              <a:sym typeface="Times New Roman"/>
-            </a:endParaRPr>
-          </a:p>
-          <a:p>
-            <a:pPr indent="0" lvl="0" marL="0" rtl="0" algn="l">
-              <a:lnSpc>
-                <a:spcPct val="115000"/>
-              </a:lnSpc>
-              <a:spcBef>
-                <a:spcPts val="1200"/>
-              </a:spcBef>
-              <a:spcAft>
-                <a:spcPts val="0"/>
-              </a:spcAft>
-              <a:buClr>
-                <a:schemeClr val="dk1"/>
-              </a:buClr>
-              <a:buSzPts val="1100"/>
-              <a:buFont typeface="Arial"/>
-              <a:buNone/>
-            </a:pPr>
-            <a:r>
-              <a:t/>
-            </a:r>
-            <a:endParaRPr sz="1100">
-              <a:solidFill>
-                <a:schemeClr val="dk1"/>
-              </a:solidFill>
-              <a:latin typeface="Times New Roman"/>
-              <a:ea typeface="Times New Roman"/>
-              <a:cs typeface="Times New Roman"/>
-              <a:sym typeface="Times New Roman"/>
-            </a:endParaRPr>
-          </a:p>
-          <a:p>
-            <a:pPr indent="0" lvl="0" marL="0" marR="0" rtl="0" algn="l">
-              <a:lnSpc>
-                <a:spcPct val="120000"/>
-              </a:lnSpc>
-              <a:spcBef>
-                <a:spcPts val="1200"/>
-              </a:spcBef>
-              <a:spcAft>
-                <a:spcPts val="0"/>
-              </a:spcAft>
-              <a:buClr>
-                <a:srgbClr val="000000"/>
-              </a:buClr>
-              <a:buSzPts val="1000"/>
-              <a:buFont typeface="Arial"/>
-              <a:buNone/>
-            </a:pPr>
-            <a:r>
-              <a:t/>
-            </a:r>
-            <a:endParaRPr sz="1100">
-              <a:solidFill>
-                <a:schemeClr val="dk1"/>
-              </a:solidFill>
-              <a:latin typeface="Times New Roman"/>
-              <a:ea typeface="Times New Roman"/>
-              <a:cs typeface="Times New Roman"/>
-              <a:sym typeface="Times New Roman"/>
-            </a:endParaRPr>
-          </a:p>
-        </p:txBody>
-      </p:sp>
-      <p:sp>
-        <p:nvSpPr>
-          <p:cNvPr id="412" name="Google Shape;412;p77"/>
-          <p:cNvSpPr txBox="1"/>
-          <p:nvPr/>
-        </p:nvSpPr>
-        <p:spPr>
-          <a:xfrm>
-            <a:off x="4808475" y="1870075"/>
-            <a:ext cx="4092300" cy="1975200"/>
-          </a:xfrm>
-          <a:prstGeom prst="rect">
-            <a:avLst/>
-          </a:prstGeom>
-          <a:noFill/>
-          <a:ln>
-            <a:noFill/>
-          </a:ln>
-        </p:spPr>
-        <p:txBody>
-          <a:bodyPr anchorCtr="0" anchor="t" bIns="91425" lIns="91425" spcFirstLastPara="1" rIns="91425" wrap="square" tIns="91425">
-            <a:noAutofit/>
-          </a:bodyPr>
-          <a:lstStyle/>
-          <a:p>
-            <a:pPr indent="0" lvl="0" marL="0" rtl="0" algn="l">
-              <a:lnSpc>
-                <a:spcPct val="115000"/>
-              </a:lnSpc>
-              <a:spcBef>
-                <a:spcPts val="1200"/>
-              </a:spcBef>
-              <a:spcAft>
-                <a:spcPts val="0"/>
-              </a:spcAft>
-              <a:buClr>
-                <a:schemeClr val="dk1"/>
-              </a:buClr>
-              <a:buSzPts val="1100"/>
-              <a:buFont typeface="Arial"/>
-              <a:buNone/>
-            </a:pPr>
-            <a:r>
-              <a:rPr b="1" lang="en" sz="1100">
-                <a:solidFill>
-                  <a:schemeClr val="dk1"/>
-                </a:solidFill>
-                <a:latin typeface="Times New Roman"/>
-                <a:ea typeface="Times New Roman"/>
-                <a:cs typeface="Times New Roman"/>
-                <a:sym typeface="Times New Roman"/>
-              </a:rPr>
-              <a:t>Difference in Understanding</a:t>
-            </a:r>
-            <a:r>
-              <a:rPr lang="en" sz="1100">
-                <a:solidFill>
-                  <a:schemeClr val="dk1"/>
-                </a:solidFill>
-                <a:latin typeface="Times New Roman"/>
-                <a:ea typeface="Times New Roman"/>
-                <a:cs typeface="Times New Roman"/>
-                <a:sym typeface="Times New Roman"/>
-              </a:rPr>
-              <a:t>: Each group member may have a different level of understanding regarding machine learning concepts, data analysis, or data engineering. This can make collaboration and integration of work results challenging.</a:t>
-            </a:r>
-            <a:endParaRPr sz="1100">
-              <a:solidFill>
-                <a:schemeClr val="dk1"/>
-              </a:solidFill>
-              <a:latin typeface="Times New Roman"/>
-              <a:ea typeface="Times New Roman"/>
-              <a:cs typeface="Times New Roman"/>
-              <a:sym typeface="Times New Roman"/>
-            </a:endParaRPr>
-          </a:p>
-          <a:p>
-            <a:pPr indent="0" lvl="0" marL="0" rtl="0" algn="l">
-              <a:lnSpc>
-                <a:spcPct val="115000"/>
-              </a:lnSpc>
-              <a:spcBef>
-                <a:spcPts val="1200"/>
-              </a:spcBef>
-              <a:spcAft>
-                <a:spcPts val="0"/>
-              </a:spcAft>
-              <a:buClr>
-                <a:schemeClr val="dk1"/>
-              </a:buClr>
-              <a:buSzPts val="1100"/>
-              <a:buFont typeface="Arial"/>
-              <a:buNone/>
-            </a:pPr>
-            <a:r>
-              <a:rPr b="1" lang="en" sz="1100">
-                <a:solidFill>
-                  <a:schemeClr val="dk1"/>
-                </a:solidFill>
-                <a:latin typeface="Times New Roman"/>
-                <a:ea typeface="Times New Roman"/>
-                <a:cs typeface="Times New Roman"/>
-                <a:sym typeface="Times New Roman"/>
-              </a:rPr>
-              <a:t>Resource Limitations</a:t>
-            </a:r>
-            <a:r>
-              <a:rPr lang="en" sz="1100">
-                <a:solidFill>
-                  <a:schemeClr val="dk1"/>
-                </a:solidFill>
-                <a:latin typeface="Times New Roman"/>
-                <a:ea typeface="Times New Roman"/>
-                <a:cs typeface="Times New Roman"/>
-                <a:sym typeface="Times New Roman"/>
-              </a:rPr>
-              <a:t>: Sometimes limited access to the necessary hardware or specific software can be a constraint in the development of complex machine learning models.</a:t>
-            </a:r>
-            <a:endParaRPr sz="1100">
-              <a:solidFill>
-                <a:schemeClr val="dk1"/>
-              </a:solidFill>
-              <a:latin typeface="Times New Roman"/>
-              <a:ea typeface="Times New Roman"/>
-              <a:cs typeface="Times New Roman"/>
-              <a:sym typeface="Times New Roman"/>
-            </a:endParaRPr>
-          </a:p>
-          <a:p>
-            <a:pPr indent="0" lvl="0" marL="0" marR="0" rtl="0" algn="l">
-              <a:lnSpc>
-                <a:spcPct val="120000"/>
-              </a:lnSpc>
-              <a:spcBef>
-                <a:spcPts val="1200"/>
-              </a:spcBef>
-              <a:spcAft>
-                <a:spcPts val="0"/>
-              </a:spcAft>
-              <a:buClr>
-                <a:srgbClr val="000000"/>
-              </a:buClr>
-              <a:buSzPts val="1000"/>
-              <a:buFont typeface="Arial"/>
-              <a:buNone/>
-            </a:pPr>
-            <a:r>
-              <a:t/>
-            </a:r>
-            <a:endParaRPr sz="1100">
-              <a:solidFill>
-                <a:schemeClr val="dk1"/>
-              </a:solidFill>
-              <a:latin typeface="Times New Roman"/>
-              <a:ea typeface="Times New Roman"/>
-              <a:cs typeface="Times New Roman"/>
-              <a:sym typeface="Times New Roman"/>
-            </a:endParaRPr>
-          </a:p>
-        </p:txBody>
-      </p:sp>
-      <p:sp>
-        <p:nvSpPr>
-          <p:cNvPr id="413" name="Google Shape;413;p77"/>
           <p:cNvSpPr txBox="1"/>
           <p:nvPr>
             <p:ph idx="12" type="sldNum"/>
@@ -40162,16 +40018,17 @@
           <a:lstStyle/>
           <a:p>
             <a:pPr indent="0" lvl="0" marL="0" rtl="0" algn="r">
-              <a:lnSpc>
-                <a:spcPct val="100000"/>
-              </a:lnSpc>
-              <a:spcBef>
-                <a:spcPts val="0"/>
-              </a:spcBef>
-              <a:spcAft>
-                <a:spcPts val="0"/>
-              </a:spcAft>
-              <a:buSzPts val="1000"/>
+              <a:spcBef>
+                <a:spcPts val="0"/>
+              </a:spcBef>
+              <a:spcAft>
+                <a:spcPts val="0"/>
+              </a:spcAft>
+              <a:buClr>
+                <a:srgbClr val="000000"/>
+              </a:buClr>
+              <a:buSzPts val="1000"/>
+              <a:buFont typeface="Arial"/>
               <a:buNone/>
             </a:pPr>
             <a:fld id="{00000000-1234-1234-1234-123412341234}" type="slidenum">
@@ -40182,41 +40039,16 @@
           </a:p>
         </p:txBody>
       </p:sp>
-    </p:spTree>
-  </p:cSld>
-  <p:clrMapOvr>
-    <a:masterClrMapping/>
-  </p:clrMapOvr>
-</p:sld>
-</file>
-
-<file path=ppt/slides/slide21.xml><?xml version="1.0" encoding="utf-8"?>
-<p:sld xmlns:a="http://schemas.openxmlformats.org/drawingml/2006/main" xmlns:r="http://schemas.openxmlformats.org/officeDocument/2006/relationships" xmlns:mc="http://schemas.openxmlformats.org/markup-compatibility/2006" xmlns:mv="urn:schemas-microsoft-com:mac:vml" xmlns:p="http://schemas.openxmlformats.org/presentationml/2006/main" xmlns:c="http://schemas.openxmlformats.org/drawingml/2006/chart" xmlns:dgm="http://schemas.openxmlformats.org/drawingml/2006/diagram" xmlns:o="urn:schemas-microsoft-com:office:office" xmlns:v="urn:schemas-microsoft-com:vml" xmlns:pvml="urn:schemas-microsoft-com:office:powerpoint" xmlns:com="http://schemas.openxmlformats.org/drawingml/2006/compatibility" xmlns:p14="http://schemas.microsoft.com/office/powerpoint/2010/main" xmlns:p15="http://schemas.microsoft.com/office/powerpoint/2012/main" xmlns:ahyp="http://schemas.microsoft.com/office/drawing/2018/hyperlinkcolor">
-  <p:cSld>
-    <p:spTree>
-      <p:nvGrpSpPr>
-        <p:cNvPr id="417" name="Shape 417"/>
-        <p:cNvGrpSpPr/>
-        <p:nvPr/>
-      </p:nvGrpSpPr>
-      <p:grpSpPr>
-        <a:xfrm>
-          <a:off x="0" y="0"/>
-          <a:ext cx="0" cy="0"/>
-          <a:chOff x="0" y="0"/>
-          <a:chExt cx="0" cy="0"/>
-        </a:xfrm>
-      </p:grpSpPr>
       <p:sp>
         <p:nvSpPr>
-          <p:cNvPr id="418" name="Google Shape;418;p78"/>
+          <p:cNvPr id="411" name="Google Shape;411;p77"/>
           <p:cNvSpPr txBox="1"/>
           <p:nvPr/>
         </p:nvSpPr>
         <p:spPr>
           <a:xfrm>
-            <a:off x="700050" y="1209850"/>
-            <a:ext cx="7089000" cy="484200"/>
+            <a:off x="1522753" y="-7"/>
+            <a:ext cx="4863600" cy="561000"/>
           </a:xfrm>
           <a:prstGeom prst="rect">
             <a:avLst/>
@@ -40234,77 +40066,106 @@
           <a:p>
             <a:pPr indent="0" lvl="0" marL="0" marR="0" rtl="0" algn="l">
               <a:lnSpc>
-                <a:spcPct val="100000"/>
-              </a:lnSpc>
-              <a:spcBef>
-                <a:spcPts val="0"/>
-              </a:spcBef>
-              <a:spcAft>
-                <a:spcPts val="0"/>
-              </a:spcAft>
-              <a:buClr>
-                <a:schemeClr val="dk1"/>
-              </a:buClr>
-              <a:buSzPts val="1100"/>
+                <a:spcPct val="90000"/>
+              </a:lnSpc>
+              <a:spcBef>
+                <a:spcPts val="0"/>
+              </a:spcBef>
+              <a:spcAft>
+                <a:spcPts val="0"/>
+              </a:spcAft>
+              <a:buClr>
+                <a:srgbClr val="000000"/>
+              </a:buClr>
+              <a:buSzPts val="3500"/>
               <a:buFont typeface="Arial"/>
               <a:buNone/>
             </a:pPr>
             <a:r>
-              <a:t/>
+              <a:rPr b="1" i="0" lang="en" sz="3200" u="none" cap="none" strike="noStrike">
+                <a:solidFill>
+                  <a:srgbClr val="F06634"/>
+                </a:solidFill>
+                <a:latin typeface="Poppins SemiBold"/>
+                <a:ea typeface="Poppins SemiBold"/>
+                <a:cs typeface="Poppins SemiBold"/>
+                <a:sym typeface="Poppins SemiBold"/>
+              </a:rPr>
+              <a:t>Demo </a:t>
             </a:r>
-            <a:endParaRPr b="1">
+            <a:r>
+              <a:rPr b="1" lang="en" sz="3200">
+                <a:solidFill>
+                  <a:srgbClr val="F06634"/>
+                </a:solidFill>
+                <a:latin typeface="Poppins SemiBold"/>
+                <a:ea typeface="Poppins SemiBold"/>
+                <a:cs typeface="Poppins SemiBold"/>
+                <a:sym typeface="Poppins SemiBold"/>
+              </a:rPr>
+              <a:t> </a:t>
+            </a:r>
+            <a:r>
+              <a:rPr b="1" i="0" lang="en" sz="3200" u="none" cap="none" strike="noStrike">
+                <a:solidFill>
+                  <a:srgbClr val="F06634"/>
+                </a:solidFill>
+                <a:latin typeface="Poppins SemiBold"/>
+                <a:ea typeface="Poppins SemiBold"/>
+                <a:cs typeface="Poppins SemiBold"/>
+                <a:sym typeface="Poppins SemiBold"/>
+              </a:rPr>
+              <a:t>Model</a:t>
+            </a:r>
+            <a:endParaRPr b="1" i="0" sz="3200" u="none" cap="none" strike="noStrike">
               <a:solidFill>
                 <a:srgbClr val="F06634"/>
               </a:solidFill>
-              <a:latin typeface="Inter"/>
-              <a:ea typeface="Inter"/>
-              <a:cs typeface="Inter"/>
-              <a:sym typeface="Inter"/>
-            </a:endParaRPr>
-          </a:p>
-          <a:p>
-            <a:pPr indent="0" lvl="0" marL="0" marR="0" rtl="0" algn="l">
-              <a:lnSpc>
-                <a:spcPct val="100000"/>
-              </a:lnSpc>
-              <a:spcBef>
-                <a:spcPts val="0"/>
-              </a:spcBef>
-              <a:spcAft>
-                <a:spcPts val="0"/>
-              </a:spcAft>
-              <a:buClr>
-                <a:srgbClr val="000000"/>
-              </a:buClr>
-              <a:buSzPts val="1500"/>
-              <a:buFont typeface="Arial"/>
-              <a:buNone/>
-            </a:pPr>
-            <a:r>
-              <a:t/>
-            </a:r>
-            <a:endParaRPr b="1">
-              <a:solidFill>
-                <a:srgbClr val="F06634"/>
-              </a:solidFill>
-              <a:latin typeface="Inter"/>
-              <a:ea typeface="Inter"/>
-              <a:cs typeface="Inter"/>
-              <a:sym typeface="Inter"/>
+              <a:latin typeface="Poppins SemiBold"/>
+              <a:ea typeface="Poppins SemiBold"/>
+              <a:cs typeface="Poppins SemiBold"/>
+              <a:sym typeface="Poppins SemiBold"/>
             </a:endParaRPr>
           </a:p>
         </p:txBody>
       </p:sp>
+      <p:pic>
+        <p:nvPicPr>
+          <p:cNvPr id="412" name="Google Shape;412;p77"/>
+          <p:cNvPicPr preferRelativeResize="0"/>
+          <p:nvPr/>
+        </p:nvPicPr>
+        <p:blipFill rotWithShape="1">
+          <a:blip r:embed="rId3">
+            <a:alphaModFix/>
+          </a:blip>
+          <a:srcRect b="23630" l="27786" r="29556" t="21604"/>
+          <a:stretch/>
+        </p:blipFill>
+        <p:spPr>
+          <a:xfrm>
+            <a:off x="6557963" y="256299"/>
+            <a:ext cx="335818" cy="307777"/>
+          </a:xfrm>
+          <a:prstGeom prst="rect">
+            <a:avLst/>
+          </a:prstGeom>
+          <a:noFill/>
+          <a:ln>
+            <a:noFill/>
+          </a:ln>
+        </p:spPr>
+      </p:pic>
       <p:sp>
         <p:nvSpPr>
-          <p:cNvPr id="419" name="Google Shape;419;p78"/>
+          <p:cNvPr id="413" name="Google Shape;413;p77"/>
           <p:cNvSpPr txBox="1"/>
           <p:nvPr/>
         </p:nvSpPr>
         <p:spPr>
           <a:xfrm>
-            <a:off x="700050" y="1308100"/>
-            <a:ext cx="7089000" cy="484200"/>
+            <a:off x="6862171" y="163078"/>
+            <a:ext cx="1851600" cy="375900"/>
           </a:xfrm>
           <a:prstGeom prst="rect">
             <a:avLst/>
@@ -40322,6 +40183,185 @@
           <a:p>
             <a:pPr indent="0" lvl="0" marL="0" marR="0" rtl="0" algn="l">
               <a:lnSpc>
+                <a:spcPct val="90000"/>
+              </a:lnSpc>
+              <a:spcBef>
+                <a:spcPts val="0"/>
+              </a:spcBef>
+              <a:spcAft>
+                <a:spcPts val="0"/>
+              </a:spcAft>
+              <a:buClr>
+                <a:srgbClr val="000000"/>
+              </a:buClr>
+              <a:buSzPts val="3500"/>
+              <a:buFont typeface="Arial"/>
+              <a:buNone/>
+            </a:pPr>
+            <a:r>
+              <a:rPr b="0" i="0" lang="en" sz="1200" u="none" cap="none" strike="noStrike">
+                <a:solidFill>
+                  <a:srgbClr val="F06634"/>
+                </a:solidFill>
+                <a:latin typeface="Poppins ExtraBold"/>
+                <a:ea typeface="Poppins ExtraBold"/>
+                <a:cs typeface="Poppins ExtraBold"/>
+                <a:sym typeface="Poppins ExtraBold"/>
+              </a:rPr>
+              <a:t>Property</a:t>
+            </a:r>
+            <a:endParaRPr/>
+          </a:p>
+          <a:p>
+            <a:pPr indent="0" lvl="0" marL="0" marR="0" rtl="0" algn="l">
+              <a:lnSpc>
+                <a:spcPct val="90000"/>
+              </a:lnSpc>
+              <a:spcBef>
+                <a:spcPts val="0"/>
+              </a:spcBef>
+              <a:spcAft>
+                <a:spcPts val="0"/>
+              </a:spcAft>
+              <a:buClr>
+                <a:srgbClr val="000000"/>
+              </a:buClr>
+              <a:buSzPts val="3500"/>
+              <a:buFont typeface="Arial"/>
+              <a:buNone/>
+            </a:pPr>
+            <a:r>
+              <a:rPr b="0" i="0" lang="en" sz="1200" u="none" cap="none" strike="noStrike">
+                <a:solidFill>
+                  <a:srgbClr val="F06634"/>
+                </a:solidFill>
+                <a:latin typeface="Poppins ExtraBold"/>
+                <a:ea typeface="Poppins ExtraBold"/>
+                <a:cs typeface="Poppins ExtraBold"/>
+                <a:sym typeface="Poppins ExtraBold"/>
+              </a:rPr>
+              <a:t>Worth</a:t>
+            </a:r>
+            <a:endParaRPr b="0" i="0" sz="1200" u="none" cap="none" strike="noStrike">
+              <a:solidFill>
+                <a:srgbClr val="F06634"/>
+              </a:solidFill>
+              <a:latin typeface="Poppins ExtraBold"/>
+              <a:ea typeface="Poppins ExtraBold"/>
+              <a:cs typeface="Poppins ExtraBold"/>
+              <a:sym typeface="Poppins ExtraBold"/>
+            </a:endParaRPr>
+          </a:p>
+        </p:txBody>
+      </p:sp>
+      <p:pic>
+        <p:nvPicPr>
+          <p:cNvPr id="414" name="Google Shape;414;p77"/>
+          <p:cNvPicPr preferRelativeResize="0"/>
+          <p:nvPr/>
+        </p:nvPicPr>
+        <p:blipFill>
+          <a:blip r:embed="rId4">
+            <a:alphaModFix/>
+          </a:blip>
+          <a:stretch>
+            <a:fillRect/>
+          </a:stretch>
+        </p:blipFill>
+        <p:spPr>
+          <a:xfrm>
+            <a:off x="-374525" y="1240150"/>
+            <a:ext cx="4785975" cy="3092400"/>
+          </a:xfrm>
+          <a:prstGeom prst="rect">
+            <a:avLst/>
+          </a:prstGeom>
+          <a:noFill/>
+          <a:ln>
+            <a:noFill/>
+          </a:ln>
+        </p:spPr>
+      </p:pic>
+      <p:pic>
+        <p:nvPicPr>
+          <p:cNvPr id="415" name="Google Shape;415;p77"/>
+          <p:cNvPicPr preferRelativeResize="0"/>
+          <p:nvPr/>
+        </p:nvPicPr>
+        <p:blipFill>
+          <a:blip r:embed="rId5">
+            <a:alphaModFix/>
+          </a:blip>
+          <a:stretch>
+            <a:fillRect/>
+          </a:stretch>
+        </p:blipFill>
+        <p:spPr>
+          <a:xfrm>
+            <a:off x="3919725" y="1306938"/>
+            <a:ext cx="5701349" cy="2958824"/>
+          </a:xfrm>
+          <a:prstGeom prst="rect">
+            <a:avLst/>
+          </a:prstGeom>
+          <a:noFill/>
+          <a:ln>
+            <a:noFill/>
+          </a:ln>
+        </p:spPr>
+      </p:pic>
+    </p:spTree>
+  </p:cSld>
+  <p:clrMapOvr>
+    <a:masterClrMapping/>
+  </p:clrMapOvr>
+</p:sld>
+</file>
+
+<file path=ppt/slides/slide21.xml><?xml version="1.0" encoding="utf-8"?>
+<p:sld xmlns:a="http://schemas.openxmlformats.org/drawingml/2006/main" xmlns:r="http://schemas.openxmlformats.org/officeDocument/2006/relationships" xmlns:mc="http://schemas.openxmlformats.org/markup-compatibility/2006" xmlns:mv="urn:schemas-microsoft-com:mac:vml" xmlns:p="http://schemas.openxmlformats.org/presentationml/2006/main" xmlns:c="http://schemas.openxmlformats.org/drawingml/2006/chart" xmlns:dgm="http://schemas.openxmlformats.org/drawingml/2006/diagram" xmlns:o="urn:schemas-microsoft-com:office:office" xmlns:v="urn:schemas-microsoft-com:vml" xmlns:pvml="urn:schemas-microsoft-com:office:powerpoint" xmlns:com="http://schemas.openxmlformats.org/drawingml/2006/compatibility" xmlns:p14="http://schemas.microsoft.com/office/powerpoint/2010/main" xmlns:p15="http://schemas.microsoft.com/office/powerpoint/2012/main" xmlns:ahyp="http://schemas.microsoft.com/office/drawing/2018/hyperlinkcolor">
+  <p:cSld>
+    <p:spTree>
+      <p:nvGrpSpPr>
+        <p:cNvPr id="419" name="Shape 419"/>
+        <p:cNvGrpSpPr/>
+        <p:nvPr/>
+      </p:nvGrpSpPr>
+      <p:grpSpPr>
+        <a:xfrm>
+          <a:off x="0" y="0"/>
+          <a:ext cx="0" cy="0"/>
+          <a:chOff x="0" y="0"/>
+          <a:chExt cx="0" cy="0"/>
+        </a:xfrm>
+      </p:grpSpPr>
+      <p:sp>
+        <p:nvSpPr>
+          <p:cNvPr id="420" name="Google Shape;420;p78"/>
+          <p:cNvSpPr txBox="1"/>
+          <p:nvPr/>
+        </p:nvSpPr>
+        <p:spPr>
+          <a:xfrm>
+            <a:off x="624375" y="1033475"/>
+            <a:ext cx="7750800" cy="484200"/>
+          </a:xfrm>
+          <a:prstGeom prst="rect">
+            <a:avLst/>
+          </a:prstGeom>
+          <a:noFill/>
+          <a:ln>
+            <a:noFill/>
+          </a:ln>
+        </p:spPr>
+        <p:txBody>
+          <a:bodyPr anchorCtr="0" anchor="t" bIns="91425" lIns="91425" spcFirstLastPara="1" rIns="91425" wrap="square" tIns="91425">
+            <a:noAutofit/>
+          </a:bodyPr>
+          <a:lstStyle/>
+          <a:p>
+            <a:pPr indent="0" lvl="0" marL="0" marR="0" rtl="0" algn="l">
+              <a:lnSpc>
                 <a:spcPct val="100000"/>
               </a:lnSpc>
               <a:spcBef>
@@ -40334,24 +40374,81 @@
                 <a:schemeClr val="dk1"/>
               </a:buClr>
               <a:buSzPts val="1100"/>
+              <a:buFont typeface="Arial"/>
+              <a:buNone/>
+            </a:pPr>
+            <a:r>
+              <a:t/>
+            </a:r>
+            <a:endParaRPr i="1" sz="1500">
+              <a:solidFill>
+                <a:srgbClr val="E0764F"/>
+              </a:solidFill>
+              <a:latin typeface="Inter"/>
+              <a:ea typeface="Inter"/>
+              <a:cs typeface="Inter"/>
+              <a:sym typeface="Inter"/>
+            </a:endParaRPr>
+          </a:p>
+        </p:txBody>
+      </p:sp>
+      <p:sp>
+        <p:nvSpPr>
+          <p:cNvPr id="421" name="Google Shape;421;p78"/>
+          <p:cNvSpPr txBox="1"/>
+          <p:nvPr/>
+        </p:nvSpPr>
+        <p:spPr>
+          <a:xfrm>
+            <a:off x="624375" y="1314125"/>
+            <a:ext cx="3378900" cy="484200"/>
+          </a:xfrm>
+          <a:prstGeom prst="rect">
+            <a:avLst/>
+          </a:prstGeom>
+          <a:noFill/>
+          <a:ln>
+            <a:noFill/>
+          </a:ln>
+        </p:spPr>
+        <p:txBody>
+          <a:bodyPr anchorCtr="0" anchor="t" bIns="91425" lIns="91425" spcFirstLastPara="1" rIns="91425" wrap="square" tIns="91425">
+            <a:noAutofit/>
+          </a:bodyPr>
+          <a:lstStyle/>
+          <a:p>
+            <a:pPr indent="0" lvl="0" marL="0" marR="0" rtl="0" algn="l">
+              <a:lnSpc>
+                <a:spcPct val="100000"/>
+              </a:lnSpc>
+              <a:spcBef>
+                <a:spcPts val="0"/>
+              </a:spcBef>
+              <a:spcAft>
+                <a:spcPts val="0"/>
+              </a:spcAft>
+              <a:buClr>
+                <a:srgbClr val="000000"/>
+              </a:buClr>
+              <a:buSzPts val="2300"/>
               <a:buFont typeface="Arial"/>
               <a:buNone/>
             </a:pPr>
             <a:r>
               <a:rPr lang="en" sz="2300">
                 <a:solidFill>
-                  <a:srgbClr val="1D3D70"/>
+                  <a:srgbClr val="1C4587"/>
                 </a:solidFill>
                 <a:latin typeface="Work Sans ExtraBold"/>
                 <a:ea typeface="Work Sans ExtraBold"/>
                 <a:cs typeface="Work Sans ExtraBold"/>
                 <a:sym typeface="Work Sans ExtraBold"/>
               </a:rPr>
-              <a:t>Success Story</a:t>
+              <a:t>Challenges</a:t>
             </a:r>
-            <a:endParaRPr sz="2300">
+            <a:endParaRPr b="0" i="0" sz="2300" u="none" cap="none" strike="noStrike">
               <a:solidFill>
-                <a:srgbClr val="1D3D70"/>
+                <a:srgbClr val="1C4587"/>
               </a:solidFill>
               <a:latin typeface="Work Sans ExtraBold"/>
               <a:ea typeface="Work Sans ExtraBold"/>
@@ -40363,14 +40460,14 @@
       </p:sp>
       <p:sp>
         <p:nvSpPr>
-          <p:cNvPr id="420" name="Google Shape;420;p78"/>
+          <p:cNvPr id="422" name="Google Shape;422;p78"/>
           <p:cNvSpPr txBox="1"/>
           <p:nvPr/>
         </p:nvSpPr>
         <p:spPr>
           <a:xfrm>
-            <a:off x="685800" y="1873750"/>
-            <a:ext cx="7772400" cy="1980000"/>
+            <a:off x="624375" y="1870067"/>
+            <a:ext cx="3566700" cy="1975200"/>
           </a:xfrm>
           <a:prstGeom prst="rect">
             <a:avLst/>
@@ -40404,7 +40501,7 @@
               <a:buNone/>
             </a:pPr>
             <a:r>
-              <a:rPr b="1" lang="en" sz="1200">
+              <a:rPr b="1" lang="en" sz="1100">
                 <a:solidFill>
                   <a:schemeClr val="dk1"/>
                 </a:solidFill>
@@ -40413,10 +40510,10 @@
                 <a:cs typeface="Times New Roman"/>
                 <a:sym typeface="Times New Roman"/>
               </a:rPr>
-              <a:t>Effective Model Selection</a:t>
+              <a:t>Limited Time</a:t>
             </a:r>
             <a:r>
-              <a:rPr lang="en" sz="1200">
+              <a:rPr lang="en" sz="1100">
                 <a:solidFill>
                   <a:schemeClr val="dk1"/>
                 </a:solidFill>
@@ -40425,9 +40522,9 @@
                 <a:cs typeface="Times New Roman"/>
                 <a:sym typeface="Times New Roman"/>
               </a:rPr>
-              <a:t>: We successfully identified and optimized the XGBoost model as the best choice for predicting user shopping intent in e-commerce. This demonstrates our expertise in selecting and configuring models to achieve the best results.</a:t>
+              <a:t> : As a first time facing this challenge, we realize that we still need time to explore further to gain more information.</a:t>
             </a:r>
-            <a:endParaRPr sz="1200">
+            <a:endParaRPr sz="1100">
               <a:solidFill>
                 <a:schemeClr val="dk1"/>
               </a:solidFill>
@@ -40446,7 +40543,7 @@
                 <a:spcPts val="1200"/>
               </a:spcBef>
               <a:spcAft>
-                <a:spcPts val="1200"/>
+                <a:spcPts val="0"/>
               </a:spcAft>
               <a:buClr>
                 <a:schemeClr val="dk1"/>
@@ -40456,7 +40553,7 @@
               <a:buNone/>
             </a:pPr>
             <a:r>
-              <a:rPr b="1" lang="en" sz="1200">
+              <a:rPr b="1" lang="en" sz="1100">
                 <a:solidFill>
                   <a:schemeClr val="dk1"/>
                 </a:solidFill>
@@ -40465,10 +40562,10 @@
                 <a:cs typeface="Times New Roman"/>
                 <a:sym typeface="Times New Roman"/>
               </a:rPr>
-              <a:t>In-depth Analysis and Recommendations</a:t>
+              <a:t>Time Coordination</a:t>
             </a:r>
             <a:r>
-              <a:rPr lang="en" sz="1200">
+              <a:rPr lang="en" sz="1100">
                 <a:solidFill>
                   <a:schemeClr val="dk1"/>
                 </a:solidFill>
@@ -40477,9 +40574,71 @@
                 <a:cs typeface="Times New Roman"/>
                 <a:sym typeface="Times New Roman"/>
               </a:rPr>
-              <a:t>: We provide a robust analysis of user behavior and offer recommendations for improvement, such as data enrichment and real-time processing, showcasing our ability to translate findings into concrete steps to enhance project performance and impact.</a:t>
+              <a:t>: One common issue is the difficulty in finding a suitable time for all group members to communicate and work together. Each member may have busy schedules or different time zones.</a:t>
             </a:r>
-            <a:endParaRPr sz="1200">
+            <a:endParaRPr sz="1100">
+              <a:solidFill>
+                <a:schemeClr val="dk1"/>
+              </a:solidFill>
+              <a:latin typeface="Times New Roman"/>
+              <a:ea typeface="Times New Roman"/>
+              <a:cs typeface="Times New Roman"/>
+              <a:sym typeface="Times New Roman"/>
+            </a:endParaRPr>
+          </a:p>
+          <a:p>
+            <a:pPr indent="0" lvl="0" marL="0" rtl="0" algn="l">
+              <a:lnSpc>
+                <a:spcPct val="115000"/>
+              </a:lnSpc>
+              <a:spcBef>
+                <a:spcPts val="1200"/>
+              </a:spcBef>
+              <a:spcAft>
+                <a:spcPts val="0"/>
+              </a:spcAft>
+              <a:buClr>
+                <a:schemeClr val="dk1"/>
+              </a:buClr>
+              <a:buSzPts val="1100"/>
+              <a:buFont typeface="Arial"/>
+              <a:buNone/>
+            </a:pPr>
+            <a:r>
+              <a:t/>
+            </a:r>
+            <a:endParaRPr sz="1100">
+              <a:solidFill>
+                <a:schemeClr val="dk1"/>
+              </a:solidFill>
+              <a:latin typeface="Times New Roman"/>
+              <a:ea typeface="Times New Roman"/>
+              <a:cs typeface="Times New Roman"/>
+              <a:sym typeface="Times New Roman"/>
+            </a:endParaRPr>
+          </a:p>
+          <a:p>
+            <a:pPr indent="0" lvl="0" marL="0" marR="0" rtl="0" algn="l">
+              <a:lnSpc>
+                <a:spcPct val="120000"/>
+              </a:lnSpc>
+              <a:spcBef>
+                <a:spcPts val="1200"/>
+              </a:spcBef>
+              <a:spcAft>
+                <a:spcPts val="0"/>
+              </a:spcAft>
+              <a:buClr>
+                <a:srgbClr val="000000"/>
+              </a:buClr>
+              <a:buSzPts val="1000"/>
+              <a:buFont typeface="Arial"/>
+              <a:buNone/>
+            </a:pPr>
+            <a:r>
+              <a:t/>
+            </a:r>
+            <a:endParaRPr sz="1100">
               <a:solidFill>
                 <a:schemeClr val="dk1"/>
               </a:solidFill>
@@ -40493,7 +40652,168 @@
       </p:sp>
       <p:sp>
         <p:nvSpPr>
-          <p:cNvPr id="421" name="Google Shape;421;p78"/>
+          <p:cNvPr id="423" name="Google Shape;423;p78"/>
+          <p:cNvSpPr txBox="1"/>
+          <p:nvPr/>
+        </p:nvSpPr>
+        <p:spPr>
+          <a:xfrm>
+            <a:off x="4808475" y="1870075"/>
+            <a:ext cx="4092300" cy="1975200"/>
+          </a:xfrm>
+          <a:prstGeom prst="rect">
+            <a:avLst/>
+          </a:prstGeom>
+          <a:noFill/>
+          <a:ln>
+            <a:noFill/>
+          </a:ln>
+        </p:spPr>
+        <p:txBody>
+          <a:bodyPr anchorCtr="0" anchor="t" bIns="91425" lIns="91425" spcFirstLastPara="1" rIns="91425" wrap="square" tIns="91425">
+            <a:noAutofit/>
+          </a:bodyPr>
+          <a:lstStyle/>
+          <a:p>
+            <a:pPr indent="0" lvl="0" marL="0" rtl="0" algn="l">
+              <a:lnSpc>
+                <a:spcPct val="115000"/>
+              </a:lnSpc>
+              <a:spcBef>
+                <a:spcPts val="1200"/>
+              </a:spcBef>
+              <a:spcAft>
+                <a:spcPts val="0"/>
+              </a:spcAft>
+              <a:buClr>
+                <a:schemeClr val="dk1"/>
+              </a:buClr>
+              <a:buSzPts val="1100"/>
+              <a:buFont typeface="Arial"/>
+              <a:buNone/>
+            </a:pPr>
+            <a:r>
+              <a:rPr b="1" lang="en" sz="1100">
+                <a:solidFill>
+                  <a:schemeClr val="dk1"/>
+                </a:solidFill>
+                <a:latin typeface="Times New Roman"/>
+                <a:ea typeface="Times New Roman"/>
+                <a:cs typeface="Times New Roman"/>
+                <a:sym typeface="Times New Roman"/>
+              </a:rPr>
+              <a:t>Difference in Understanding</a:t>
+            </a:r>
+            <a:r>
+              <a:rPr lang="en" sz="1100">
+                <a:solidFill>
+                  <a:schemeClr val="dk1"/>
+                </a:solidFill>
+                <a:latin typeface="Times New Roman"/>
+                <a:ea typeface="Times New Roman"/>
+                <a:cs typeface="Times New Roman"/>
+                <a:sym typeface="Times New Roman"/>
+              </a:rPr>
+              <a:t>: Each group member may have a different level of understanding regarding machine learning concepts, data analysis, or data engineering. This can make collaboration and integration of work results challenging.</a:t>
+            </a:r>
+            <a:endParaRPr sz="1100">
+              <a:solidFill>
+                <a:schemeClr val="dk1"/>
+              </a:solidFill>
+              <a:latin typeface="Times New Roman"/>
+              <a:ea typeface="Times New Roman"/>
+              <a:cs typeface="Times New Roman"/>
+              <a:sym typeface="Times New Roman"/>
+            </a:endParaRPr>
+          </a:p>
+          <a:p>
+            <a:pPr indent="0" lvl="0" marL="0" rtl="0" algn="l">
+              <a:lnSpc>
+                <a:spcPct val="115000"/>
+              </a:lnSpc>
+              <a:spcBef>
+                <a:spcPts val="1200"/>
+              </a:spcBef>
+              <a:spcAft>
+                <a:spcPts val="0"/>
+              </a:spcAft>
+              <a:buClr>
+                <a:schemeClr val="dk1"/>
+              </a:buClr>
+              <a:buSzPts val="1100"/>
+              <a:buFont typeface="Arial"/>
+              <a:buNone/>
+            </a:pPr>
+            <a:r>
+              <a:rPr b="1" lang="en" sz="1100">
+                <a:solidFill>
+                  <a:schemeClr val="dk1"/>
+                </a:solidFill>
+                <a:latin typeface="Times New Roman"/>
+                <a:ea typeface="Times New Roman"/>
+                <a:cs typeface="Times New Roman"/>
+                <a:sym typeface="Times New Roman"/>
+              </a:rPr>
+              <a:t>Resource Limitations</a:t>
+            </a:r>
+            <a:r>
+              <a:rPr lang="en" sz="1100">
+                <a:solidFill>
+                  <a:schemeClr val="dk1"/>
+                </a:solidFill>
+                <a:latin typeface="Times New Roman"/>
+                <a:ea typeface="Times New Roman"/>
+                <a:cs typeface="Times New Roman"/>
+                <a:sym typeface="Times New Roman"/>
+              </a:rPr>
+              <a:t>: Sometimes limited access to the necessary hardware or specific software can be a constraint in the development of complex machine learning models.</a:t>
+            </a:r>
+            <a:endParaRPr sz="1100">
+              <a:solidFill>
+                <a:schemeClr val="dk1"/>
+              </a:solidFill>
+              <a:latin typeface="Times New Roman"/>
+              <a:ea typeface="Times New Roman"/>
+              <a:cs typeface="Times New Roman"/>
+              <a:sym typeface="Times New Roman"/>
+            </a:endParaRPr>
+          </a:p>
+          <a:p>
+            <a:pPr indent="0" lvl="0" marL="0" marR="0" rtl="0" algn="l">
+              <a:lnSpc>
+                <a:spcPct val="120000"/>
+              </a:lnSpc>
+              <a:spcBef>
+                <a:spcPts val="1200"/>
+              </a:spcBef>
+              <a:spcAft>
+                <a:spcPts val="0"/>
+              </a:spcAft>
+              <a:buClr>
+                <a:srgbClr val="000000"/>
+              </a:buClr>
+              <a:buSzPts val="1000"/>
+              <a:buFont typeface="Arial"/>
+              <a:buNone/>
+            </a:pPr>
+            <a:r>
+              <a:t/>
+            </a:r>
+            <a:endParaRPr sz="1100">
+              <a:solidFill>
+                <a:schemeClr val="dk1"/>
+              </a:solidFill>
+              <a:latin typeface="Times New Roman"/>
+              <a:ea typeface="Times New Roman"/>
+              <a:cs typeface="Times New Roman"/>
+              <a:sym typeface="Times New Roman"/>
+            </a:endParaRPr>
+          </a:p>
+        </p:txBody>
+      </p:sp>
+      <p:sp>
+        <p:nvSpPr>
+          <p:cNvPr id="424" name="Google Shape;424;p78"/>
           <p:cNvSpPr txBox="1"/>
           <p:nvPr>
             <p:ph idx="12" type="sldNum"/>
@@ -40519,17 +40839,16 @@
           <a:lstStyle/>
           <a:p>
             <a:pPr indent="0" lvl="0" marL="0" rtl="0" algn="r">
-              <a:spcBef>
-                <a:spcPts val="0"/>
-              </a:spcBef>
-              <a:spcAft>
-                <a:spcPts val="0"/>
-              </a:spcAft>
-              <a:buClr>
-                <a:srgbClr val="000000"/>
-              </a:buClr>
-              <a:buSzPts val="1000"/>
-              <a:buFont typeface="Arial"/>
+              <a:lnSpc>
+                <a:spcPct val="100000"/>
+              </a:lnSpc>
+              <a:spcBef>
+                <a:spcPts val="0"/>
+              </a:spcBef>
+              <a:spcAft>
+                <a:spcPts val="0"/>
+              </a:spcAft>
+              <a:buSzPts val="1000"/>
               <a:buNone/>
             </a:pPr>
             <a:fld id="{00000000-1234-1234-1234-123412341234}" type="slidenum">
@@ -40553,7 +40872,7 @@
   <p:cSld>
     <p:spTree>
       <p:nvGrpSpPr>
-        <p:cNvPr id="425" name="Shape 425"/>
+        <p:cNvPr id="428" name="Shape 428"/>
         <p:cNvGrpSpPr/>
         <p:nvPr/>
       </p:nvGrpSpPr>
@@ -40567,13 +40886,13 @@
       </p:grpSpPr>
       <p:sp>
         <p:nvSpPr>
-          <p:cNvPr id="426" name="Google Shape;426;p79"/>
+          <p:cNvPr id="429" name="Google Shape;429;p79"/>
           <p:cNvSpPr txBox="1"/>
           <p:nvPr/>
         </p:nvSpPr>
         <p:spPr>
           <a:xfrm>
-            <a:off x="534546" y="761206"/>
+            <a:off x="700050" y="1209850"/>
             <a:ext cx="7089000" cy="484200"/>
           </a:xfrm>
           <a:prstGeom prst="rect">
@@ -40608,7 +40927,95 @@
               <a:buNone/>
             </a:pPr>
             <a:r>
-              <a:rPr b="0" i="0" lang="en" sz="2300" u="none" cap="none" strike="noStrike">
+              <a:t/>
+            </a:r>
+            <a:endParaRPr b="1">
+              <a:solidFill>
+                <a:srgbClr val="F06634"/>
+              </a:solidFill>
+              <a:latin typeface="Inter"/>
+              <a:ea typeface="Inter"/>
+              <a:cs typeface="Inter"/>
+              <a:sym typeface="Inter"/>
+            </a:endParaRPr>
+          </a:p>
+          <a:p>
+            <a:pPr indent="0" lvl="0" marL="0" marR="0" rtl="0" algn="l">
+              <a:lnSpc>
+                <a:spcPct val="100000"/>
+              </a:lnSpc>
+              <a:spcBef>
+                <a:spcPts val="0"/>
+              </a:spcBef>
+              <a:spcAft>
+                <a:spcPts val="0"/>
+              </a:spcAft>
+              <a:buClr>
+                <a:srgbClr val="000000"/>
+              </a:buClr>
+              <a:buSzPts val="1500"/>
+              <a:buFont typeface="Arial"/>
+              <a:buNone/>
+            </a:pPr>
+            <a:r>
+              <a:t/>
+            </a:r>
+            <a:endParaRPr b="1">
+              <a:solidFill>
+                <a:srgbClr val="F06634"/>
+              </a:solidFill>
+              <a:latin typeface="Inter"/>
+              <a:ea typeface="Inter"/>
+              <a:cs typeface="Inter"/>
+              <a:sym typeface="Inter"/>
+            </a:endParaRPr>
+          </a:p>
+        </p:txBody>
+      </p:sp>
+      <p:sp>
+        <p:nvSpPr>
+          <p:cNvPr id="430" name="Google Shape;430;p79"/>
+          <p:cNvSpPr txBox="1"/>
+          <p:nvPr/>
+        </p:nvSpPr>
+        <p:spPr>
+          <a:xfrm>
+            <a:off x="700050" y="1308100"/>
+            <a:ext cx="7089000" cy="484200"/>
+          </a:xfrm>
+          <a:prstGeom prst="rect">
+            <a:avLst/>
+          </a:prstGeom>
+          <a:noFill/>
+          <a:ln>
+            <a:noFill/>
+          </a:ln>
+        </p:spPr>
+        <p:txBody>
+          <a:bodyPr anchorCtr="0" anchor="t" bIns="91425" lIns="91425" spcFirstLastPara="1" rIns="91425" wrap="square" tIns="91425">
+            <a:noAutofit/>
+          </a:bodyPr>
+          <a:lstStyle/>
+          <a:p>
+            <a:pPr indent="0" lvl="0" marL="0" marR="0" rtl="0" algn="l">
+              <a:lnSpc>
+                <a:spcPct val="100000"/>
+              </a:lnSpc>
+              <a:spcBef>
+                <a:spcPts val="0"/>
+              </a:spcBef>
+              <a:spcAft>
+                <a:spcPts val="0"/>
+              </a:spcAft>
+              <a:buClr>
+                <a:schemeClr val="dk1"/>
+              </a:buClr>
+              <a:buSzPts val="1100"/>
+              <a:buFont typeface="Arial"/>
+              <a:buNone/>
+            </a:pPr>
+            <a:r>
+              <a:rPr lang="en" sz="2300">
                 <a:solidFill>
                   <a:srgbClr val="1D3D70"/>
                 </a:solidFill>
@@ -40617,9 +41024,9 @@
                 <a:cs typeface="Work Sans ExtraBold"/>
                 <a:sym typeface="Work Sans ExtraBold"/>
               </a:rPr>
-              <a:t>Conclusion &amp; Business Impact</a:t>
+              <a:t>Success Story</a:t>
             </a:r>
-            <a:endParaRPr b="0" i="0" sz="2300" u="none" cap="none" strike="noStrike">
+            <a:endParaRPr sz="2300">
               <a:solidFill>
                 <a:srgbClr val="1D3D70"/>
               </a:solidFill>
@@ -40633,7 +41040,137 @@
       </p:sp>
       <p:sp>
         <p:nvSpPr>
-          <p:cNvPr id="427" name="Google Shape;427;p79"/>
+          <p:cNvPr id="431" name="Google Shape;431;p79"/>
+          <p:cNvSpPr txBox="1"/>
+          <p:nvPr/>
+        </p:nvSpPr>
+        <p:spPr>
+          <a:xfrm>
+            <a:off x="685800" y="1873750"/>
+            <a:ext cx="7772400" cy="1980000"/>
+          </a:xfrm>
+          <a:prstGeom prst="rect">
+            <a:avLst/>
+          </a:prstGeom>
+          <a:noFill/>
+          <a:ln>
+            <a:noFill/>
+          </a:ln>
+        </p:spPr>
+        <p:txBody>
+          <a:bodyPr anchorCtr="0" anchor="t" bIns="91425" lIns="91425" spcFirstLastPara="1" rIns="91425" wrap="square" tIns="91425">
+            <a:noAutofit/>
+          </a:bodyPr>
+          <a:lstStyle/>
+          <a:p>
+            <a:pPr indent="0" lvl="0" marL="0" rtl="0" algn="l">
+              <a:lnSpc>
+                <a:spcPct val="115000"/>
+              </a:lnSpc>
+              <a:spcBef>
+                <a:spcPts val="1200"/>
+              </a:spcBef>
+              <a:spcAft>
+                <a:spcPts val="0"/>
+              </a:spcAft>
+              <a:buClr>
+                <a:schemeClr val="dk1"/>
+              </a:buClr>
+              <a:buSzPts val="1100"/>
+              <a:buFont typeface="Arial"/>
+              <a:buNone/>
+            </a:pPr>
+            <a:r>
+              <a:rPr b="1" lang="en" sz="1200">
+                <a:solidFill>
+                  <a:schemeClr val="dk1"/>
+                </a:solidFill>
+                <a:latin typeface="Times New Roman"/>
+                <a:ea typeface="Times New Roman"/>
+                <a:cs typeface="Times New Roman"/>
+                <a:sym typeface="Times New Roman"/>
+              </a:rPr>
+              <a:t>Effective Model Selection</a:t>
+            </a:r>
+            <a:r>
+              <a:rPr lang="en" sz="1200">
+                <a:solidFill>
+                  <a:schemeClr val="dk1"/>
+                </a:solidFill>
+                <a:latin typeface="Times New Roman"/>
+                <a:ea typeface="Times New Roman"/>
+                <a:cs typeface="Times New Roman"/>
+                <a:sym typeface="Times New Roman"/>
+              </a:rPr>
+              <a:t>: We successfully identified and optimized the XGBoost model as the best choice for predicting user shopping intent in e-commerce. This demonstrates our expertise in selecting and configuring models to achieve the best results.</a:t>
+            </a:r>
+            <a:endParaRPr sz="1200">
+              <a:solidFill>
+                <a:schemeClr val="dk1"/>
+              </a:solidFill>
+              <a:latin typeface="Times New Roman"/>
+              <a:ea typeface="Times New Roman"/>
+              <a:cs typeface="Times New Roman"/>
+              <a:sym typeface="Times New Roman"/>
+            </a:endParaRPr>
+          </a:p>
+          <a:p>
+            <a:pPr indent="0" lvl="0" marL="0" rtl="0" algn="l">
+              <a:lnSpc>
+                <a:spcPct val="115000"/>
+              </a:lnSpc>
+              <a:spcBef>
+                <a:spcPts val="1200"/>
+              </a:spcBef>
+              <a:spcAft>
+                <a:spcPts val="1200"/>
+              </a:spcAft>
+              <a:buClr>
+                <a:schemeClr val="dk1"/>
+              </a:buClr>
+              <a:buSzPts val="1100"/>
+              <a:buFont typeface="Arial"/>
+              <a:buNone/>
+            </a:pPr>
+            <a:r>
+              <a:rPr b="1" lang="en" sz="1200">
+                <a:solidFill>
+                  <a:schemeClr val="dk1"/>
+                </a:solidFill>
+                <a:latin typeface="Times New Roman"/>
+                <a:ea typeface="Times New Roman"/>
+                <a:cs typeface="Times New Roman"/>
+                <a:sym typeface="Times New Roman"/>
+              </a:rPr>
+              <a:t>In-depth Analysis and Recommendations</a:t>
+            </a:r>
+            <a:r>
+              <a:rPr lang="en" sz="1200">
+                <a:solidFill>
+                  <a:schemeClr val="dk1"/>
+                </a:solidFill>
+                <a:latin typeface="Times New Roman"/>
+                <a:ea typeface="Times New Roman"/>
+                <a:cs typeface="Times New Roman"/>
+                <a:sym typeface="Times New Roman"/>
+              </a:rPr>
+              <a:t>: We provide a robust analysis of user behavior and offer recommendations for improvement, such as data enrichment and real-time processing, showcasing our ability to translate findings into concrete steps to enhance project performance and impact.</a:t>
+            </a:r>
+            <a:endParaRPr sz="1200">
+              <a:solidFill>
+                <a:schemeClr val="dk1"/>
+              </a:solidFill>
+              <a:latin typeface="Times New Roman"/>
+              <a:ea typeface="Times New Roman"/>
+              <a:cs typeface="Times New Roman"/>
+              <a:sym typeface="Times New Roman"/>
+            </a:endParaRPr>
+          </a:p>
+        </p:txBody>
+      </p:sp>
+      <p:sp>
+        <p:nvSpPr>
+          <p:cNvPr id="432" name="Google Shape;432;p79"/>
           <p:cNvSpPr txBox="1"/>
           <p:nvPr>
             <p:ph idx="12" type="sldNum"/>
@@ -40680,9 +41217,149 @@
           </a:p>
         </p:txBody>
       </p:sp>
+    </p:spTree>
+  </p:cSld>
+  <p:clrMapOvr>
+    <a:masterClrMapping/>
+  </p:clrMapOvr>
+</p:sld>
+</file>
+
+<file path=ppt/slides/slide23.xml><?xml version="1.0" encoding="utf-8"?>
+<p:sld xmlns:a="http://schemas.openxmlformats.org/drawingml/2006/main" xmlns:r="http://schemas.openxmlformats.org/officeDocument/2006/relationships" xmlns:mc="http://schemas.openxmlformats.org/markup-compatibility/2006" xmlns:mv="urn:schemas-microsoft-com:mac:vml" xmlns:p="http://schemas.openxmlformats.org/presentationml/2006/main" xmlns:c="http://schemas.openxmlformats.org/drawingml/2006/chart" xmlns:dgm="http://schemas.openxmlformats.org/drawingml/2006/diagram" xmlns:o="urn:schemas-microsoft-com:office:office" xmlns:v="urn:schemas-microsoft-com:vml" xmlns:pvml="urn:schemas-microsoft-com:office:powerpoint" xmlns:com="http://schemas.openxmlformats.org/drawingml/2006/compatibility" xmlns:p14="http://schemas.microsoft.com/office/powerpoint/2010/main" xmlns:p15="http://schemas.microsoft.com/office/powerpoint/2012/main" xmlns:ahyp="http://schemas.microsoft.com/office/drawing/2018/hyperlinkcolor">
+  <p:cSld>
+    <p:spTree>
+      <p:nvGrpSpPr>
+        <p:cNvPr id="436" name="Shape 436"/>
+        <p:cNvGrpSpPr/>
+        <p:nvPr/>
+      </p:nvGrpSpPr>
+      <p:grpSpPr>
+        <a:xfrm>
+          <a:off x="0" y="0"/>
+          <a:ext cx="0" cy="0"/>
+          <a:chOff x="0" y="0"/>
+          <a:chExt cx="0" cy="0"/>
+        </a:xfrm>
+      </p:grpSpPr>
       <p:sp>
         <p:nvSpPr>
-          <p:cNvPr id="428" name="Google Shape;428;p79"/>
+          <p:cNvPr id="437" name="Google Shape;437;p80"/>
+          <p:cNvSpPr txBox="1"/>
+          <p:nvPr/>
+        </p:nvSpPr>
+        <p:spPr>
+          <a:xfrm>
+            <a:off x="534546" y="761206"/>
+            <a:ext cx="7089000" cy="484200"/>
+          </a:xfrm>
+          <a:prstGeom prst="rect">
+            <a:avLst/>
+          </a:prstGeom>
+          <a:noFill/>
+          <a:ln>
+            <a:noFill/>
+          </a:ln>
+        </p:spPr>
+        <p:txBody>
+          <a:bodyPr anchorCtr="0" anchor="t" bIns="91425" lIns="91425" spcFirstLastPara="1" rIns="91425" wrap="square" tIns="91425">
+            <a:noAutofit/>
+          </a:bodyPr>
+          <a:lstStyle/>
+          <a:p>
+            <a:pPr indent="0" lvl="0" marL="0" marR="0" rtl="0" algn="l">
+              <a:lnSpc>
+                <a:spcPct val="100000"/>
+              </a:lnSpc>
+              <a:spcBef>
+                <a:spcPts val="0"/>
+              </a:spcBef>
+              <a:spcAft>
+                <a:spcPts val="0"/>
+              </a:spcAft>
+              <a:buClr>
+                <a:schemeClr val="dk1"/>
+              </a:buClr>
+              <a:buSzPts val="1100"/>
+              <a:buFont typeface="Arial"/>
+              <a:buNone/>
+            </a:pPr>
+            <a:r>
+              <a:rPr b="0" i="0" lang="en" sz="2300" u="none" cap="none" strike="noStrike">
+                <a:solidFill>
+                  <a:srgbClr val="1D3D70"/>
+                </a:solidFill>
+                <a:latin typeface="Work Sans ExtraBold"/>
+                <a:ea typeface="Work Sans ExtraBold"/>
+                <a:cs typeface="Work Sans ExtraBold"/>
+                <a:sym typeface="Work Sans ExtraBold"/>
+              </a:rPr>
+              <a:t>Conclusion &amp; Business Impact</a:t>
+            </a:r>
+            <a:endParaRPr b="0" i="0" sz="2300" u="none" cap="none" strike="noStrike">
+              <a:solidFill>
+                <a:srgbClr val="1D3D70"/>
+              </a:solidFill>
+              <a:latin typeface="Work Sans ExtraBold"/>
+              <a:ea typeface="Work Sans ExtraBold"/>
+              <a:cs typeface="Work Sans ExtraBold"/>
+              <a:sym typeface="Work Sans ExtraBold"/>
+            </a:endParaRPr>
+          </a:p>
+        </p:txBody>
+      </p:sp>
+      <p:sp>
+        <p:nvSpPr>
+          <p:cNvPr id="438" name="Google Shape;438;p80"/>
+          <p:cNvSpPr txBox="1"/>
+          <p:nvPr>
+            <p:ph idx="12" type="sldNum"/>
+          </p:nvPr>
+        </p:nvSpPr>
+        <p:spPr>
+          <a:xfrm>
+            <a:off x="8472458" y="4663217"/>
+            <a:ext cx="548700" cy="393600"/>
+          </a:xfrm>
+          <a:prstGeom prst="rect">
+            <a:avLst/>
+          </a:prstGeom>
+          <a:noFill/>
+          <a:ln>
+            <a:noFill/>
+          </a:ln>
+        </p:spPr>
+        <p:txBody>
+          <a:bodyPr anchorCtr="0" anchor="ctr" bIns="91425" lIns="91425" spcFirstLastPara="1" rIns="91425" wrap="square" tIns="91425">
+            <a:normAutofit/>
+          </a:bodyPr>
+          <a:lstStyle/>
+          <a:p>
+            <a:pPr indent="0" lvl="0" marL="0" rtl="0" algn="r">
+              <a:spcBef>
+                <a:spcPts val="0"/>
+              </a:spcBef>
+              <a:spcAft>
+                <a:spcPts val="0"/>
+              </a:spcAft>
+              <a:buClr>
+                <a:srgbClr val="000000"/>
+              </a:buClr>
+              <a:buSzPts val="1000"/>
+              <a:buFont typeface="Arial"/>
+              <a:buNone/>
+            </a:pPr>
+            <a:fld id="{00000000-1234-1234-1234-123412341234}" type="slidenum">
+              <a:rPr lang="en"/>
+              <a:t>‹#›</a:t>
+            </a:fld>
+            <a:endParaRPr/>
+          </a:p>
+        </p:txBody>
+      </p:sp>
+      <p:sp>
+        <p:nvSpPr>
+          <p:cNvPr id="439" name="Google Shape;439;p80"/>
           <p:cNvSpPr txBox="1"/>
           <p:nvPr/>
         </p:nvSpPr>
@@ -40934,12 +41611,12 @@
 </p:sld>
 </file>
 
-<file path=ppt/slides/slide23.xml><?xml version="1.0" encoding="utf-8"?>
+<file path=ppt/slides/slide24.xml><?xml version="1.0" encoding="utf-8"?>
 <p:sld xmlns:a="http://schemas.openxmlformats.org/drawingml/2006/main" xmlns:r="http://schemas.openxmlformats.org/officeDocument/2006/relationships" xmlns:mc="http://schemas.openxmlformats.org/markup-compatibility/2006" xmlns:mv="urn:schemas-microsoft-com:mac:vml" xmlns:p="http://schemas.openxmlformats.org/presentationml/2006/main" xmlns:c="http://schemas.openxmlformats.org/drawingml/2006/chart" xmlns:dgm="http://schemas.openxmlformats.org/drawingml/2006/diagram" xmlns:o="urn:schemas-microsoft-com:office:office" xmlns:v="urn:schemas-microsoft-com:vml" xmlns:pvml="urn:schemas-microsoft-com:office:powerpoint" xmlns:com="http://schemas.openxmlformats.org/drawingml/2006/compatibility" xmlns:p14="http://schemas.microsoft.com/office/powerpoint/2010/main" xmlns:p15="http://schemas.microsoft.com/office/powerpoint/2012/main" xmlns:ahyp="http://schemas.microsoft.com/office/drawing/2018/hyperlinkcolor">
   <p:cSld>
     <p:spTree>
       <p:nvGrpSpPr>
-        <p:cNvPr id="432" name="Shape 432"/>
+        <p:cNvPr id="443" name="Shape 443"/>
         <p:cNvGrpSpPr/>
         <p:nvPr/>
       </p:nvGrpSpPr>
@@ -40953,7 +41630,7 @@
       </p:grpSpPr>
       <p:pic>
         <p:nvPicPr>
-          <p:cNvPr id="433" name="Google Shape;433;p80"/>
+          <p:cNvPr id="444" name="Google Shape;444;p81"/>
           <p:cNvPicPr preferRelativeResize="0"/>
           <p:nvPr/>
         </p:nvPicPr>
@@ -40980,7 +41657,7 @@
       </p:pic>
       <p:sp>
         <p:nvSpPr>
-          <p:cNvPr id="434" name="Google Shape;434;p80"/>
+          <p:cNvPr id="445" name="Google Shape;445;p81"/>
           <p:cNvSpPr txBox="1"/>
           <p:nvPr/>
         </p:nvSpPr>
@@ -41046,7 +41723,7 @@
       </p:sp>
       <p:sp>
         <p:nvSpPr>
-          <p:cNvPr id="435" name="Google Shape;435;p80"/>
+          <p:cNvPr id="446" name="Google Shape;446;p81"/>
           <p:cNvSpPr txBox="1"/>
           <p:nvPr>
             <p:ph idx="12" type="sldNum"/>
@@ -41095,7 +41772,7 @@
       </p:sp>
       <p:sp>
         <p:nvSpPr>
-          <p:cNvPr id="436" name="Google Shape;436;p80"/>
+          <p:cNvPr id="447" name="Google Shape;447;p81"/>
           <p:cNvSpPr txBox="1"/>
           <p:nvPr/>
         </p:nvSpPr>
@@ -41335,7 +42012,7 @@
       </p:sp>
       <p:pic>
         <p:nvPicPr>
-          <p:cNvPr id="437" name="Google Shape;437;p80"/>
+          <p:cNvPr id="448" name="Google Shape;448;p81"/>
           <p:cNvPicPr preferRelativeResize="0"/>
           <p:nvPr/>
         </p:nvPicPr>
@@ -41362,7 +42039,7 @@
       </p:pic>
       <p:pic>
         <p:nvPicPr>
-          <p:cNvPr id="438" name="Google Shape;438;p80"/>
+          <p:cNvPr id="449" name="Google Shape;449;p81"/>
           <p:cNvPicPr preferRelativeResize="0"/>
           <p:nvPr/>
         </p:nvPicPr>
@@ -41389,7 +42066,7 @@
       </p:pic>
       <p:pic>
         <p:nvPicPr>
-          <p:cNvPr id="439" name="Google Shape;439;p80"/>
+          <p:cNvPr id="450" name="Google Shape;450;p81"/>
           <p:cNvPicPr preferRelativeResize="0"/>
           <p:nvPr/>
         </p:nvPicPr>
@@ -41416,7 +42093,7 @@
       </p:pic>
       <p:sp>
         <p:nvSpPr>
-          <p:cNvPr id="440" name="Google Shape;440;p80"/>
+          <p:cNvPr id="451" name="Google Shape;451;p81"/>
           <p:cNvSpPr txBox="1"/>
           <p:nvPr/>
         </p:nvSpPr>
@@ -41482,7 +42159,7 @@
       </p:sp>
       <p:sp>
         <p:nvSpPr>
-          <p:cNvPr id="441" name="Google Shape;441;p80"/>
+          <p:cNvPr id="452" name="Google Shape;452;p81"/>
           <p:cNvSpPr txBox="1"/>
           <p:nvPr/>
         </p:nvSpPr>
@@ -41548,7 +42225,7 @@
       </p:sp>
       <p:sp>
         <p:nvSpPr>
-          <p:cNvPr id="442" name="Google Shape;442;p80"/>
+          <p:cNvPr id="453" name="Google Shape;453;p81"/>
           <p:cNvSpPr txBox="1"/>
           <p:nvPr/>
         </p:nvSpPr>
@@ -41614,7 +42291,7 @@
       </p:sp>
       <p:sp>
         <p:nvSpPr>
-          <p:cNvPr id="443" name="Google Shape;443;p80"/>
+          <p:cNvPr id="454" name="Google Shape;454;p81"/>
           <p:cNvSpPr txBox="1"/>
           <p:nvPr/>
         </p:nvSpPr>
@@ -41680,7 +42357,7 @@
       </p:sp>
       <p:sp>
         <p:nvSpPr>
-          <p:cNvPr id="444" name="Google Shape;444;p80"/>
+          <p:cNvPr id="455" name="Google Shape;455;p81"/>
           <p:cNvSpPr txBox="1"/>
           <p:nvPr/>
         </p:nvSpPr>
@@ -41856,7 +42533,7 @@
       </p:sp>
       <p:sp>
         <p:nvSpPr>
-          <p:cNvPr id="445" name="Google Shape;445;p80"/>
+          <p:cNvPr id="456" name="Google Shape;456;p81"/>
           <p:cNvSpPr txBox="1"/>
           <p:nvPr/>
         </p:nvSpPr>
@@ -42157,7 +42834,7 @@
       </p:sp>
       <p:sp>
         <p:nvSpPr>
-          <p:cNvPr id="446" name="Google Shape;446;p80"/>
+          <p:cNvPr id="457" name="Google Shape;457;p81"/>
           <p:cNvSpPr txBox="1"/>
           <p:nvPr/>
         </p:nvSpPr>
@@ -46051,8 +46728,8 @@
         </p:nvSpPr>
         <p:spPr>
           <a:xfrm>
-            <a:off x="606225" y="1874700"/>
-            <a:ext cx="3527400" cy="1046700"/>
+            <a:off x="4232825" y="5116325"/>
+            <a:ext cx="3527400" cy="492600"/>
           </a:xfrm>
           <a:prstGeom prst="rect">
             <a:avLst/>
@@ -46114,7 +46791,7 @@
                   </a:extLst>
                 </a:hlinkClick>
               </a:rPr>
-              <a:t>https://archive.ics.uci.edu/dataset/468/online+shoppers+purchasing+intention+dataset</a:t>
+              <a:t>https://archive.ics.uci.edu/</a:t>
             </a:r>
             <a:r>
               <a:rPr lang="en">
@@ -46123,19 +46800,7 @@
                 <a:cs typeface="Times New Roman"/>
                 <a:sym typeface="Times New Roman"/>
               </a:rPr>
-              <a:t> / </a:t>
-            </a:r>
-            <a:r>
-              <a:rPr lang="en" sz="1200">
-                <a:solidFill>
-                  <a:schemeClr val="dk1"/>
-                </a:solidFill>
-                <a:latin typeface="Times New Roman"/>
-                <a:ea typeface="Times New Roman"/>
-                <a:cs typeface="Times New Roman"/>
-                <a:sym typeface="Times New Roman"/>
-              </a:rPr>
-              <a:t>Online_Shopper_Intention dataset</a:t>
+              <a:t>/ </a:t>
             </a:r>
             <a:endParaRPr sz="1200">
               <a:solidFill>
@@ -46148,78 +46813,25 @@
             </a:endParaRPr>
           </a:p>
           <a:p>
-            <a:pPr indent="-171450" lvl="0" marL="171450" marR="0" rtl="0" algn="l">
-              <a:lnSpc>
-                <a:spcPct val="100000"/>
-              </a:lnSpc>
-              <a:spcBef>
-                <a:spcPts val="0"/>
-              </a:spcBef>
-              <a:spcAft>
-                <a:spcPts val="0"/>
-              </a:spcAft>
-              <a:buClr>
-                <a:srgbClr val="000000"/>
-              </a:buClr>
-              <a:buSzPts val="1200"/>
-              <a:buFont typeface="Times New Roman"/>
-              <a:buChar char="•"/>
+            <a:pPr indent="0" lvl="0" marL="457200" marR="0" rtl="0" algn="l">
+              <a:lnSpc>
+                <a:spcPct val="100000"/>
+              </a:lnSpc>
+              <a:spcBef>
+                <a:spcPts val="0"/>
+              </a:spcBef>
+              <a:spcAft>
+                <a:spcPts val="0"/>
+              </a:spcAft>
+              <a:buNone/>
             </a:pPr>
             <a:r>
-              <a:rPr i="0" lang="en" sz="1200" u="none" cap="none" strike="noStrike">
-                <a:solidFill>
-                  <a:srgbClr val="000000"/>
-                </a:solidFill>
-                <a:latin typeface="Times New Roman"/>
-                <a:ea typeface="Times New Roman"/>
-                <a:cs typeface="Times New Roman"/>
-                <a:sym typeface="Times New Roman"/>
-              </a:rPr>
-              <a:t>Have 1</a:t>
+              <a:t/>
             </a:r>
-            <a:r>
-              <a:rPr lang="en" sz="1200">
-                <a:latin typeface="Times New Roman"/>
-                <a:ea typeface="Times New Roman"/>
-                <a:cs typeface="Times New Roman"/>
-                <a:sym typeface="Times New Roman"/>
-              </a:rPr>
-              <a:t>8</a:t>
-            </a:r>
-            <a:r>
-              <a:rPr i="0" lang="en" sz="1200" u="none" cap="none" strike="noStrike">
-                <a:solidFill>
-                  <a:srgbClr val="000000"/>
-                </a:solidFill>
-                <a:latin typeface="Times New Roman"/>
-                <a:ea typeface="Times New Roman"/>
-                <a:cs typeface="Times New Roman"/>
-                <a:sym typeface="Times New Roman"/>
-              </a:rPr>
-              <a:t> column </a:t>
-            </a:r>
-            <a:r>
-              <a:rPr lang="en" sz="1200">
-                <a:latin typeface="Times New Roman"/>
-                <a:ea typeface="Times New Roman"/>
-                <a:cs typeface="Times New Roman"/>
-                <a:sym typeface="Times New Roman"/>
-              </a:rPr>
-              <a:t>12330</a:t>
-            </a:r>
-            <a:r>
-              <a:rPr i="0" lang="en" sz="1200" u="none" cap="none" strike="noStrike">
-                <a:solidFill>
-                  <a:srgbClr val="000000"/>
-                </a:solidFill>
-                <a:latin typeface="Times New Roman"/>
-                <a:ea typeface="Times New Roman"/>
-                <a:cs typeface="Times New Roman"/>
-                <a:sym typeface="Times New Roman"/>
-              </a:rPr>
-              <a:t> rows</a:t>
-            </a:r>
-            <a:endParaRPr>
+            <a:endParaRPr sz="1200">
+              <a:solidFill>
+                <a:schemeClr val="dk1"/>
+              </a:solidFill>
               <a:latin typeface="Times New Roman"/>
               <a:ea typeface="Times New Roman"/>
               <a:cs typeface="Times New Roman"/>
@@ -46228,9 +46840,416 @@
           </a:p>
         </p:txBody>
       </p:sp>
+      <p:sp>
+        <p:nvSpPr>
+          <p:cNvPr id="304" name="Google Shape;304;p65"/>
+          <p:cNvSpPr txBox="1"/>
+          <p:nvPr>
+            <p:ph idx="12" type="sldNum"/>
+          </p:nvPr>
+        </p:nvSpPr>
+        <p:spPr>
+          <a:xfrm>
+            <a:off x="8472458" y="4663217"/>
+            <a:ext cx="548700" cy="393600"/>
+          </a:xfrm>
+          <a:prstGeom prst="rect">
+            <a:avLst/>
+          </a:prstGeom>
+        </p:spPr>
+        <p:txBody>
+          <a:bodyPr anchorCtr="0" anchor="ctr" bIns="91425" lIns="91425" spcFirstLastPara="1" rIns="91425" wrap="square" tIns="91425">
+            <a:normAutofit/>
+          </a:bodyPr>
+          <a:lstStyle/>
+          <a:p>
+            <a:pPr indent="0" lvl="0" marL="0" rtl="0" algn="r">
+              <a:spcBef>
+                <a:spcPts val="0"/>
+              </a:spcBef>
+              <a:spcAft>
+                <a:spcPts val="0"/>
+              </a:spcAft>
+              <a:buClr>
+                <a:srgbClr val="000000"/>
+              </a:buClr>
+              <a:buSzPts val="1000"/>
+              <a:buFont typeface="Arial"/>
+              <a:buNone/>
+            </a:pPr>
+            <a:fld id="{00000000-1234-1234-1234-123412341234}" type="slidenum">
+              <a:rPr lang="en"/>
+              <a:t>‹#›</a:t>
+            </a:fld>
+            <a:endParaRPr/>
+          </a:p>
+        </p:txBody>
+      </p:sp>
+      <p:sp>
+        <p:nvSpPr>
+          <p:cNvPr id="305" name="Google Shape;305;p65"/>
+          <p:cNvSpPr txBox="1"/>
+          <p:nvPr/>
+        </p:nvSpPr>
+        <p:spPr>
+          <a:xfrm>
+            <a:off x="252825" y="918450"/>
+            <a:ext cx="2063700" cy="2998500"/>
+          </a:xfrm>
+          <a:prstGeom prst="rect">
+            <a:avLst/>
+          </a:prstGeom>
+          <a:noFill/>
+          <a:ln>
+            <a:noFill/>
+          </a:ln>
+        </p:spPr>
+        <p:txBody>
+          <a:bodyPr anchorCtr="0" anchor="t" bIns="91425" lIns="91425" spcFirstLastPara="1" rIns="91425" wrap="square" tIns="91425">
+            <a:noAutofit/>
+          </a:bodyPr>
+          <a:lstStyle/>
+          <a:p>
+            <a:pPr indent="0" lvl="0" marL="0" rtl="0" algn="l">
+              <a:spcBef>
+                <a:spcPts val="0"/>
+              </a:spcBef>
+              <a:spcAft>
+                <a:spcPts val="0"/>
+              </a:spcAft>
+              <a:buNone/>
+            </a:pPr>
+            <a:r>
+              <a:rPr lang="en" sz="1200">
+                <a:solidFill>
+                  <a:schemeClr val="dk2"/>
+                </a:solidFill>
+              </a:rPr>
+              <a:t>browser attribute:</a:t>
+            </a:r>
+            <a:endParaRPr sz="1200">
+              <a:solidFill>
+                <a:schemeClr val="dk2"/>
+              </a:solidFill>
+            </a:endParaRPr>
+          </a:p>
+          <a:p>
+            <a:pPr indent="0" lvl="0" marL="0" rtl="0" algn="l">
+              <a:spcBef>
+                <a:spcPts val="0"/>
+              </a:spcBef>
+              <a:spcAft>
+                <a:spcPts val="0"/>
+              </a:spcAft>
+              <a:buNone/>
+            </a:pPr>
+            <a:r>
+              <a:rPr lang="en" sz="1200">
+                <a:solidFill>
+                  <a:schemeClr val="dk2"/>
+                </a:solidFill>
+              </a:rPr>
+              <a:t>1=Chrome</a:t>
+            </a:r>
+            <a:endParaRPr sz="1200">
+              <a:solidFill>
+                <a:schemeClr val="dk2"/>
+              </a:solidFill>
+            </a:endParaRPr>
+          </a:p>
+          <a:p>
+            <a:pPr indent="0" lvl="0" marL="0" rtl="0" algn="l">
+              <a:spcBef>
+                <a:spcPts val="0"/>
+              </a:spcBef>
+              <a:spcAft>
+                <a:spcPts val="0"/>
+              </a:spcAft>
+              <a:buNone/>
+            </a:pPr>
+            <a:r>
+              <a:rPr lang="en" sz="1200">
+                <a:solidFill>
+                  <a:schemeClr val="dk2"/>
+                </a:solidFill>
+              </a:rPr>
+              <a:t>2=Firefox</a:t>
+            </a:r>
+            <a:endParaRPr sz="1200">
+              <a:solidFill>
+                <a:schemeClr val="dk2"/>
+              </a:solidFill>
+            </a:endParaRPr>
+          </a:p>
+          <a:p>
+            <a:pPr indent="0" lvl="0" marL="0" rtl="0" algn="l">
+              <a:spcBef>
+                <a:spcPts val="0"/>
+              </a:spcBef>
+              <a:spcAft>
+                <a:spcPts val="0"/>
+              </a:spcAft>
+              <a:buNone/>
+            </a:pPr>
+            <a:r>
+              <a:rPr lang="en" sz="1200">
+                <a:solidFill>
+                  <a:schemeClr val="dk2"/>
+                </a:solidFill>
+              </a:rPr>
+              <a:t>3=Safari</a:t>
+            </a:r>
+            <a:endParaRPr sz="1200">
+              <a:solidFill>
+                <a:schemeClr val="dk2"/>
+              </a:solidFill>
+            </a:endParaRPr>
+          </a:p>
+          <a:p>
+            <a:pPr indent="0" lvl="0" marL="0" rtl="0" algn="l">
+              <a:spcBef>
+                <a:spcPts val="0"/>
+              </a:spcBef>
+              <a:spcAft>
+                <a:spcPts val="0"/>
+              </a:spcAft>
+              <a:buNone/>
+            </a:pPr>
+            <a:r>
+              <a:rPr lang="en" sz="1200">
+                <a:solidFill>
+                  <a:schemeClr val="dk2"/>
+                </a:solidFill>
+              </a:rPr>
+              <a:t>4=Edge</a:t>
+            </a:r>
+            <a:endParaRPr sz="1200">
+              <a:solidFill>
+                <a:schemeClr val="dk2"/>
+              </a:solidFill>
+            </a:endParaRPr>
+          </a:p>
+          <a:p>
+            <a:pPr indent="0" lvl="0" marL="0" rtl="0" algn="l">
+              <a:spcBef>
+                <a:spcPts val="0"/>
+              </a:spcBef>
+              <a:spcAft>
+                <a:spcPts val="0"/>
+              </a:spcAft>
+              <a:buNone/>
+            </a:pPr>
+            <a:r>
+              <a:rPr lang="en" sz="1200">
+                <a:solidFill>
+                  <a:schemeClr val="dk2"/>
+                </a:solidFill>
+              </a:rPr>
+              <a:t>5=Opera</a:t>
+            </a:r>
+            <a:endParaRPr sz="1200">
+              <a:solidFill>
+                <a:schemeClr val="dk2"/>
+              </a:solidFill>
+            </a:endParaRPr>
+          </a:p>
+          <a:p>
+            <a:pPr indent="0" lvl="0" marL="0" rtl="0" algn="l">
+              <a:spcBef>
+                <a:spcPts val="0"/>
+              </a:spcBef>
+              <a:spcAft>
+                <a:spcPts val="0"/>
+              </a:spcAft>
+              <a:buNone/>
+            </a:pPr>
+            <a:r>
+              <a:rPr lang="en" sz="1200">
+                <a:solidFill>
+                  <a:schemeClr val="dk2"/>
+                </a:solidFill>
+              </a:rPr>
+              <a:t>6=Internet Explorer</a:t>
+            </a:r>
+            <a:endParaRPr sz="1200">
+              <a:solidFill>
+                <a:schemeClr val="dk2"/>
+              </a:solidFill>
+            </a:endParaRPr>
+          </a:p>
+          <a:p>
+            <a:pPr indent="0" lvl="0" marL="0" rtl="0" algn="l">
+              <a:spcBef>
+                <a:spcPts val="0"/>
+              </a:spcBef>
+              <a:spcAft>
+                <a:spcPts val="0"/>
+              </a:spcAft>
+              <a:buNone/>
+            </a:pPr>
+            <a:r>
+              <a:rPr lang="en" sz="1200">
+                <a:solidFill>
+                  <a:schemeClr val="dk2"/>
+                </a:solidFill>
+              </a:rPr>
+              <a:t>7=Brave</a:t>
+            </a:r>
+            <a:endParaRPr sz="1200">
+              <a:solidFill>
+                <a:schemeClr val="dk2"/>
+              </a:solidFill>
+            </a:endParaRPr>
+          </a:p>
+          <a:p>
+            <a:pPr indent="0" lvl="0" marL="0" rtl="0" algn="l">
+              <a:spcBef>
+                <a:spcPts val="0"/>
+              </a:spcBef>
+              <a:spcAft>
+                <a:spcPts val="0"/>
+              </a:spcAft>
+              <a:buNone/>
+            </a:pPr>
+            <a:r>
+              <a:rPr lang="en" sz="1200">
+                <a:solidFill>
+                  <a:schemeClr val="dk2"/>
+                </a:solidFill>
+              </a:rPr>
+              <a:t>8=Vivaldi</a:t>
+            </a:r>
+            <a:endParaRPr sz="1200">
+              <a:solidFill>
+                <a:schemeClr val="dk2"/>
+              </a:solidFill>
+            </a:endParaRPr>
+          </a:p>
+          <a:p>
+            <a:pPr indent="0" lvl="0" marL="0" rtl="0" algn="l">
+              <a:spcBef>
+                <a:spcPts val="0"/>
+              </a:spcBef>
+              <a:spcAft>
+                <a:spcPts val="0"/>
+              </a:spcAft>
+              <a:buNone/>
+            </a:pPr>
+            <a:r>
+              <a:rPr lang="en" sz="1200">
+                <a:solidFill>
+                  <a:schemeClr val="dk2"/>
+                </a:solidFill>
+              </a:rPr>
+              <a:t>9=Tor</a:t>
+            </a:r>
+            <a:endParaRPr sz="1200">
+              <a:solidFill>
+                <a:schemeClr val="dk2"/>
+              </a:solidFill>
+            </a:endParaRPr>
+          </a:p>
+          <a:p>
+            <a:pPr indent="0" lvl="0" marL="0" rtl="0" algn="l">
+              <a:spcBef>
+                <a:spcPts val="0"/>
+              </a:spcBef>
+              <a:spcAft>
+                <a:spcPts val="0"/>
+              </a:spcAft>
+              <a:buNone/>
+            </a:pPr>
+            <a:r>
+              <a:rPr lang="en" sz="1200">
+                <a:solidFill>
+                  <a:schemeClr val="dk2"/>
+                </a:solidFill>
+              </a:rPr>
+              <a:t>10=UC Browser</a:t>
+            </a:r>
+            <a:endParaRPr sz="1200">
+              <a:solidFill>
+                <a:schemeClr val="dk2"/>
+              </a:solidFill>
+            </a:endParaRPr>
+          </a:p>
+          <a:p>
+            <a:pPr indent="0" lvl="0" marL="0" rtl="0" algn="l">
+              <a:spcBef>
+                <a:spcPts val="0"/>
+              </a:spcBef>
+              <a:spcAft>
+                <a:spcPts val="0"/>
+              </a:spcAft>
+              <a:buNone/>
+            </a:pPr>
+            <a:r>
+              <a:rPr lang="en" sz="1200">
+                <a:solidFill>
+                  <a:schemeClr val="dk2"/>
+                </a:solidFill>
+              </a:rPr>
+              <a:t>11=Samsung Internet</a:t>
+            </a:r>
+            <a:endParaRPr sz="1200">
+              <a:solidFill>
+                <a:schemeClr val="dk2"/>
+              </a:solidFill>
+            </a:endParaRPr>
+          </a:p>
+          <a:p>
+            <a:pPr indent="0" lvl="0" marL="0" rtl="0" algn="l">
+              <a:spcBef>
+                <a:spcPts val="0"/>
+              </a:spcBef>
+              <a:spcAft>
+                <a:spcPts val="0"/>
+              </a:spcAft>
+              <a:buNone/>
+            </a:pPr>
+            <a:r>
+              <a:rPr lang="en" sz="1200">
+                <a:solidFill>
+                  <a:schemeClr val="dk2"/>
+                </a:solidFill>
+              </a:rPr>
+              <a:t>12=Maxthon</a:t>
+            </a:r>
+            <a:endParaRPr sz="1200">
+              <a:solidFill>
+                <a:schemeClr val="dk2"/>
+              </a:solidFill>
+            </a:endParaRPr>
+          </a:p>
+          <a:p>
+            <a:pPr indent="0" lvl="0" marL="0" rtl="0" algn="l">
+              <a:spcBef>
+                <a:spcPts val="0"/>
+              </a:spcBef>
+              <a:spcAft>
+                <a:spcPts val="0"/>
+              </a:spcAft>
+              <a:buNone/>
+            </a:pPr>
+            <a:r>
+              <a:rPr lang="en" sz="1200">
+                <a:solidFill>
+                  <a:schemeClr val="dk2"/>
+                </a:solidFill>
+              </a:rPr>
+              <a:t>13=Yandex Browser</a:t>
+            </a:r>
+            <a:endParaRPr sz="1200">
+              <a:solidFill>
+                <a:schemeClr val="dk2"/>
+              </a:solidFill>
+            </a:endParaRPr>
+          </a:p>
+        </p:txBody>
+      </p:sp>
       <p:pic>
         <p:nvPicPr>
-          <p:cNvPr id="304" name="Google Shape;304;p65"/>
+          <p:cNvPr id="306" name="Google Shape;306;p65"/>
           <p:cNvPicPr preferRelativeResize="0"/>
           <p:nvPr/>
         </p:nvPicPr>
@@ -46244,8 +47263,8 @@
         </p:blipFill>
         <p:spPr>
           <a:xfrm>
-            <a:off x="4449850" y="1150769"/>
-            <a:ext cx="4179650" cy="3353749"/>
+            <a:off x="4321150" y="918461"/>
+            <a:ext cx="3902748" cy="4045465"/>
           </a:xfrm>
           <a:prstGeom prst="rect">
             <a:avLst/>
@@ -46269,7 +47288,7 @@
   <p:cSld>
     <p:spTree>
       <p:nvGrpSpPr>
-        <p:cNvPr id="308" name="Shape 308"/>
+        <p:cNvPr id="310" name="Shape 310"/>
         <p:cNvGrpSpPr/>
         <p:nvPr/>
       </p:nvGrpSpPr>
@@ -46281,121 +47300,6 @@
           <a:chExt cx="0" cy="0"/>
         </a:xfrm>
       </p:grpSpPr>
-      <p:sp>
-        <p:nvSpPr>
-          <p:cNvPr id="309" name="Google Shape;309;p66"/>
-          <p:cNvSpPr txBox="1"/>
-          <p:nvPr>
-            <p:ph idx="12" type="sldNum"/>
-          </p:nvPr>
-        </p:nvSpPr>
-        <p:spPr>
-          <a:xfrm>
-            <a:off x="8472458" y="4663217"/>
-            <a:ext cx="548700" cy="393600"/>
-          </a:xfrm>
-          <a:prstGeom prst="rect">
-            <a:avLst/>
-          </a:prstGeom>
-          <a:noFill/>
-          <a:ln>
-            <a:noFill/>
-          </a:ln>
-        </p:spPr>
-        <p:txBody>
-          <a:bodyPr anchorCtr="0" anchor="ctr" bIns="91425" lIns="91425" spcFirstLastPara="1" rIns="91425" wrap="square" tIns="91425">
-            <a:normAutofit/>
-          </a:bodyPr>
-          <a:lstStyle/>
-          <a:p>
-            <a:pPr indent="0" lvl="0" marL="0" rtl="0" algn="r">
-              <a:spcBef>
-                <a:spcPts val="0"/>
-              </a:spcBef>
-              <a:spcAft>
-                <a:spcPts val="0"/>
-              </a:spcAft>
-              <a:buClr>
-                <a:srgbClr val="000000"/>
-              </a:buClr>
-              <a:buSzPts val="1000"/>
-              <a:buFont typeface="Arial"/>
-              <a:buNone/>
-            </a:pPr>
-            <a:fld id="{00000000-1234-1234-1234-123412341234}" type="slidenum">
-              <a:rPr lang="en"/>
-              <a:t>‹#›</a:t>
-            </a:fld>
-            <a:endParaRPr/>
-          </a:p>
-        </p:txBody>
-      </p:sp>
-      <p:sp>
-        <p:nvSpPr>
-          <p:cNvPr id="310" name="Google Shape;310;p66"/>
-          <p:cNvSpPr txBox="1"/>
-          <p:nvPr/>
-        </p:nvSpPr>
-        <p:spPr>
-          <a:xfrm>
-            <a:off x="408128" y="283543"/>
-            <a:ext cx="4863600" cy="561000"/>
-          </a:xfrm>
-          <a:prstGeom prst="rect">
-            <a:avLst/>
-          </a:prstGeom>
-          <a:noFill/>
-          <a:ln>
-            <a:noFill/>
-          </a:ln>
-        </p:spPr>
-        <p:txBody>
-          <a:bodyPr anchorCtr="0" anchor="t" bIns="91425" lIns="91425" spcFirstLastPara="1" rIns="91425" wrap="square" tIns="91425">
-            <a:noAutofit/>
-          </a:bodyPr>
-          <a:lstStyle/>
-          <a:p>
-            <a:pPr indent="0" lvl="0" marL="0" marR="0" rtl="0" algn="l">
-              <a:lnSpc>
-                <a:spcPct val="90000"/>
-              </a:lnSpc>
-              <a:spcBef>
-                <a:spcPts val="0"/>
-              </a:spcBef>
-              <a:spcAft>
-                <a:spcPts val="0"/>
-              </a:spcAft>
-              <a:buClr>
-                <a:srgbClr val="000000"/>
-              </a:buClr>
-              <a:buSzPts val="3500"/>
-              <a:buFont typeface="Arial"/>
-              <a:buNone/>
-            </a:pPr>
-            <a:r>
-              <a:rPr b="1" i="0" lang="en" sz="3200" u="none" cap="none" strike="noStrike">
-                <a:solidFill>
-                  <a:srgbClr val="F06634"/>
-                </a:solidFill>
-                <a:latin typeface="Poppins SemiBold"/>
-                <a:ea typeface="Poppins SemiBold"/>
-                <a:cs typeface="Poppins SemiBold"/>
-                <a:sym typeface="Poppins SemiBold"/>
-              </a:rPr>
-              <a:t>Analysis Data</a:t>
-            </a:r>
-            <a:endParaRPr b="1" i="0" sz="3200" u="none" cap="none" strike="noStrike">
-              <a:solidFill>
-                <a:srgbClr val="F06634"/>
-              </a:solidFill>
-              <a:latin typeface="Poppins SemiBold"/>
-              <a:ea typeface="Poppins SemiBold"/>
-              <a:cs typeface="Poppins SemiBold"/>
-              <a:sym typeface="Poppins SemiBold"/>
-            </a:endParaRPr>
-          </a:p>
-        </p:txBody>
-      </p:sp>
       <p:sp>
         <p:nvSpPr>
           <p:cNvPr id="311" name="Google Shape;311;p66"/>
@@ -46461,8 +47365,8 @@
         </p:nvSpPr>
         <p:spPr>
           <a:xfrm>
-            <a:off x="918475" y="2255125"/>
-            <a:ext cx="7935900" cy="2086500"/>
+            <a:off x="1998567" y="205061"/>
+            <a:ext cx="4863600" cy="561000"/>
           </a:xfrm>
           <a:prstGeom prst="rect">
             <a:avLst/>
@@ -46473,337 +47377,102 @@
           </a:ln>
         </p:spPr>
         <p:txBody>
-          <a:bodyPr anchorCtr="0" anchor="t" bIns="45700" lIns="91425" spcFirstLastPara="1" rIns="91425" wrap="square" tIns="45700">
-            <a:spAutoFit/>
+          <a:bodyPr anchorCtr="0" anchor="t" bIns="91425" lIns="91425" spcFirstLastPara="1" rIns="91425" wrap="square" tIns="91425">
+            <a:noAutofit/>
           </a:bodyPr>
           <a:lstStyle/>
           <a:p>
-            <a:pPr indent="0" lvl="0" marL="0" rtl="0" algn="l">
-              <a:lnSpc>
-                <a:spcPct val="115000"/>
-              </a:lnSpc>
-              <a:spcBef>
-                <a:spcPts val="1200"/>
-              </a:spcBef>
-              <a:spcAft>
-                <a:spcPts val="0"/>
-              </a:spcAft>
+            <a:pPr indent="0" lvl="0" marL="0" marR="0" rtl="0" algn="ctr">
+              <a:lnSpc>
+                <a:spcPct val="90000"/>
+              </a:lnSpc>
+              <a:spcBef>
+                <a:spcPts val="0"/>
+              </a:spcBef>
+              <a:spcAft>
+                <a:spcPts val="0"/>
+              </a:spcAft>
+              <a:buClr>
+                <a:srgbClr val="000000"/>
+              </a:buClr>
+              <a:buSzPts val="3500"/>
+              <a:buFont typeface="Arial"/>
               <a:buNone/>
             </a:pPr>
             <a:r>
-              <a:rPr lang="en" sz="1100">
-                <a:solidFill>
-                  <a:schemeClr val="dk1"/>
-                </a:solidFill>
-                <a:latin typeface="Times New Roman"/>
-                <a:ea typeface="Times New Roman"/>
-                <a:cs typeface="Times New Roman"/>
-                <a:sym typeface="Times New Roman"/>
+              <a:rPr b="1" lang="en" sz="3200">
+                <a:solidFill>
+                  <a:srgbClr val="F06634"/>
+                </a:solidFill>
+                <a:latin typeface="Poppins SemiBold"/>
+                <a:ea typeface="Poppins SemiBold"/>
+                <a:cs typeface="Poppins SemiBold"/>
+                <a:sym typeface="Poppins SemiBold"/>
               </a:rPr>
-              <a:t>Insight:</a:t>
+              <a:t>About Dataset</a:t>
             </a:r>
-            <a:endParaRPr sz="1100">
+            <a:endParaRPr b="1" i="0" sz="3200" u="none" cap="none" strike="noStrike">
               <a:solidFill>
-                <a:schemeClr val="dk1"/>
+                <a:srgbClr val="F06634"/>
               </a:solidFill>
-              <a:latin typeface="Times New Roman"/>
-              <a:ea typeface="Times New Roman"/>
-              <a:cs typeface="Times New Roman"/>
-              <a:sym typeface="Times New Roman"/>
-            </a:endParaRPr>
-          </a:p>
-          <a:p>
-            <a:pPr indent="-298449" lvl="0" marL="89999" rtl="0" algn="l">
-              <a:lnSpc>
-                <a:spcPct val="115000"/>
-              </a:lnSpc>
-              <a:spcBef>
-                <a:spcPts val="1200"/>
-              </a:spcBef>
-              <a:spcAft>
-                <a:spcPts val="0"/>
-              </a:spcAft>
-              <a:buClr>
-                <a:schemeClr val="dk1"/>
-              </a:buClr>
-              <a:buSzPts val="1100"/>
-              <a:buFont typeface="Times New Roman"/>
-              <a:buChar char="●"/>
-            </a:pPr>
-            <a:r>
-              <a:rPr lang="en" sz="1100">
-                <a:solidFill>
-                  <a:schemeClr val="dk1"/>
-                </a:solidFill>
-                <a:latin typeface="Times New Roman"/>
-                <a:ea typeface="Times New Roman"/>
-                <a:cs typeface="Times New Roman"/>
-                <a:sym typeface="Times New Roman"/>
-              </a:rPr>
-              <a:t>New Visitor is spread less across different regions compared to Returning Visitor and Other.</a:t>
-            </a:r>
-            <a:endParaRPr sz="1100">
-              <a:solidFill>
-                <a:schemeClr val="dk1"/>
-              </a:solidFill>
-              <a:latin typeface="Times New Roman"/>
-              <a:ea typeface="Times New Roman"/>
-              <a:cs typeface="Times New Roman"/>
-              <a:sym typeface="Times New Roman"/>
-            </a:endParaRPr>
-          </a:p>
-          <a:p>
-            <a:pPr indent="-298449" lvl="0" marL="89999" rtl="0" algn="l">
-              <a:lnSpc>
-                <a:spcPct val="115000"/>
-              </a:lnSpc>
-              <a:spcBef>
-                <a:spcPts val="0"/>
-              </a:spcBef>
-              <a:spcAft>
-                <a:spcPts val="0"/>
-              </a:spcAft>
-              <a:buClr>
-                <a:schemeClr val="dk1"/>
-              </a:buClr>
-              <a:buSzPts val="1100"/>
-              <a:buFont typeface="Times New Roman"/>
-              <a:buChar char="●"/>
-            </a:pPr>
-            <a:r>
-              <a:rPr lang="en" sz="1100">
-                <a:solidFill>
-                  <a:schemeClr val="dk1"/>
-                </a:solidFill>
-                <a:latin typeface="Times New Roman"/>
-                <a:ea typeface="Times New Roman"/>
-                <a:cs typeface="Times New Roman"/>
-                <a:sym typeface="Times New Roman"/>
-              </a:rPr>
-              <a:t>Other has the highest region spread.</a:t>
-            </a:r>
-            <a:endParaRPr sz="1100">
-              <a:solidFill>
-                <a:schemeClr val="dk1"/>
-              </a:solidFill>
-              <a:latin typeface="Times New Roman"/>
-              <a:ea typeface="Times New Roman"/>
-              <a:cs typeface="Times New Roman"/>
-              <a:sym typeface="Times New Roman"/>
-            </a:endParaRPr>
-          </a:p>
-          <a:p>
-            <a:pPr indent="-298449" lvl="0" marL="89999" rtl="0" algn="l">
-              <a:lnSpc>
-                <a:spcPct val="115000"/>
-              </a:lnSpc>
-              <a:spcBef>
-                <a:spcPts val="0"/>
-              </a:spcBef>
-              <a:spcAft>
-                <a:spcPts val="0"/>
-              </a:spcAft>
-              <a:buClr>
-                <a:schemeClr val="dk1"/>
-              </a:buClr>
-              <a:buSzPts val="1100"/>
-              <a:buFont typeface="Times New Roman"/>
-              <a:buChar char="●"/>
-            </a:pPr>
-            <a:r>
-              <a:rPr lang="en" sz="1100">
-                <a:solidFill>
-                  <a:schemeClr val="dk1"/>
-                </a:solidFill>
-                <a:latin typeface="Times New Roman"/>
-                <a:ea typeface="Times New Roman"/>
-                <a:cs typeface="Times New Roman"/>
-                <a:sym typeface="Times New Roman"/>
-              </a:rPr>
-              <a:t>Returning Visitor is in the middle between new visitors and other categories.</a:t>
-            </a:r>
-            <a:endParaRPr sz="1100">
-              <a:solidFill>
-                <a:schemeClr val="dk1"/>
-              </a:solidFill>
-              <a:latin typeface="Times New Roman"/>
-              <a:ea typeface="Times New Roman"/>
-              <a:cs typeface="Times New Roman"/>
-              <a:sym typeface="Times New Roman"/>
-            </a:endParaRPr>
-          </a:p>
-          <a:p>
-            <a:pPr indent="0" lvl="0" marL="0" rtl="0" algn="l">
-              <a:lnSpc>
-                <a:spcPct val="115000"/>
-              </a:lnSpc>
-              <a:spcBef>
-                <a:spcPts val="1200"/>
-              </a:spcBef>
-              <a:spcAft>
-                <a:spcPts val="0"/>
-              </a:spcAft>
-              <a:buNone/>
-            </a:pPr>
-            <a:r>
-              <a:rPr lang="en" sz="1100">
-                <a:solidFill>
-                  <a:schemeClr val="dk1"/>
-                </a:solidFill>
-                <a:latin typeface="Times New Roman"/>
-                <a:ea typeface="Times New Roman"/>
-                <a:cs typeface="Times New Roman"/>
-                <a:sym typeface="Times New Roman"/>
-              </a:rPr>
-              <a:t>Business Recommendations:</a:t>
-            </a:r>
-            <a:endParaRPr sz="1100">
-              <a:solidFill>
-                <a:schemeClr val="dk1"/>
-              </a:solidFill>
-              <a:latin typeface="Times New Roman"/>
-              <a:ea typeface="Times New Roman"/>
-              <a:cs typeface="Times New Roman"/>
-              <a:sym typeface="Times New Roman"/>
-            </a:endParaRPr>
-          </a:p>
-          <a:p>
-            <a:pPr indent="-298449" lvl="0" marL="89999" rtl="0" algn="l">
-              <a:lnSpc>
-                <a:spcPct val="115000"/>
-              </a:lnSpc>
-              <a:spcBef>
-                <a:spcPts val="1200"/>
-              </a:spcBef>
-              <a:spcAft>
-                <a:spcPts val="0"/>
-              </a:spcAft>
-              <a:buClr>
-                <a:schemeClr val="dk1"/>
-              </a:buClr>
-              <a:buSzPts val="1100"/>
-              <a:buFont typeface="Times New Roman"/>
-              <a:buChar char="●"/>
-            </a:pPr>
-            <a:r>
-              <a:rPr lang="en" sz="1100">
-                <a:solidFill>
-                  <a:schemeClr val="dk1"/>
-                </a:solidFill>
-                <a:latin typeface="Times New Roman"/>
-                <a:ea typeface="Times New Roman"/>
-                <a:cs typeface="Times New Roman"/>
-                <a:sym typeface="Times New Roman"/>
-              </a:rPr>
-              <a:t>Target New Visitors: Enhance marketing in regions with higher potential for new visitors to attract more new visitors.</a:t>
-            </a:r>
-            <a:endParaRPr sz="1100">
-              <a:solidFill>
-                <a:schemeClr val="dk1"/>
-              </a:solidFill>
-              <a:latin typeface="Times New Roman"/>
-              <a:ea typeface="Times New Roman"/>
-              <a:cs typeface="Times New Roman"/>
-              <a:sym typeface="Times New Roman"/>
-            </a:endParaRPr>
-          </a:p>
-          <a:p>
-            <a:pPr indent="-298449" lvl="0" marL="89999" rtl="0" algn="l">
-              <a:lnSpc>
-                <a:spcPct val="115000"/>
-              </a:lnSpc>
-              <a:spcBef>
-                <a:spcPts val="0"/>
-              </a:spcBef>
-              <a:spcAft>
-                <a:spcPts val="0"/>
-              </a:spcAft>
-              <a:buClr>
-                <a:schemeClr val="dk1"/>
-              </a:buClr>
-              <a:buSzPts val="1100"/>
-              <a:buFont typeface="Times New Roman"/>
-              <a:buChar char="●"/>
-            </a:pPr>
-            <a:r>
-              <a:rPr lang="en" sz="1100">
-                <a:solidFill>
-                  <a:schemeClr val="dk1"/>
-                </a:solidFill>
-                <a:latin typeface="Times New Roman"/>
-                <a:ea typeface="Times New Roman"/>
-                <a:cs typeface="Times New Roman"/>
-                <a:sym typeface="Times New Roman"/>
-              </a:rPr>
-              <a:t>Optimize for Other Visitor Categories: Identify what attracts the "Other" visitor category and apply those strategies in other regions.</a:t>
-            </a:r>
-            <a:endParaRPr sz="1100">
-              <a:solidFill>
-                <a:schemeClr val="dk1"/>
-              </a:solidFill>
-              <a:latin typeface="Times New Roman"/>
-              <a:ea typeface="Times New Roman"/>
-              <a:cs typeface="Times New Roman"/>
-              <a:sym typeface="Times New Roman"/>
-            </a:endParaRPr>
-          </a:p>
-          <a:p>
-            <a:pPr indent="-298449" lvl="0" marL="89999" rtl="0" algn="l">
-              <a:lnSpc>
-                <a:spcPct val="115000"/>
-              </a:lnSpc>
-              <a:spcBef>
-                <a:spcPts val="0"/>
-              </a:spcBef>
-              <a:spcAft>
-                <a:spcPts val="0"/>
-              </a:spcAft>
-              <a:buClr>
-                <a:schemeClr val="dk1"/>
-              </a:buClr>
-              <a:buSzPts val="1100"/>
-              <a:buFont typeface="Times New Roman"/>
-              <a:buChar char="●"/>
-            </a:pPr>
-            <a:r>
-              <a:rPr lang="en" sz="1100">
-                <a:solidFill>
-                  <a:schemeClr val="dk1"/>
-                </a:solidFill>
-                <a:latin typeface="Times New Roman"/>
-                <a:ea typeface="Times New Roman"/>
-                <a:cs typeface="Times New Roman"/>
-                <a:sym typeface="Times New Roman"/>
-              </a:rPr>
-              <a:t>Increase Returning Visitor Loyalty: Create loyalty programs or special offers to retain and increase engagement of returning visitors.</a:t>
-            </a:r>
-            <a:endParaRPr sz="1200">
-              <a:latin typeface="Times New Roman"/>
-              <a:ea typeface="Times New Roman"/>
-              <a:cs typeface="Times New Roman"/>
-              <a:sym typeface="Times New Roman"/>
+              <a:latin typeface="Poppins SemiBold"/>
+              <a:ea typeface="Poppins SemiBold"/>
+              <a:cs typeface="Poppins SemiBold"/>
+              <a:sym typeface="Poppins SemiBold"/>
             </a:endParaRPr>
           </a:p>
         </p:txBody>
       </p:sp>
-      <p:pic>
-        <p:nvPicPr>
+      <p:sp>
+        <p:nvSpPr>
           <p:cNvPr id="313" name="Google Shape;313;p66"/>
-          <p:cNvPicPr preferRelativeResize="0"/>
-          <p:nvPr/>
-        </p:nvPicPr>
-        <p:blipFill>
-          <a:blip r:embed="rId3">
-            <a:alphaModFix/>
-          </a:blip>
-          <a:stretch>
-            <a:fillRect/>
-          </a:stretch>
-        </p:blipFill>
+          <p:cNvSpPr txBox="1"/>
+          <p:nvPr>
+            <p:ph idx="12" type="sldNum"/>
+          </p:nvPr>
+        </p:nvSpPr>
         <p:spPr>
           <a:xfrm>
-            <a:off x="245325" y="881725"/>
-            <a:ext cx="7151496" cy="1443625"/>
+            <a:off x="8472458" y="4663217"/>
+            <a:ext cx="548700" cy="393600"/>
+          </a:xfrm>
+          <a:prstGeom prst="rect">
+            <a:avLst/>
+          </a:prstGeom>
+        </p:spPr>
+        <p:txBody>
+          <a:bodyPr anchorCtr="0" anchor="ctr" bIns="91425" lIns="91425" spcFirstLastPara="1" rIns="91425" wrap="square" tIns="91425">
+            <a:normAutofit/>
+          </a:bodyPr>
+          <a:lstStyle/>
+          <a:p>
+            <a:pPr indent="0" lvl="0" marL="0" rtl="0" algn="r">
+              <a:spcBef>
+                <a:spcPts val="0"/>
+              </a:spcBef>
+              <a:spcAft>
+                <a:spcPts val="0"/>
+              </a:spcAft>
+              <a:buNone/>
+            </a:pPr>
+            <a:fld id="{00000000-1234-1234-1234-123412341234}" type="slidenum">
+              <a:rPr lang="en"/>
+              <a:t>‹#›</a:t>
+            </a:fld>
+            <a:endParaRPr/>
+          </a:p>
+        </p:txBody>
+      </p:sp>
+      <p:sp>
+        <p:nvSpPr>
+          <p:cNvPr id="314" name="Google Shape;314;p66"/>
+          <p:cNvSpPr txBox="1"/>
+          <p:nvPr/>
+        </p:nvSpPr>
+        <p:spPr>
+          <a:xfrm>
+            <a:off x="252825" y="918450"/>
+            <a:ext cx="2063700" cy="2998500"/>
           </a:xfrm>
           <a:prstGeom prst="rect">
             <a:avLst/>
@@ -46813,7 +47482,813 @@
             <a:noFill/>
           </a:ln>
         </p:spPr>
-      </p:pic>
+        <p:txBody>
+          <a:bodyPr anchorCtr="0" anchor="t" bIns="91425" lIns="91425" spcFirstLastPara="1" rIns="91425" wrap="square" tIns="91425">
+            <a:noAutofit/>
+          </a:bodyPr>
+          <a:lstStyle/>
+          <a:p>
+            <a:pPr indent="0" lvl="0" marL="0" rtl="0" algn="l">
+              <a:spcBef>
+                <a:spcPts val="0"/>
+              </a:spcBef>
+              <a:spcAft>
+                <a:spcPts val="0"/>
+              </a:spcAft>
+              <a:buNone/>
+            </a:pPr>
+            <a:r>
+              <a:rPr lang="en" sz="1200">
+                <a:solidFill>
+                  <a:schemeClr val="dk2"/>
+                </a:solidFill>
+              </a:rPr>
+              <a:t>o</a:t>
+            </a:r>
+            <a:r>
+              <a:rPr lang="en" sz="1200">
+                <a:solidFill>
+                  <a:schemeClr val="dk2"/>
+                </a:solidFill>
+              </a:rPr>
+              <a:t>perating_system attribute:</a:t>
+            </a:r>
+            <a:endParaRPr sz="1200">
+              <a:solidFill>
+                <a:schemeClr val="dk2"/>
+              </a:solidFill>
+            </a:endParaRPr>
+          </a:p>
+          <a:p>
+            <a:pPr indent="0" lvl="0" marL="0" rtl="0" algn="l">
+              <a:spcBef>
+                <a:spcPts val="0"/>
+              </a:spcBef>
+              <a:spcAft>
+                <a:spcPts val="0"/>
+              </a:spcAft>
+              <a:buNone/>
+            </a:pPr>
+            <a:r>
+              <a:rPr lang="en" sz="1200">
+                <a:solidFill>
+                  <a:schemeClr val="dk2"/>
+                </a:solidFill>
+              </a:rPr>
+              <a:t>1=Windows</a:t>
+            </a:r>
+            <a:endParaRPr sz="1200">
+              <a:solidFill>
+                <a:schemeClr val="dk2"/>
+              </a:solidFill>
+            </a:endParaRPr>
+          </a:p>
+          <a:p>
+            <a:pPr indent="0" lvl="0" marL="0" rtl="0" algn="l">
+              <a:spcBef>
+                <a:spcPts val="0"/>
+              </a:spcBef>
+              <a:spcAft>
+                <a:spcPts val="0"/>
+              </a:spcAft>
+              <a:buNone/>
+            </a:pPr>
+            <a:r>
+              <a:rPr lang="en" sz="1200">
+                <a:solidFill>
+                  <a:schemeClr val="dk2"/>
+                </a:solidFill>
+              </a:rPr>
+              <a:t>2=macOS</a:t>
+            </a:r>
+            <a:endParaRPr sz="1200">
+              <a:solidFill>
+                <a:schemeClr val="dk2"/>
+              </a:solidFill>
+            </a:endParaRPr>
+          </a:p>
+          <a:p>
+            <a:pPr indent="0" lvl="0" marL="0" rtl="0" algn="l">
+              <a:spcBef>
+                <a:spcPts val="0"/>
+              </a:spcBef>
+              <a:spcAft>
+                <a:spcPts val="0"/>
+              </a:spcAft>
+              <a:buNone/>
+            </a:pPr>
+            <a:r>
+              <a:rPr lang="en" sz="1200">
+                <a:solidFill>
+                  <a:schemeClr val="dk2"/>
+                </a:solidFill>
+              </a:rPr>
+              <a:t>3=Linux</a:t>
+            </a:r>
+            <a:endParaRPr sz="1200">
+              <a:solidFill>
+                <a:schemeClr val="dk2"/>
+              </a:solidFill>
+            </a:endParaRPr>
+          </a:p>
+          <a:p>
+            <a:pPr indent="0" lvl="0" marL="0" rtl="0" algn="l">
+              <a:spcBef>
+                <a:spcPts val="0"/>
+              </a:spcBef>
+              <a:spcAft>
+                <a:spcPts val="0"/>
+              </a:spcAft>
+              <a:buNone/>
+            </a:pPr>
+            <a:r>
+              <a:rPr lang="en" sz="1200">
+                <a:solidFill>
+                  <a:schemeClr val="dk2"/>
+                </a:solidFill>
+              </a:rPr>
+              <a:t>4=Android</a:t>
+            </a:r>
+            <a:endParaRPr sz="1200">
+              <a:solidFill>
+                <a:schemeClr val="dk2"/>
+              </a:solidFill>
+            </a:endParaRPr>
+          </a:p>
+          <a:p>
+            <a:pPr indent="0" lvl="0" marL="0" rtl="0" algn="l">
+              <a:spcBef>
+                <a:spcPts val="0"/>
+              </a:spcBef>
+              <a:spcAft>
+                <a:spcPts val="0"/>
+              </a:spcAft>
+              <a:buNone/>
+            </a:pPr>
+            <a:r>
+              <a:rPr lang="en" sz="1200">
+                <a:solidFill>
+                  <a:schemeClr val="dk2"/>
+                </a:solidFill>
+              </a:rPr>
+              <a:t>5=iOS</a:t>
+            </a:r>
+            <a:endParaRPr sz="1200">
+              <a:solidFill>
+                <a:schemeClr val="dk2"/>
+              </a:solidFill>
+            </a:endParaRPr>
+          </a:p>
+          <a:p>
+            <a:pPr indent="0" lvl="0" marL="0" rtl="0" algn="l">
+              <a:spcBef>
+                <a:spcPts val="0"/>
+              </a:spcBef>
+              <a:spcAft>
+                <a:spcPts val="0"/>
+              </a:spcAft>
+              <a:buNone/>
+            </a:pPr>
+            <a:r>
+              <a:rPr lang="en" sz="1200">
+                <a:solidFill>
+                  <a:schemeClr val="dk2"/>
+                </a:solidFill>
+              </a:rPr>
+              <a:t>6=Chrome OS</a:t>
+            </a:r>
+            <a:endParaRPr sz="1200">
+              <a:solidFill>
+                <a:schemeClr val="dk2"/>
+              </a:solidFill>
+            </a:endParaRPr>
+          </a:p>
+          <a:p>
+            <a:pPr indent="0" lvl="0" marL="0" rtl="0" algn="l">
+              <a:spcBef>
+                <a:spcPts val="0"/>
+              </a:spcBef>
+              <a:spcAft>
+                <a:spcPts val="0"/>
+              </a:spcAft>
+              <a:buNone/>
+            </a:pPr>
+            <a:r>
+              <a:rPr lang="en" sz="1200">
+                <a:solidFill>
+                  <a:schemeClr val="dk2"/>
+                </a:solidFill>
+              </a:rPr>
+              <a:t>7=Free BSD</a:t>
+            </a:r>
+            <a:endParaRPr sz="1200">
+              <a:solidFill>
+                <a:schemeClr val="dk2"/>
+              </a:solidFill>
+            </a:endParaRPr>
+          </a:p>
+          <a:p>
+            <a:pPr indent="0" lvl="0" marL="0" rtl="0" algn="l">
+              <a:spcBef>
+                <a:spcPts val="0"/>
+              </a:spcBef>
+              <a:spcAft>
+                <a:spcPts val="0"/>
+              </a:spcAft>
+              <a:buNone/>
+            </a:pPr>
+            <a:r>
+              <a:rPr lang="en" sz="1200">
+                <a:solidFill>
+                  <a:schemeClr val="dk2"/>
+                </a:solidFill>
+              </a:rPr>
+              <a:t>8=Solaris</a:t>
+            </a:r>
+            <a:endParaRPr sz="1200">
+              <a:solidFill>
+                <a:schemeClr val="dk2"/>
+              </a:solidFill>
+            </a:endParaRPr>
+          </a:p>
+          <a:p>
+            <a:pPr indent="0" lvl="0" marL="0" rtl="0" algn="l">
+              <a:spcBef>
+                <a:spcPts val="0"/>
+              </a:spcBef>
+              <a:spcAft>
+                <a:spcPts val="0"/>
+              </a:spcAft>
+              <a:buNone/>
+            </a:pPr>
+            <a:r>
+              <a:t/>
+            </a:r>
+            <a:endParaRPr sz="1200">
+              <a:solidFill>
+                <a:schemeClr val="dk2"/>
+              </a:solidFill>
+            </a:endParaRPr>
+          </a:p>
+        </p:txBody>
+      </p:sp>
+      <p:sp>
+        <p:nvSpPr>
+          <p:cNvPr id="315" name="Google Shape;315;p66"/>
+          <p:cNvSpPr txBox="1"/>
+          <p:nvPr/>
+        </p:nvSpPr>
+        <p:spPr>
+          <a:xfrm>
+            <a:off x="4697825" y="918450"/>
+            <a:ext cx="2063700" cy="3996900"/>
+          </a:xfrm>
+          <a:prstGeom prst="rect">
+            <a:avLst/>
+          </a:prstGeom>
+          <a:noFill/>
+          <a:ln>
+            <a:noFill/>
+          </a:ln>
+        </p:spPr>
+        <p:txBody>
+          <a:bodyPr anchorCtr="0" anchor="t" bIns="91425" lIns="91425" spcFirstLastPara="1" rIns="91425" wrap="square" tIns="91425">
+            <a:noAutofit/>
+          </a:bodyPr>
+          <a:lstStyle/>
+          <a:p>
+            <a:pPr indent="0" lvl="0" marL="0" rtl="0" algn="l">
+              <a:spcBef>
+                <a:spcPts val="0"/>
+              </a:spcBef>
+              <a:spcAft>
+                <a:spcPts val="0"/>
+              </a:spcAft>
+              <a:buNone/>
+            </a:pPr>
+            <a:r>
+              <a:rPr lang="en" sz="1200">
+                <a:solidFill>
+                  <a:schemeClr val="dk2"/>
+                </a:solidFill>
+              </a:rPr>
+              <a:t>traffic_type</a:t>
+            </a:r>
+            <a:r>
+              <a:rPr lang="en" sz="1200">
+                <a:solidFill>
+                  <a:schemeClr val="dk2"/>
+                </a:solidFill>
+              </a:rPr>
+              <a:t>attribute:</a:t>
+            </a:r>
+            <a:endParaRPr sz="1200">
+              <a:solidFill>
+                <a:schemeClr val="dk2"/>
+              </a:solidFill>
+            </a:endParaRPr>
+          </a:p>
+          <a:p>
+            <a:pPr indent="0" lvl="0" marL="0" rtl="0" algn="l">
+              <a:spcBef>
+                <a:spcPts val="0"/>
+              </a:spcBef>
+              <a:spcAft>
+                <a:spcPts val="0"/>
+              </a:spcAft>
+              <a:buNone/>
+            </a:pPr>
+            <a:r>
+              <a:rPr lang="en" sz="1200">
+                <a:solidFill>
+                  <a:schemeClr val="dk2"/>
+                </a:solidFill>
+              </a:rPr>
+              <a:t>1=Direct</a:t>
+            </a:r>
+            <a:endParaRPr sz="1200">
+              <a:solidFill>
+                <a:schemeClr val="dk2"/>
+              </a:solidFill>
+            </a:endParaRPr>
+          </a:p>
+          <a:p>
+            <a:pPr indent="0" lvl="0" marL="0" rtl="0" algn="l">
+              <a:spcBef>
+                <a:spcPts val="0"/>
+              </a:spcBef>
+              <a:spcAft>
+                <a:spcPts val="0"/>
+              </a:spcAft>
+              <a:buNone/>
+            </a:pPr>
+            <a:r>
+              <a:rPr lang="en" sz="1200">
+                <a:solidFill>
+                  <a:schemeClr val="dk2"/>
+                </a:solidFill>
+              </a:rPr>
+              <a:t>2=Organic Search</a:t>
+            </a:r>
+            <a:endParaRPr sz="1200">
+              <a:solidFill>
+                <a:schemeClr val="dk2"/>
+              </a:solidFill>
+            </a:endParaRPr>
+          </a:p>
+          <a:p>
+            <a:pPr indent="0" lvl="0" marL="0" rtl="0" algn="l">
+              <a:spcBef>
+                <a:spcPts val="0"/>
+              </a:spcBef>
+              <a:spcAft>
+                <a:spcPts val="0"/>
+              </a:spcAft>
+              <a:buNone/>
+            </a:pPr>
+            <a:r>
+              <a:rPr lang="en" sz="1200">
+                <a:solidFill>
+                  <a:schemeClr val="dk2"/>
+                </a:solidFill>
+              </a:rPr>
+              <a:t>3=Paid Search</a:t>
+            </a:r>
+            <a:endParaRPr sz="1200">
+              <a:solidFill>
+                <a:schemeClr val="dk2"/>
+              </a:solidFill>
+            </a:endParaRPr>
+          </a:p>
+          <a:p>
+            <a:pPr indent="0" lvl="0" marL="0" rtl="0" algn="l">
+              <a:spcBef>
+                <a:spcPts val="0"/>
+              </a:spcBef>
+              <a:spcAft>
+                <a:spcPts val="0"/>
+              </a:spcAft>
+              <a:buNone/>
+            </a:pPr>
+            <a:r>
+              <a:rPr lang="en" sz="1200">
+                <a:solidFill>
+                  <a:schemeClr val="dk2"/>
+                </a:solidFill>
+              </a:rPr>
+              <a:t>4=Social</a:t>
+            </a:r>
+            <a:endParaRPr sz="1200">
+              <a:solidFill>
+                <a:schemeClr val="dk2"/>
+              </a:solidFill>
+            </a:endParaRPr>
+          </a:p>
+          <a:p>
+            <a:pPr indent="0" lvl="0" marL="0" rtl="0" algn="l">
+              <a:spcBef>
+                <a:spcPts val="0"/>
+              </a:spcBef>
+              <a:spcAft>
+                <a:spcPts val="0"/>
+              </a:spcAft>
+              <a:buNone/>
+            </a:pPr>
+            <a:r>
+              <a:rPr lang="en" sz="1200">
+                <a:solidFill>
+                  <a:schemeClr val="dk2"/>
+                </a:solidFill>
+              </a:rPr>
+              <a:t>5=Email</a:t>
+            </a:r>
+            <a:endParaRPr sz="1200">
+              <a:solidFill>
+                <a:schemeClr val="dk2"/>
+              </a:solidFill>
+            </a:endParaRPr>
+          </a:p>
+          <a:p>
+            <a:pPr indent="0" lvl="0" marL="0" rtl="0" algn="l">
+              <a:spcBef>
+                <a:spcPts val="0"/>
+              </a:spcBef>
+              <a:spcAft>
+                <a:spcPts val="0"/>
+              </a:spcAft>
+              <a:buNone/>
+            </a:pPr>
+            <a:r>
+              <a:rPr lang="en" sz="1200">
+                <a:solidFill>
+                  <a:schemeClr val="dk2"/>
+                </a:solidFill>
+              </a:rPr>
+              <a:t>6=Referral</a:t>
+            </a:r>
+            <a:endParaRPr sz="1200">
+              <a:solidFill>
+                <a:schemeClr val="dk2"/>
+              </a:solidFill>
+            </a:endParaRPr>
+          </a:p>
+          <a:p>
+            <a:pPr indent="0" lvl="0" marL="0" rtl="0" algn="l">
+              <a:spcBef>
+                <a:spcPts val="0"/>
+              </a:spcBef>
+              <a:spcAft>
+                <a:spcPts val="0"/>
+              </a:spcAft>
+              <a:buNone/>
+            </a:pPr>
+            <a:r>
+              <a:rPr lang="en" sz="1200">
+                <a:solidFill>
+                  <a:schemeClr val="dk2"/>
+                </a:solidFill>
+              </a:rPr>
+              <a:t>7=Display</a:t>
+            </a:r>
+            <a:endParaRPr sz="1200">
+              <a:solidFill>
+                <a:schemeClr val="dk2"/>
+              </a:solidFill>
+            </a:endParaRPr>
+          </a:p>
+          <a:p>
+            <a:pPr indent="0" lvl="0" marL="0" rtl="0" algn="l">
+              <a:spcBef>
+                <a:spcPts val="0"/>
+              </a:spcBef>
+              <a:spcAft>
+                <a:spcPts val="0"/>
+              </a:spcAft>
+              <a:buNone/>
+            </a:pPr>
+            <a:r>
+              <a:rPr lang="en" sz="1200">
+                <a:solidFill>
+                  <a:schemeClr val="dk2"/>
+                </a:solidFill>
+              </a:rPr>
+              <a:t>8=Affiliate</a:t>
+            </a:r>
+            <a:endParaRPr sz="1200">
+              <a:solidFill>
+                <a:schemeClr val="dk2"/>
+              </a:solidFill>
+            </a:endParaRPr>
+          </a:p>
+          <a:p>
+            <a:pPr indent="0" lvl="0" marL="0" rtl="0" algn="l">
+              <a:spcBef>
+                <a:spcPts val="0"/>
+              </a:spcBef>
+              <a:spcAft>
+                <a:spcPts val="0"/>
+              </a:spcAft>
+              <a:buNone/>
+            </a:pPr>
+            <a:r>
+              <a:rPr lang="en" sz="1200">
+                <a:solidFill>
+                  <a:schemeClr val="dk2"/>
+                </a:solidFill>
+              </a:rPr>
+              <a:t>9=Video</a:t>
+            </a:r>
+            <a:endParaRPr sz="1200">
+              <a:solidFill>
+                <a:schemeClr val="dk2"/>
+              </a:solidFill>
+            </a:endParaRPr>
+          </a:p>
+          <a:p>
+            <a:pPr indent="0" lvl="0" marL="0" rtl="0" algn="l">
+              <a:spcBef>
+                <a:spcPts val="0"/>
+              </a:spcBef>
+              <a:spcAft>
+                <a:spcPts val="0"/>
+              </a:spcAft>
+              <a:buNone/>
+            </a:pPr>
+            <a:r>
+              <a:rPr lang="en" sz="1200">
+                <a:solidFill>
+                  <a:schemeClr val="dk2"/>
+                </a:solidFill>
+              </a:rPr>
+              <a:t>10=Audio</a:t>
+            </a:r>
+            <a:endParaRPr sz="1200">
+              <a:solidFill>
+                <a:schemeClr val="dk2"/>
+              </a:solidFill>
+            </a:endParaRPr>
+          </a:p>
+          <a:p>
+            <a:pPr indent="0" lvl="0" marL="0" rtl="0" algn="l">
+              <a:spcBef>
+                <a:spcPts val="0"/>
+              </a:spcBef>
+              <a:spcAft>
+                <a:spcPts val="0"/>
+              </a:spcAft>
+              <a:buNone/>
+            </a:pPr>
+            <a:r>
+              <a:rPr lang="en" sz="1200">
+                <a:solidFill>
+                  <a:schemeClr val="dk2"/>
+                </a:solidFill>
+              </a:rPr>
+              <a:t>11=Mobile</a:t>
+            </a:r>
+            <a:endParaRPr sz="1200">
+              <a:solidFill>
+                <a:schemeClr val="dk2"/>
+              </a:solidFill>
+            </a:endParaRPr>
+          </a:p>
+          <a:p>
+            <a:pPr indent="0" lvl="0" marL="0" rtl="0" algn="l">
+              <a:spcBef>
+                <a:spcPts val="0"/>
+              </a:spcBef>
+              <a:spcAft>
+                <a:spcPts val="0"/>
+              </a:spcAft>
+              <a:buNone/>
+            </a:pPr>
+            <a:r>
+              <a:rPr lang="en" sz="1200">
+                <a:solidFill>
+                  <a:schemeClr val="dk2"/>
+                </a:solidFill>
+              </a:rPr>
+              <a:t>12=Dekstop</a:t>
+            </a:r>
+            <a:endParaRPr sz="1200">
+              <a:solidFill>
+                <a:schemeClr val="dk2"/>
+              </a:solidFill>
+            </a:endParaRPr>
+          </a:p>
+          <a:p>
+            <a:pPr indent="0" lvl="0" marL="0" rtl="0" algn="l">
+              <a:spcBef>
+                <a:spcPts val="0"/>
+              </a:spcBef>
+              <a:spcAft>
+                <a:spcPts val="0"/>
+              </a:spcAft>
+              <a:buNone/>
+            </a:pPr>
+            <a:r>
+              <a:rPr lang="en" sz="1200">
+                <a:solidFill>
+                  <a:schemeClr val="dk2"/>
+                </a:solidFill>
+              </a:rPr>
+              <a:t>13=Tablet</a:t>
+            </a:r>
+            <a:endParaRPr sz="1200">
+              <a:solidFill>
+                <a:schemeClr val="dk2"/>
+              </a:solidFill>
+            </a:endParaRPr>
+          </a:p>
+          <a:p>
+            <a:pPr indent="0" lvl="0" marL="0" rtl="0" algn="l">
+              <a:spcBef>
+                <a:spcPts val="0"/>
+              </a:spcBef>
+              <a:spcAft>
+                <a:spcPts val="0"/>
+              </a:spcAft>
+              <a:buNone/>
+            </a:pPr>
+            <a:r>
+              <a:rPr lang="en" sz="1200">
+                <a:solidFill>
+                  <a:schemeClr val="dk2"/>
+                </a:solidFill>
+              </a:rPr>
+              <a:t>14=Connected TV</a:t>
+            </a:r>
+            <a:endParaRPr sz="1200">
+              <a:solidFill>
+                <a:schemeClr val="dk2"/>
+              </a:solidFill>
+            </a:endParaRPr>
+          </a:p>
+          <a:p>
+            <a:pPr indent="0" lvl="0" marL="0" rtl="0" algn="l">
+              <a:spcBef>
+                <a:spcPts val="0"/>
+              </a:spcBef>
+              <a:spcAft>
+                <a:spcPts val="0"/>
+              </a:spcAft>
+              <a:buNone/>
+            </a:pPr>
+            <a:r>
+              <a:rPr lang="en" sz="1200">
+                <a:solidFill>
+                  <a:schemeClr val="dk2"/>
+                </a:solidFill>
+              </a:rPr>
+              <a:t>15=Programmatic</a:t>
+            </a:r>
+            <a:endParaRPr sz="1200">
+              <a:solidFill>
+                <a:schemeClr val="dk2"/>
+              </a:solidFill>
+            </a:endParaRPr>
+          </a:p>
+          <a:p>
+            <a:pPr indent="0" lvl="0" marL="0" rtl="0" algn="l">
+              <a:spcBef>
+                <a:spcPts val="0"/>
+              </a:spcBef>
+              <a:spcAft>
+                <a:spcPts val="0"/>
+              </a:spcAft>
+              <a:buNone/>
+            </a:pPr>
+            <a:r>
+              <a:rPr lang="en" sz="1200">
+                <a:solidFill>
+                  <a:schemeClr val="dk2"/>
+                </a:solidFill>
+              </a:rPr>
+              <a:t>16=Partner</a:t>
+            </a:r>
+            <a:endParaRPr sz="1200">
+              <a:solidFill>
+                <a:schemeClr val="dk2"/>
+              </a:solidFill>
+            </a:endParaRPr>
+          </a:p>
+          <a:p>
+            <a:pPr indent="0" lvl="0" marL="0" rtl="0" algn="l">
+              <a:spcBef>
+                <a:spcPts val="0"/>
+              </a:spcBef>
+              <a:spcAft>
+                <a:spcPts val="0"/>
+              </a:spcAft>
+              <a:buNone/>
+            </a:pPr>
+            <a:r>
+              <a:rPr lang="en" sz="1200">
+                <a:solidFill>
+                  <a:schemeClr val="dk2"/>
+                </a:solidFill>
+              </a:rPr>
+              <a:t>17=In-App</a:t>
+            </a:r>
+            <a:endParaRPr sz="1200">
+              <a:solidFill>
+                <a:schemeClr val="dk2"/>
+              </a:solidFill>
+            </a:endParaRPr>
+          </a:p>
+          <a:p>
+            <a:pPr indent="0" lvl="0" marL="0" rtl="0" algn="l">
+              <a:spcBef>
+                <a:spcPts val="0"/>
+              </a:spcBef>
+              <a:spcAft>
+                <a:spcPts val="0"/>
+              </a:spcAft>
+              <a:buNone/>
+            </a:pPr>
+            <a:r>
+              <a:rPr lang="en" sz="1200">
+                <a:solidFill>
+                  <a:schemeClr val="dk2"/>
+                </a:solidFill>
+              </a:rPr>
+              <a:t>18=Native</a:t>
+            </a:r>
+            <a:endParaRPr sz="1200">
+              <a:solidFill>
+                <a:schemeClr val="dk2"/>
+              </a:solidFill>
+            </a:endParaRPr>
+          </a:p>
+          <a:p>
+            <a:pPr indent="0" lvl="0" marL="0" rtl="0" algn="l">
+              <a:spcBef>
+                <a:spcPts val="0"/>
+              </a:spcBef>
+              <a:spcAft>
+                <a:spcPts val="0"/>
+              </a:spcAft>
+              <a:buNone/>
+            </a:pPr>
+            <a:r>
+              <a:rPr lang="en" sz="1200">
+                <a:solidFill>
+                  <a:schemeClr val="dk2"/>
+                </a:solidFill>
+              </a:rPr>
+              <a:t>19=SMS</a:t>
+            </a:r>
+            <a:endParaRPr sz="1200">
+              <a:solidFill>
+                <a:schemeClr val="dk2"/>
+              </a:solidFill>
+            </a:endParaRPr>
+          </a:p>
+          <a:p>
+            <a:pPr indent="0" lvl="0" marL="0" rtl="0" algn="l">
+              <a:spcBef>
+                <a:spcPts val="0"/>
+              </a:spcBef>
+              <a:spcAft>
+                <a:spcPts val="0"/>
+              </a:spcAft>
+              <a:buNone/>
+            </a:pPr>
+            <a:r>
+              <a:rPr lang="en" sz="1200">
+                <a:solidFill>
+                  <a:schemeClr val="dk2"/>
+                </a:solidFill>
+              </a:rPr>
+              <a:t>20=Push Notification</a:t>
+            </a:r>
+            <a:endParaRPr sz="1200">
+              <a:solidFill>
+                <a:schemeClr val="dk2"/>
+              </a:solidFill>
+            </a:endParaRPr>
+          </a:p>
+          <a:p>
+            <a:pPr indent="0" lvl="0" marL="0" rtl="0" algn="l">
+              <a:spcBef>
+                <a:spcPts val="0"/>
+              </a:spcBef>
+              <a:spcAft>
+                <a:spcPts val="0"/>
+              </a:spcAft>
+              <a:buNone/>
+            </a:pPr>
+            <a:r>
+              <a:t/>
+            </a:r>
+            <a:endParaRPr sz="1200">
+              <a:solidFill>
+                <a:schemeClr val="dk2"/>
+              </a:solidFill>
+            </a:endParaRPr>
+          </a:p>
+        </p:txBody>
+      </p:sp>
     </p:spTree>
   </p:cSld>
   <p:clrMapOvr>
@@ -46823,9 +48298,9 @@
 </file>
 
 <file path=ppt/theme/theme1.xml><?xml version="1.0" encoding="utf-8"?>
-<a:theme xmlns:a="http://schemas.openxmlformats.org/drawingml/2006/main" xmlns:r="http://schemas.openxmlformats.org/officeDocument/2006/relationships">
+<a:theme xmlns:a="http://schemas.openxmlformats.org/drawingml/2006/main" xmlns:r="http://schemas.openxmlformats.org/officeDocument/2006/relationships" name="Simple Light">
   <a:themeElements>
-    <a:clrScheme name="Default">
+    <a:clrScheme name="Simple Light">
       <a:dk1>
         <a:srgbClr val="000000"/>
       </a:dk1>
@@ -46833,34 +48308,34 @@
         <a:srgbClr val="FFFFFF"/>
       </a:lt1>
       <a:dk2>
-        <a:srgbClr val="158158"/>
+        <a:srgbClr val="595959"/>
       </a:dk2>
       <a:lt2>
-        <a:srgbClr val="F3F3F3"/>
+        <a:srgbClr val="EEEEEE"/>
       </a:lt2>
       <a:accent1>
-        <a:srgbClr val="058DC7"/>
+        <a:srgbClr val="4285F4"/>
       </a:accent1>
       <a:accent2>
-        <a:srgbClr val="50B432"/>
+        <a:srgbClr val="212121"/>
       </a:accent2>
       <a:accent3>
-        <a:srgbClr val="ED561B"/>
+        <a:srgbClr val="78909C"/>
       </a:accent3>
       <a:accent4>
-        <a:srgbClr val="EDEF00"/>
+        <a:srgbClr val="FFAB40"/>
       </a:accent4>
       <a:accent5>
-        <a:srgbClr val="24CBE5"/>
+        <a:srgbClr val="0097A7"/>
       </a:accent5>
       <a:accent6>
-        <a:srgbClr val="64E572"/>
+        <a:srgbClr val="EEFF41"/>
       </a:accent6>
       <a:hlink>
-        <a:srgbClr val="2200CC"/>
+        <a:srgbClr val="0097A7"/>
       </a:hlink>
       <a:folHlink>
-        <a:srgbClr val="551A8B"/>
+        <a:srgbClr val="0097A7"/>
       </a:folHlink>
     </a:clrScheme>
     <a:fontScheme name="Office">
@@ -47660,9 +49135,9 @@
 </file>
 
 <file path=ppt/theme/theme4.xml><?xml version="1.0" encoding="utf-8"?>
-<a:theme xmlns:a="http://schemas.openxmlformats.org/drawingml/2006/main" xmlns:r="http://schemas.openxmlformats.org/officeDocument/2006/relationships" name="Simple Light">
+<a:theme xmlns:a="http://schemas.openxmlformats.org/drawingml/2006/main" xmlns:r="http://schemas.openxmlformats.org/officeDocument/2006/relationships">
   <a:themeElements>
-    <a:clrScheme name="Simple Light">
+    <a:clrScheme name="Default">
       <a:dk1>
         <a:srgbClr val="000000"/>
       </a:dk1>
@@ -47670,34 +49145,34 @@
         <a:srgbClr val="FFFFFF"/>
       </a:lt1>
       <a:dk2>
-        <a:srgbClr val="595959"/>
+        <a:srgbClr val="158158"/>
       </a:dk2>
       <a:lt2>
-        <a:srgbClr val="EEEEEE"/>
+        <a:srgbClr val="F3F3F3"/>
       </a:lt2>
       <a:accent1>
-        <a:srgbClr val="4285F4"/>
+        <a:srgbClr val="058DC7"/>
       </a:accent1>
       <a:accent2>
-        <a:srgbClr val="212121"/>
+        <a:srgbClr val="50B432"/>
       </a:accent2>
       <a:accent3>
-        <a:srgbClr val="78909C"/>
+        <a:srgbClr val="ED561B"/>
       </a:accent3>
       <a:accent4>
-        <a:srgbClr val="FFAB40"/>
+        <a:srgbClr val="EDEF00"/>
       </a:accent4>
       <a:accent5>
-        <a:srgbClr val="0097A7"/>
+        <a:srgbClr val="24CBE5"/>
       </a:accent5>
       <a:accent6>
-        <a:srgbClr val="EEFF41"/>
+        <a:srgbClr val="64E572"/>
       </a:accent6>
       <a:hlink>
-        <a:srgbClr val="0097A7"/>
+        <a:srgbClr val="2200CC"/>
       </a:hlink>
       <a:folHlink>
-        <a:srgbClr val="0097A7"/>
+        <a:srgbClr val="551A8B"/>
       </a:folHlink>
     </a:clrScheme>
     <a:fontScheme name="Office">

--- a/H8_Final_Project_G2_RMT30.pptx
+++ b/H8_Final_Project_G2_RMT30.pptx
@@ -37437,7 +37437,7 @@
             <a:tbl>
               <a:tblPr>
                 <a:noFill/>
-                <a:tableStyleId>{9B17AD88-E45B-4232-8C63-73787A63ED5E}</a:tableStyleId>
+                <a:tableStyleId>{77479160-4A65-4D70-A4FA-134F4DB4C5D7}</a:tableStyleId>
               </a:tblPr>
               <a:tblGrid>
                 <a:gridCol w="862975"/>
@@ -45233,7 +45233,31 @@
                 <a:cs typeface="Inter"/>
                 <a:sym typeface="Inter"/>
               </a:rPr>
-              <a:t>Subsequently, the Data Scientist builds a model with 4 Different model and choose the best Model one which is XGBoost and develops a user-friendly interface with HuggingFace and Streamlit. This interface facilitates the delivery of problem-specific recommendations. Throughout the process, ongoing collaboration ensures that data-driven insights are derived effectively."</a:t>
+              <a:t>Subsequently, the Data Scientist builds a model with </a:t>
+            </a:r>
+            <a:r>
+              <a:rPr lang="en" sz="700">
+                <a:solidFill>
+                  <a:srgbClr val="666666"/>
+                </a:solidFill>
+                <a:latin typeface="Inter"/>
+                <a:ea typeface="Inter"/>
+                <a:cs typeface="Inter"/>
+                <a:sym typeface="Inter"/>
+              </a:rPr>
+              <a:t>6</a:t>
+            </a:r>
+            <a:r>
+              <a:rPr b="0" i="0" lang="en" sz="700" u="none" cap="none" strike="noStrike">
+                <a:solidFill>
+                  <a:srgbClr val="666666"/>
+                </a:solidFill>
+                <a:latin typeface="Inter"/>
+                <a:ea typeface="Inter"/>
+                <a:cs typeface="Inter"/>
+                <a:sym typeface="Inter"/>
+              </a:rPr>
+              <a:t> Different model and choose the best Model one which is XGBoost and develops a user-friendly interface with HuggingFace and Streamlit. This interface facilitates the delivery of problem-specific recommendations. Throughout the process, ongoing collaboration ensures that data-driven insights are derived effectively."</a:t>
             </a:r>
             <a:endParaRPr b="1" i="0" sz="800" u="none" cap="none" strike="noStrike">
               <a:solidFill>
@@ -48856,6 +48880,285 @@
 </file>
 
 <file path=ppt/theme/theme3.xml><?xml version="1.0" encoding="utf-8"?>
+<a:theme xmlns:a="http://schemas.openxmlformats.org/drawingml/2006/main" xmlns:r="http://schemas.openxmlformats.org/officeDocument/2006/relationships">
+  <a:themeElements>
+    <a:clrScheme name="Default">
+      <a:dk1>
+        <a:srgbClr val="000000"/>
+      </a:dk1>
+      <a:lt1>
+        <a:srgbClr val="FFFFFF"/>
+      </a:lt1>
+      <a:dk2>
+        <a:srgbClr val="158158"/>
+      </a:dk2>
+      <a:lt2>
+        <a:srgbClr val="F3F3F3"/>
+      </a:lt2>
+      <a:accent1>
+        <a:srgbClr val="058DC7"/>
+      </a:accent1>
+      <a:accent2>
+        <a:srgbClr val="50B432"/>
+      </a:accent2>
+      <a:accent3>
+        <a:srgbClr val="ED561B"/>
+      </a:accent3>
+      <a:accent4>
+        <a:srgbClr val="EDEF00"/>
+      </a:accent4>
+      <a:accent5>
+        <a:srgbClr val="24CBE5"/>
+      </a:accent5>
+      <a:accent6>
+        <a:srgbClr val="64E572"/>
+      </a:accent6>
+      <a:hlink>
+        <a:srgbClr val="2200CC"/>
+      </a:hlink>
+      <a:folHlink>
+        <a:srgbClr val="551A8B"/>
+      </a:folHlink>
+    </a:clrScheme>
+    <a:fontScheme name="Office">
+      <a:majorFont>
+        <a:latin typeface="Arial"/>
+        <a:ea typeface=""/>
+        <a:cs typeface=""/>
+        <a:font script="Jpan" typeface="ＭＳ Ｐゴシック"/>
+        <a:font script="Hang" typeface="맑은 고딕"/>
+        <a:font script="Hans" typeface="宋体"/>
+        <a:font script="Hant" typeface="新細明體"/>
+        <a:font script="Arab" typeface="Times New Roman"/>
+        <a:font script="Hebr" typeface="Times New Roman"/>
+        <a:font script="Thai" typeface="Angsana New"/>
+        <a:font script="Ethi" typeface="Nyala"/>
+        <a:font script="Beng" typeface="Vrinda"/>
+        <a:font script="Gujr" typeface="Shruti"/>
+        <a:font script="Khmr" typeface="MoolBoran"/>
+        <a:font script="Knda" typeface="Tunga"/>
+        <a:font script="Guru" typeface="Raavi"/>
+        <a:font script="Cans" typeface="Euphemia"/>
+        <a:font script="Cher" typeface="Plantagenet Cherokee"/>
+        <a:font script="Yiii" typeface="Microsoft Yi Baiti"/>
+        <a:font script="Tibt" typeface="Microsoft Himalaya"/>
+        <a:font script="Thaa" typeface="MV Boli"/>
+        <a:font script="Deva" typeface="Mangal"/>
+        <a:font script="Telu" typeface="Gautami"/>
+        <a:font script="Taml" typeface="Latha"/>
+        <a:font script="Syrc" typeface="Estrangelo Edessa"/>
+        <a:font script="Orya" typeface="Kalinga"/>
+        <a:font script="Mlym" typeface="Kartika"/>
+        <a:font script="Laoo" typeface="DokChampa"/>
+        <a:font script="Sinh" typeface="Iskoola Pota"/>
+        <a:font script="Mong" typeface="Mongolian Baiti"/>
+        <a:font script="Viet" typeface="Times New Roman"/>
+        <a:font script="Uigh" typeface="Microsoft Uighur"/>
+        <a:font script="Geor" typeface="Sylfaen"/>
+      </a:majorFont>
+      <a:minorFont>
+        <a:latin typeface="Arial"/>
+        <a:ea typeface=""/>
+        <a:cs typeface=""/>
+        <a:font script="Jpan" typeface="ＭＳ Ｐゴシック"/>
+        <a:font script="Hang" typeface="맑은 고딕"/>
+        <a:font script="Hans" typeface="宋体"/>
+        <a:font script="Hant" typeface="新細明體"/>
+        <a:font script="Arab" typeface="Arial"/>
+        <a:font script="Hebr" typeface="Arial"/>
+        <a:font script="Thai" typeface="Cordia New"/>
+        <a:font script="Ethi" typeface="Nyala"/>
+        <a:font script="Beng" typeface="Vrinda"/>
+        <a:font script="Gujr" typeface="Shruti"/>
+        <a:font script="Khmr" typeface="DaunPenh"/>
+        <a:font script="Knda" typeface="Tunga"/>
+        <a:font script="Guru" typeface="Raavi"/>
+        <a:font script="Cans" typeface="Euphemia"/>
+        <a:font script="Cher" typeface="Plantagenet Cherokee"/>
+        <a:font script="Yiii" typeface="Microsoft Yi Baiti"/>
+        <a:font script="Tibt" typeface="Microsoft Himalaya"/>
+        <a:font script="Thaa" typeface="MV Boli"/>
+        <a:font script="Deva" typeface="Mangal"/>
+        <a:font script="Telu" typeface="Gautami"/>
+        <a:font script="Taml" typeface="Latha"/>
+        <a:font script="Syrc" typeface="Estrangelo Edessa"/>
+        <a:font script="Orya" typeface="Kalinga"/>
+        <a:font script="Mlym" typeface="Kartika"/>
+        <a:font script="Laoo" typeface="DokChampa"/>
+        <a:font script="Sinh" typeface="Iskoola Pota"/>
+        <a:font script="Mong" typeface="Mongolian Baiti"/>
+        <a:font script="Viet" typeface="Arial"/>
+        <a:font script="Uigh" typeface="Microsoft Uighur"/>
+        <a:font script="Geor" typeface="Sylfaen"/>
+      </a:minorFont>
+    </a:fontScheme>
+    <a:fmtScheme name="Office">
+      <a:fillStyleLst>
+        <a:solidFill>
+          <a:schemeClr val="phClr"/>
+        </a:solidFill>
+        <a:gradFill rotWithShape="1">
+          <a:gsLst>
+            <a:gs pos="0">
+              <a:schemeClr val="phClr">
+                <a:tint val="50000"/>
+                <a:satMod val="300000"/>
+              </a:schemeClr>
+            </a:gs>
+            <a:gs pos="35000">
+              <a:schemeClr val="phClr">
+                <a:tint val="37000"/>
+                <a:satMod val="300000"/>
+              </a:schemeClr>
+            </a:gs>
+            <a:gs pos="100000">
+              <a:schemeClr val="phClr">
+                <a:tint val="15000"/>
+                <a:satMod val="350000"/>
+              </a:schemeClr>
+            </a:gs>
+          </a:gsLst>
+          <a:lin ang="16200000" scaled="1"/>
+        </a:gradFill>
+        <a:gradFill rotWithShape="1">
+          <a:gsLst>
+            <a:gs pos="0">
+              <a:schemeClr val="phClr">
+                <a:tint val="100000"/>
+                <a:shade val="100000"/>
+                <a:satMod val="130000"/>
+              </a:schemeClr>
+            </a:gs>
+            <a:gs pos="100000">
+              <a:schemeClr val="phClr">
+                <a:tint val="50000"/>
+                <a:shade val="100000"/>
+                <a:satMod val="350000"/>
+              </a:schemeClr>
+            </a:gs>
+          </a:gsLst>
+          <a:lin ang="16200000" scaled="0"/>
+        </a:gradFill>
+      </a:fillStyleLst>
+      <a:lnStyleLst>
+        <a:ln w="9525" cap="flat" cmpd="sng" algn="ctr">
+          <a:solidFill>
+            <a:schemeClr val="phClr">
+              <a:shade val="95000"/>
+              <a:satMod val="105000"/>
+            </a:schemeClr>
+          </a:solidFill>
+          <a:prstDash val="solid"/>
+        </a:ln>
+        <a:ln w="25400" cap="flat" cmpd="sng" algn="ctr">
+          <a:solidFill>
+            <a:schemeClr val="phClr"/>
+          </a:solidFill>
+          <a:prstDash val="solid"/>
+        </a:ln>
+        <a:ln w="38100" cap="flat" cmpd="sng" algn="ctr">
+          <a:solidFill>
+            <a:schemeClr val="phClr"/>
+          </a:solidFill>
+          <a:prstDash val="solid"/>
+        </a:ln>
+      </a:lnStyleLst>
+      <a:effectStyleLst>
+        <a:effectStyle>
+          <a:effectLst>
+            <a:outerShdw blurRad="40000" dist="20000" dir="5400000" rotWithShape="0">
+              <a:srgbClr val="000000">
+                <a:alpha val="38000"/>
+              </a:srgbClr>
+            </a:outerShdw>
+          </a:effectLst>
+        </a:effectStyle>
+        <a:effectStyle>
+          <a:effectLst>
+            <a:outerShdw blurRad="40000" dist="23000" dir="5400000" rotWithShape="0">
+              <a:srgbClr val="000000">
+                <a:alpha val="35000"/>
+              </a:srgbClr>
+            </a:outerShdw>
+          </a:effectLst>
+        </a:effectStyle>
+        <a:effectStyle>
+          <a:effectLst>
+            <a:outerShdw blurRad="40000" dist="23000" dir="5400000" rotWithShape="0">
+              <a:srgbClr val="000000">
+                <a:alpha val="35000"/>
+              </a:srgbClr>
+            </a:outerShdw>
+          </a:effectLst>
+          <a:scene3d>
+            <a:camera prst="orthographicFront">
+              <a:rot lat="0" lon="0" rev="0"/>
+            </a:camera>
+            <a:lightRig rig="threePt" dir="t">
+              <a:rot lat="0" lon="0" rev="1200000"/>
+            </a:lightRig>
+          </a:scene3d>
+          <a:sp3d>
+            <a:bevelT w="63500" h="25400"/>
+          </a:sp3d>
+        </a:effectStyle>
+      </a:effectStyleLst>
+      <a:bgFillStyleLst>
+        <a:solidFill>
+          <a:schemeClr val="phClr"/>
+        </a:solidFill>
+        <a:gradFill rotWithShape="1">
+          <a:gsLst>
+            <a:gs pos="0">
+              <a:schemeClr val="phClr">
+                <a:tint val="40000"/>
+                <a:satMod val="350000"/>
+              </a:schemeClr>
+            </a:gs>
+            <a:gs pos="40000">
+              <a:schemeClr val="phClr">
+                <a:tint val="45000"/>
+                <a:shade val="99000"/>
+                <a:satMod val="350000"/>
+              </a:schemeClr>
+            </a:gs>
+            <a:gs pos="100000">
+              <a:schemeClr val="phClr">
+                <a:shade val="20000"/>
+                <a:satMod val="255000"/>
+              </a:schemeClr>
+            </a:gs>
+          </a:gsLst>
+          <a:path path="circle">
+            <a:fillToRect l="50000" t="-80000" r="50000" b="180000"/>
+          </a:path>
+        </a:gradFill>
+        <a:gradFill rotWithShape="1">
+          <a:gsLst>
+            <a:gs pos="0">
+              <a:schemeClr val="phClr">
+                <a:tint val="80000"/>
+                <a:satMod val="300000"/>
+              </a:schemeClr>
+            </a:gs>
+            <a:gs pos="100000">
+              <a:schemeClr val="phClr">
+                <a:shade val="30000"/>
+                <a:satMod val="200000"/>
+              </a:schemeClr>
+            </a:gs>
+          </a:gsLst>
+          <a:path path="circle">
+            <a:fillToRect l="50000" t="50000" r="50000" b="50000"/>
+          </a:path>
+        </a:gradFill>
+      </a:bgFillStyleLst>
+    </a:fmtScheme>
+  </a:themeElements>
+</a:theme>
+</file>
+
+<file path=ppt/theme/theme4.xml><?xml version="1.0" encoding="utf-8"?>
 <a:theme xmlns:a="http://schemas.openxmlformats.org/drawingml/2006/main" xmlns:r="http://schemas.openxmlformats.org/officeDocument/2006/relationships" name="Simple Light">
   <a:themeElements>
     <a:clrScheme name="Simple Light">
@@ -49132,283 +49435,4 @@
     </a:fmtScheme>
   </a:themeElements>
 </a:theme>
-</file>
-
-<file path=ppt/theme/theme4.xml><?xml version="1.0" encoding="utf-8"?>
-<a:theme xmlns:a="http://schemas.openxmlformats.org/drawingml/2006/main" xmlns:r="http://schemas.openxmlformats.org/officeDocument/2006/relationships">
-  <a:themeElements>
-    <a:clrScheme name="Default">
-      <a:dk1>
-        <a:srgbClr val="000000"/>
-      </a:dk1>
-      <a:lt1>
-        <a:srgbClr val="FFFFFF"/>
-      </a:lt1>
-      <a:dk2>
-        <a:srgbClr val="158158"/>
-      </a:dk2>
-      <a:lt2>
-        <a:srgbClr val="F3F3F3"/>
-      </a:lt2>
-      <a:accent1>
-        <a:srgbClr val="058DC7"/>
-      </a:accent1>
-      <a:accent2>
-        <a:srgbClr val="50B432"/>
-      </a:accent2>
-      <a:accent3>
-        <a:srgbClr val="ED561B"/>
-      </a:accent3>
-      <a:accent4>
-        <a:srgbClr val="EDEF00"/>
-      </a:accent4>
-      <a:accent5>
-        <a:srgbClr val="24CBE5"/>
-      </a:accent5>
-      <a:accent6>
-        <a:srgbClr val="64E572"/>
-      </a:accent6>
-      <a:hlink>
-        <a:srgbClr val="2200CC"/>
-      </a:hlink>
-      <a:folHlink>
-        <a:srgbClr val="551A8B"/>
-      </a:folHlink>
-    </a:clrScheme>
-    <a:fontScheme name="Office">
-      <a:majorFont>
-        <a:latin typeface="Arial"/>
-        <a:ea typeface=""/>
-        <a:cs typeface=""/>
-        <a:font script="Jpan" typeface="ＭＳ Ｐゴシック"/>
-        <a:font script="Hang" typeface="맑은 고딕"/>
-        <a:font script="Hans" typeface="宋体"/>
-        <a:font script="Hant" typeface="新細明體"/>
-        <a:font script="Arab" typeface="Times New Roman"/>
-        <a:font script="Hebr" typeface="Times New Roman"/>
-        <a:font script="Thai" typeface="Angsana New"/>
-        <a:font script="Ethi" typeface="Nyala"/>
-        <a:font script="Beng" typeface="Vrinda"/>
-        <a:font script="Gujr" typeface="Shruti"/>
-        <a:font script="Khmr" typeface="MoolBoran"/>
-        <a:font script="Knda" typeface="Tunga"/>
-        <a:font script="Guru" typeface="Raavi"/>
-        <a:font script="Cans" typeface="Euphemia"/>
-        <a:font script="Cher" typeface="Plantagenet Cherokee"/>
-        <a:font script="Yiii" typeface="Microsoft Yi Baiti"/>
-        <a:font script="Tibt" typeface="Microsoft Himalaya"/>
-        <a:font script="Thaa" typeface="MV Boli"/>
-        <a:font script="Deva" typeface="Mangal"/>
-        <a:font script="Telu" typeface="Gautami"/>
-        <a:font script="Taml" typeface="Latha"/>
-        <a:font script="Syrc" typeface="Estrangelo Edessa"/>
-        <a:font script="Orya" typeface="Kalinga"/>
-        <a:font script="Mlym" typeface="Kartika"/>
-        <a:font script="Laoo" typeface="DokChampa"/>
-        <a:font script="Sinh" typeface="Iskoola Pota"/>
-        <a:font script="Mong" typeface="Mongolian Baiti"/>
-        <a:font script="Viet" typeface="Times New Roman"/>
-        <a:font script="Uigh" typeface="Microsoft Uighur"/>
-        <a:font script="Geor" typeface="Sylfaen"/>
-      </a:majorFont>
-      <a:minorFont>
-        <a:latin typeface="Arial"/>
-        <a:ea typeface=""/>
-        <a:cs typeface=""/>
-        <a:font script="Jpan" typeface="ＭＳ Ｐゴシック"/>
-        <a:font script="Hang" typeface="맑은 고딕"/>
-        <a:font script="Hans" typeface="宋体"/>
-        <a:font script="Hant" typeface="新細明體"/>
-        <a:font script="Arab" typeface="Arial"/>
-        <a:font script="Hebr" typeface="Arial"/>
-        <a:font script="Thai" typeface="Cordia New"/>
-        <a:font script="Ethi" typeface="Nyala"/>
-        <a:font script="Beng" typeface="Vrinda"/>
-        <a:font script="Gujr" typeface="Shruti"/>
-        <a:font script="Khmr" typeface="DaunPenh"/>
-        <a:font script="Knda" typeface="Tunga"/>
-        <a:font script="Guru" typeface="Raavi"/>
-        <a:font script="Cans" typeface="Euphemia"/>
-        <a:font script="Cher" typeface="Plantagenet Cherokee"/>
-        <a:font script="Yiii" typeface="Microsoft Yi Baiti"/>
-        <a:font script="Tibt" typeface="Microsoft Himalaya"/>
-        <a:font script="Thaa" typeface="MV Boli"/>
-        <a:font script="Deva" typeface="Mangal"/>
-        <a:font script="Telu" typeface="Gautami"/>
-        <a:font script="Taml" typeface="Latha"/>
-        <a:font script="Syrc" typeface="Estrangelo Edessa"/>
-        <a:font script="Orya" typeface="Kalinga"/>
-        <a:font script="Mlym" typeface="Kartika"/>
-        <a:font script="Laoo" typeface="DokChampa"/>
-        <a:font script="Sinh" typeface="Iskoola Pota"/>
-        <a:font script="Mong" typeface="Mongolian Baiti"/>
-        <a:font script="Viet" typeface="Arial"/>
-        <a:font script="Uigh" typeface="Microsoft Uighur"/>
-        <a:font script="Geor" typeface="Sylfaen"/>
-      </a:minorFont>
-    </a:fontScheme>
-    <a:fmtScheme name="Office">
-      <a:fillStyleLst>
-        <a:solidFill>
-          <a:schemeClr val="phClr"/>
-        </a:solidFill>
-        <a:gradFill rotWithShape="1">
-          <a:gsLst>
-            <a:gs pos="0">
-              <a:schemeClr val="phClr">
-                <a:tint val="50000"/>
-                <a:satMod val="300000"/>
-              </a:schemeClr>
-            </a:gs>
-            <a:gs pos="35000">
-              <a:schemeClr val="phClr">
-                <a:tint val="37000"/>
-                <a:satMod val="300000"/>
-              </a:schemeClr>
-            </a:gs>
-            <a:gs pos="100000">
-              <a:schemeClr val="phClr">
-                <a:tint val="15000"/>
-                <a:satMod val="350000"/>
-              </a:schemeClr>
-            </a:gs>
-          </a:gsLst>
-          <a:lin ang="16200000" scaled="1"/>
-        </a:gradFill>
-        <a:gradFill rotWithShape="1">
-          <a:gsLst>
-            <a:gs pos="0">
-              <a:schemeClr val="phClr">
-                <a:tint val="100000"/>
-                <a:shade val="100000"/>
-                <a:satMod val="130000"/>
-              </a:schemeClr>
-            </a:gs>
-            <a:gs pos="100000">
-              <a:schemeClr val="phClr">
-                <a:tint val="50000"/>
-                <a:shade val="100000"/>
-                <a:satMod val="350000"/>
-              </a:schemeClr>
-            </a:gs>
-          </a:gsLst>
-          <a:lin ang="16200000" scaled="0"/>
-        </a:gradFill>
-      </a:fillStyleLst>
-      <a:lnStyleLst>
-        <a:ln w="9525" cap="flat" cmpd="sng" algn="ctr">
-          <a:solidFill>
-            <a:schemeClr val="phClr">
-              <a:shade val="95000"/>
-              <a:satMod val="105000"/>
-            </a:schemeClr>
-          </a:solidFill>
-          <a:prstDash val="solid"/>
-        </a:ln>
-        <a:ln w="25400" cap="flat" cmpd="sng" algn="ctr">
-          <a:solidFill>
-            <a:schemeClr val="phClr"/>
-          </a:solidFill>
-          <a:prstDash val="solid"/>
-        </a:ln>
-        <a:ln w="38100" cap="flat" cmpd="sng" algn="ctr">
-          <a:solidFill>
-            <a:schemeClr val="phClr"/>
-          </a:solidFill>
-          <a:prstDash val="solid"/>
-        </a:ln>
-      </a:lnStyleLst>
-      <a:effectStyleLst>
-        <a:effectStyle>
-          <a:effectLst>
-            <a:outerShdw blurRad="40000" dist="20000" dir="5400000" rotWithShape="0">
-              <a:srgbClr val="000000">
-                <a:alpha val="38000"/>
-              </a:srgbClr>
-            </a:outerShdw>
-          </a:effectLst>
-        </a:effectStyle>
-        <a:effectStyle>
-          <a:effectLst>
-            <a:outerShdw blurRad="40000" dist="23000" dir="5400000" rotWithShape="0">
-              <a:srgbClr val="000000">
-                <a:alpha val="35000"/>
-              </a:srgbClr>
-            </a:outerShdw>
-          </a:effectLst>
-        </a:effectStyle>
-        <a:effectStyle>
-          <a:effectLst>
-            <a:outerShdw blurRad="40000" dist="23000" dir="5400000" rotWithShape="0">
-              <a:srgbClr val="000000">
-                <a:alpha val="35000"/>
-              </a:srgbClr>
-            </a:outerShdw>
-          </a:effectLst>
-          <a:scene3d>
-            <a:camera prst="orthographicFront">
-              <a:rot lat="0" lon="0" rev="0"/>
-            </a:camera>
-            <a:lightRig rig="threePt" dir="t">
-              <a:rot lat="0" lon="0" rev="1200000"/>
-            </a:lightRig>
-          </a:scene3d>
-          <a:sp3d>
-            <a:bevelT w="63500" h="25400"/>
-          </a:sp3d>
-        </a:effectStyle>
-      </a:effectStyleLst>
-      <a:bgFillStyleLst>
-        <a:solidFill>
-          <a:schemeClr val="phClr"/>
-        </a:solidFill>
-        <a:gradFill rotWithShape="1">
-          <a:gsLst>
-            <a:gs pos="0">
-              <a:schemeClr val="phClr">
-                <a:tint val="40000"/>
-                <a:satMod val="350000"/>
-              </a:schemeClr>
-            </a:gs>
-            <a:gs pos="40000">
-              <a:schemeClr val="phClr">
-                <a:tint val="45000"/>
-                <a:shade val="99000"/>
-                <a:satMod val="350000"/>
-              </a:schemeClr>
-            </a:gs>
-            <a:gs pos="100000">
-              <a:schemeClr val="phClr">
-                <a:shade val="20000"/>
-                <a:satMod val="255000"/>
-              </a:schemeClr>
-            </a:gs>
-          </a:gsLst>
-          <a:path path="circle">
-            <a:fillToRect l="50000" t="-80000" r="50000" b="180000"/>
-          </a:path>
-        </a:gradFill>
-        <a:gradFill rotWithShape="1">
-          <a:gsLst>
-            <a:gs pos="0">
-              <a:schemeClr val="phClr">
-                <a:tint val="80000"/>
-                <a:satMod val="300000"/>
-              </a:schemeClr>
-            </a:gs>
-            <a:gs pos="100000">
-              <a:schemeClr val="phClr">
-                <a:shade val="30000"/>
-                <a:satMod val="200000"/>
-              </a:schemeClr>
-            </a:gs>
-          </a:gsLst>
-          <a:path path="circle">
-            <a:fillToRect l="50000" t="50000" r="50000" b="50000"/>
-          </a:path>
-        </a:gradFill>
-      </a:bgFillStyleLst>
-    </a:fmtScheme>
-  </a:themeElements>
-</a:theme>
 </file>
--- a/H8_Final_Project_G2_RMT30.pptx
+++ b/H8_Final_Project_G2_RMT30.pptx
@@ -37437,7 +37437,7 @@
             <a:tbl>
               <a:tblPr>
                 <a:noFill/>
-                <a:tableStyleId>{77479160-4A65-4D70-A4FA-134F4DB4C5D7}</a:tableStyleId>
+                <a:tableStyleId>{92B57ACE-C067-47DA-913C-7901338CE5E1}</a:tableStyleId>
               </a:tblPr>
               <a:tblGrid>
                 <a:gridCol w="862975"/>
@@ -39387,7 +39387,7 @@
                 <a:cs typeface="Times New Roman"/>
                 <a:sym typeface="Times New Roman"/>
               </a:rPr>
-              <a:t>1. Based on score accuracy, Random Forest has the highest accuracy score, namely 90%</a:t>
+              <a:t>1. Based on score accuracy, Random Forest has the highest precission score, namely 90%</a:t>
             </a:r>
             <a:endParaRPr sz="1200">
               <a:solidFill>

--- a/H8_Final_Project_G2_RMT30.pptx
+++ b/H8_Final_Project_G2_RMT30.pptx
@@ -2442,7 +2442,7 @@
   <p:cSld>
     <p:spTree>
       <p:nvGrpSpPr>
-        <p:cNvPr id="416" name="Shape 416"/>
+        <p:cNvPr id="415" name="Shape 415"/>
         <p:cNvGrpSpPr/>
         <p:nvPr/>
       </p:nvGrpSpPr>
@@ -2456,7 +2456,7 @@
       </p:grpSpPr>
       <p:sp>
         <p:nvSpPr>
-          <p:cNvPr id="417" name="Google Shape;417;g27312f89b80_0_1426:notes"/>
+          <p:cNvPr id="416" name="Google Shape;416;g27312f89b80_0_1426:notes"/>
           <p:cNvSpPr/>
           <p:nvPr>
             <p:ph idx="2" type="sldImg"/>
@@ -2501,7 +2501,7 @@
       </p:sp>
       <p:sp>
         <p:nvSpPr>
-          <p:cNvPr id="418" name="Google Shape;418;g27312f89b80_0_1426:notes"/>
+          <p:cNvPr id="417" name="Google Shape;417;g27312f89b80_0_1426:notes"/>
           <p:cNvSpPr txBox="1"/>
           <p:nvPr>
             <p:ph idx="1" type="body"/>
@@ -37437,7 +37437,7 @@
             <a:tbl>
               <a:tblPr>
                 <a:noFill/>
-                <a:tableStyleId>{92B57ACE-C067-47DA-913C-7901338CE5E1}</a:tableStyleId>
+                <a:tableStyleId>{DBBC6C58-C9C7-4B56-A092-6087DFAA3D41}</a:tableStyleId>
               </a:tblPr>
               <a:tblGrid>
                 <a:gridCol w="862975"/>
@@ -39360,7 +39360,7 @@
             </a:endParaRPr>
           </a:p>
           <a:p>
-            <a:pPr indent="0" lvl="0" marL="0" marR="0" rtl="0" algn="l">
+            <a:pPr indent="0" lvl="0" marL="0" rtl="0" algn="l">
               <a:lnSpc>
                 <a:spcPct val="120000"/>
               </a:lnSpc>
@@ -39371,9 +39371,9 @@
                 <a:spcPts val="0"/>
               </a:spcAft>
               <a:buClr>
-                <a:srgbClr val="000000"/>
-              </a:buClr>
-              <a:buSzPts val="900"/>
+                <a:schemeClr val="dk1"/>
+              </a:buClr>
+              <a:buSzPts val="1100"/>
               <a:buFont typeface="Arial"/>
               <a:buNone/>
             </a:pPr>
@@ -39387,47 +39387,7 @@
                 <a:cs typeface="Times New Roman"/>
                 <a:sym typeface="Times New Roman"/>
               </a:rPr>
-              <a:t>1. Based on score accuracy, Random Forest has the highest precission score, namely 90%</a:t>
-            </a:r>
-            <a:endParaRPr sz="1200">
-              <a:solidFill>
-                <a:schemeClr val="dk1"/>
-              </a:solidFill>
-              <a:latin typeface="Times New Roman"/>
-              <a:ea typeface="Times New Roman"/>
-              <a:cs typeface="Times New Roman"/>
-              <a:sym typeface="Times New Roman"/>
-            </a:endParaRPr>
-          </a:p>
-          <a:p>
-            <a:pPr indent="0" lvl="0" marL="0" marR="0" rtl="0" algn="l">
-              <a:lnSpc>
-                <a:spcPct val="120000"/>
-              </a:lnSpc>
-              <a:spcBef>
-                <a:spcPts val="0"/>
-              </a:spcBef>
-              <a:spcAft>
-                <a:spcPts val="0"/>
-              </a:spcAft>
-              <a:buClr>
-                <a:srgbClr val="000000"/>
-              </a:buClr>
-              <a:buSzPts val="900"/>
-              <a:buFont typeface="Arial"/>
-              <a:buNone/>
-            </a:pPr>
-            <a:r>
-              <a:rPr lang="en" sz="1200">
-                <a:solidFill>
-                  <a:schemeClr val="dk1"/>
-                </a:solidFill>
-                <a:latin typeface="Times New Roman"/>
-                <a:ea typeface="Times New Roman"/>
-                <a:cs typeface="Times New Roman"/>
-                <a:sym typeface="Times New Roman"/>
-              </a:rPr>
-              <a:t>2. Based on the precision score, XGBoost has the highest precision value, namely 86%</a:t>
+              <a:t>Based on the precision score, XGBoost has the highest precision value, namely 87%</a:t>
             </a:r>
             <a:endParaRPr sz="1200">
               <a:solidFill>
@@ -40064,7 +40024,7 @@
           </a:bodyPr>
           <a:lstStyle/>
           <a:p>
-            <a:pPr indent="0" lvl="0" marL="0" marR="0" rtl="0" algn="l">
+            <a:pPr indent="0" lvl="0" marL="0" marR="0" rtl="0" algn="ctr">
               <a:lnSpc>
                 <a:spcPct val="90000"/>
               </a:lnSpc>
@@ -40082,38 +40042,41 @@
               <a:buNone/>
             </a:pPr>
             <a:r>
-              <a:rPr b="1" i="0" lang="en" sz="3200" u="none" cap="none" strike="noStrike">
-                <a:solidFill>
-                  <a:srgbClr val="F06634"/>
+              <a:rPr b="1" i="0" lang="en" sz="3200" u="sng" cap="none" strike="noStrike">
+                <a:solidFill>
+                  <a:schemeClr val="hlink"/>
                 </a:solidFill>
                 <a:latin typeface="Poppins SemiBold"/>
                 <a:ea typeface="Poppins SemiBold"/>
                 <a:cs typeface="Poppins SemiBold"/>
                 <a:sym typeface="Poppins SemiBold"/>
+                <a:hlinkClick r:id="rId3"/>
               </a:rPr>
               <a:t>Demo </a:t>
             </a:r>
             <a:r>
-              <a:rPr b="1" lang="en" sz="3200">
-                <a:solidFill>
-                  <a:srgbClr val="F06634"/>
+              <a:rPr b="1" lang="en" sz="3200" u="sng">
+                <a:solidFill>
+                  <a:schemeClr val="hlink"/>
                 </a:solidFill>
                 <a:latin typeface="Poppins SemiBold"/>
                 <a:ea typeface="Poppins SemiBold"/>
                 <a:cs typeface="Poppins SemiBold"/>
                 <a:sym typeface="Poppins SemiBold"/>
+                <a:hlinkClick r:id="rId4"/>
               </a:rPr>
               <a:t> </a:t>
             </a:r>
             <a:r>
-              <a:rPr b="1" i="0" lang="en" sz="3200" u="none" cap="none" strike="noStrike">
-                <a:solidFill>
-                  <a:srgbClr val="F06634"/>
+              <a:rPr b="1" i="0" lang="en" sz="3200" u="sng" cap="none" strike="noStrike">
+                <a:solidFill>
+                  <a:schemeClr val="hlink"/>
                 </a:solidFill>
                 <a:latin typeface="Poppins SemiBold"/>
                 <a:ea typeface="Poppins SemiBold"/>
                 <a:cs typeface="Poppins SemiBold"/>
                 <a:sym typeface="Poppins SemiBold"/>
+                <a:hlinkClick r:id="rId5"/>
               </a:rPr>
               <a:t>Model</a:t>
             </a:r>
@@ -40129,36 +40092,9 @@
           </a:p>
         </p:txBody>
       </p:sp>
-      <p:pic>
-        <p:nvPicPr>
-          <p:cNvPr id="412" name="Google Shape;412;p77"/>
-          <p:cNvPicPr preferRelativeResize="0"/>
-          <p:nvPr/>
-        </p:nvPicPr>
-        <p:blipFill rotWithShape="1">
-          <a:blip r:embed="rId3">
-            <a:alphaModFix/>
-          </a:blip>
-          <a:srcRect b="23630" l="27786" r="29556" t="21604"/>
-          <a:stretch/>
-        </p:blipFill>
-        <p:spPr>
-          <a:xfrm>
-            <a:off x="6557963" y="256299"/>
-            <a:ext cx="335818" cy="307777"/>
-          </a:xfrm>
-          <a:prstGeom prst="rect">
-            <a:avLst/>
-          </a:prstGeom>
-          <a:noFill/>
-          <a:ln>
-            <a:noFill/>
-          </a:ln>
-        </p:spPr>
-      </p:pic>
       <p:sp>
         <p:nvSpPr>
-          <p:cNvPr id="413" name="Google Shape;413;p77"/>
+          <p:cNvPr id="412" name="Google Shape;412;p77"/>
           <p:cNvSpPr txBox="1"/>
           <p:nvPr/>
         </p:nvSpPr>
@@ -40199,48 +40135,7 @@
               <a:buNone/>
             </a:pPr>
             <a:r>
-              <a:rPr b="0" i="0" lang="en" sz="1200" u="none" cap="none" strike="noStrike">
-                <a:solidFill>
-                  <a:srgbClr val="F06634"/>
-                </a:solidFill>
-                <a:latin typeface="Poppins ExtraBold"/>
-                <a:ea typeface="Poppins ExtraBold"/>
-                <a:cs typeface="Poppins ExtraBold"/>
-                <a:sym typeface="Poppins ExtraBold"/>
-              </a:rPr>
-              <a:t>Property</a:t>
-            </a:r>
-            <a:endParaRPr/>
-          </a:p>
-          <a:p>
-            <a:pPr indent="0" lvl="0" marL="0" marR="0" rtl="0" algn="l">
-              <a:lnSpc>
-                <a:spcPct val="90000"/>
-              </a:lnSpc>
-              <a:spcBef>
-                <a:spcPts val="0"/>
-              </a:spcBef>
-              <a:spcAft>
-                <a:spcPts val="0"/>
-              </a:spcAft>
-              <a:buClr>
-                <a:srgbClr val="000000"/>
-              </a:buClr>
-              <a:buSzPts val="3500"/>
-              <a:buFont typeface="Arial"/>
-              <a:buNone/>
-            </a:pPr>
-            <a:r>
-              <a:rPr b="0" i="0" lang="en" sz="1200" u="none" cap="none" strike="noStrike">
-                <a:solidFill>
-                  <a:srgbClr val="F06634"/>
-                </a:solidFill>
-                <a:latin typeface="Poppins ExtraBold"/>
-                <a:ea typeface="Poppins ExtraBold"/>
-                <a:cs typeface="Poppins ExtraBold"/>
-                <a:sym typeface="Poppins ExtraBold"/>
-              </a:rPr>
-              <a:t>Worth</a:t>
+              <a:t/>
             </a:r>
             <a:endParaRPr b="0" i="0" sz="1200" u="none" cap="none" strike="noStrike">
               <a:solidFill>
@@ -40256,12 +40151,12 @@
       </p:sp>
       <p:pic>
         <p:nvPicPr>
-          <p:cNvPr id="414" name="Google Shape;414;p77"/>
+          <p:cNvPr id="413" name="Google Shape;413;p77"/>
           <p:cNvPicPr preferRelativeResize="0"/>
           <p:nvPr/>
         </p:nvPicPr>
         <p:blipFill>
-          <a:blip r:embed="rId4">
+          <a:blip r:embed="rId6">
             <a:alphaModFix/>
           </a:blip>
           <a:stretch>
@@ -40270,8 +40165,8 @@
         </p:blipFill>
         <p:spPr>
           <a:xfrm>
-            <a:off x="-374525" y="1240150"/>
-            <a:ext cx="4785975" cy="3092400"/>
+            <a:off x="0" y="560993"/>
+            <a:ext cx="4945330" cy="4277710"/>
           </a:xfrm>
           <a:prstGeom prst="rect">
             <a:avLst/>
@@ -40284,12 +40179,12 @@
       </p:pic>
       <p:pic>
         <p:nvPicPr>
-          <p:cNvPr id="415" name="Google Shape;415;p77"/>
+          <p:cNvPr id="414" name="Google Shape;414;p77"/>
           <p:cNvPicPr preferRelativeResize="0"/>
           <p:nvPr/>
         </p:nvPicPr>
         <p:blipFill>
-          <a:blip r:embed="rId5">
+          <a:blip r:embed="rId7">
             <a:alphaModFix/>
           </a:blip>
           <a:stretch>
@@ -40298,8 +40193,8 @@
         </p:blipFill>
         <p:spPr>
           <a:xfrm>
-            <a:off x="3919725" y="1306938"/>
-            <a:ext cx="5701349" cy="2958824"/>
+            <a:off x="5036075" y="947288"/>
+            <a:ext cx="3985075" cy="3307612"/>
           </a:xfrm>
           <a:prstGeom prst="rect">
             <a:avLst/>
@@ -40323,7 +40218,7 @@
   <p:cSld>
     <p:spTree>
       <p:nvGrpSpPr>
-        <p:cNvPr id="419" name="Shape 419"/>
+        <p:cNvPr id="418" name="Shape 418"/>
         <p:cNvGrpSpPr/>
         <p:nvPr/>
       </p:nvGrpSpPr>
@@ -40337,7 +40232,7 @@
       </p:grpSpPr>
       <p:sp>
         <p:nvSpPr>
-          <p:cNvPr id="420" name="Google Shape;420;p78"/>
+          <p:cNvPr id="419" name="Google Shape;419;p78"/>
           <p:cNvSpPr txBox="1"/>
           <p:nvPr/>
         </p:nvSpPr>
@@ -40394,13 +40289,13 @@
       </p:sp>
       <p:sp>
         <p:nvSpPr>
-          <p:cNvPr id="421" name="Google Shape;421;p78"/>
+          <p:cNvPr id="420" name="Google Shape;420;p78"/>
           <p:cNvSpPr txBox="1"/>
           <p:nvPr/>
         </p:nvSpPr>
         <p:spPr>
           <a:xfrm>
-            <a:off x="624375" y="1314125"/>
+            <a:off x="624375" y="928475"/>
             <a:ext cx="3378900" cy="484200"/>
           </a:xfrm>
           <a:prstGeom prst="rect">
@@ -40460,13 +40355,13 @@
       </p:sp>
       <p:sp>
         <p:nvSpPr>
-          <p:cNvPr id="422" name="Google Shape;422;p78"/>
+          <p:cNvPr id="421" name="Google Shape;421;p78"/>
           <p:cNvSpPr txBox="1"/>
           <p:nvPr/>
         </p:nvSpPr>
         <p:spPr>
           <a:xfrm>
-            <a:off x="624375" y="1870067"/>
+            <a:off x="624375" y="1412667"/>
             <a:ext cx="3566700" cy="1975200"/>
           </a:xfrm>
           <a:prstGeom prst="rect">
@@ -40652,13 +40547,13 @@
       </p:sp>
       <p:sp>
         <p:nvSpPr>
-          <p:cNvPr id="423" name="Google Shape;423;p78"/>
+          <p:cNvPr id="422" name="Google Shape;422;p78"/>
           <p:cNvSpPr txBox="1"/>
           <p:nvPr/>
         </p:nvSpPr>
         <p:spPr>
           <a:xfrm>
-            <a:off x="4808475" y="1870075"/>
+            <a:off x="4696850" y="1331475"/>
             <a:ext cx="4092300" cy="1975200"/>
           </a:xfrm>
           <a:prstGeom prst="rect">
@@ -40813,7 +40708,7 @@
       </p:sp>
       <p:sp>
         <p:nvSpPr>
-          <p:cNvPr id="424" name="Google Shape;424;p78"/>
+          <p:cNvPr id="423" name="Google Shape;423;p78"/>
           <p:cNvSpPr txBox="1"/>
           <p:nvPr>
             <p:ph idx="12" type="sldNum"/>
@@ -40856,6 +40751,183 @@
               <a:t>‹#›</a:t>
             </a:fld>
             <a:endParaRPr/>
+          </a:p>
+        </p:txBody>
+      </p:sp>
+      <p:sp>
+        <p:nvSpPr>
+          <p:cNvPr id="424" name="Google Shape;424;p78"/>
+          <p:cNvSpPr txBox="1"/>
+          <p:nvPr/>
+        </p:nvSpPr>
+        <p:spPr>
+          <a:xfrm>
+            <a:off x="695600" y="3081617"/>
+            <a:ext cx="3566700" cy="1975200"/>
+          </a:xfrm>
+          <a:prstGeom prst="rect">
+            <a:avLst/>
+          </a:prstGeom>
+          <a:noFill/>
+          <a:ln>
+            <a:noFill/>
+          </a:ln>
+        </p:spPr>
+        <p:txBody>
+          <a:bodyPr anchorCtr="0" anchor="t" bIns="91425" lIns="91425" spcFirstLastPara="1" rIns="91425" wrap="square" tIns="91425">
+            <a:noAutofit/>
+          </a:bodyPr>
+          <a:lstStyle/>
+          <a:p>
+            <a:pPr indent="0" lvl="0" marL="0" rtl="0" algn="l">
+              <a:lnSpc>
+                <a:spcPct val="115000"/>
+              </a:lnSpc>
+              <a:spcBef>
+                <a:spcPts val="1200"/>
+              </a:spcBef>
+              <a:spcAft>
+                <a:spcPts val="0"/>
+              </a:spcAft>
+              <a:buClr>
+                <a:schemeClr val="dk1"/>
+              </a:buClr>
+              <a:buSzPts val="1100"/>
+              <a:buFont typeface="Arial"/>
+              <a:buNone/>
+            </a:pPr>
+            <a:r>
+              <a:rPr b="1" lang="en" sz="1100">
+                <a:solidFill>
+                  <a:schemeClr val="dk1"/>
+                </a:solidFill>
+                <a:latin typeface="Times New Roman"/>
+                <a:ea typeface="Times New Roman"/>
+                <a:cs typeface="Times New Roman"/>
+                <a:sym typeface="Times New Roman"/>
+              </a:rPr>
+              <a:t>Data Limitations</a:t>
+            </a:r>
+            <a:endParaRPr b="1" sz="1100">
+              <a:solidFill>
+                <a:schemeClr val="dk1"/>
+              </a:solidFill>
+              <a:latin typeface="Times New Roman"/>
+              <a:ea typeface="Times New Roman"/>
+              <a:cs typeface="Times New Roman"/>
+              <a:sym typeface="Times New Roman"/>
+            </a:endParaRPr>
+          </a:p>
+          <a:p>
+            <a:pPr indent="-298450" lvl="0" marL="457200" rtl="0" algn="l">
+              <a:lnSpc>
+                <a:spcPct val="115000"/>
+              </a:lnSpc>
+              <a:spcBef>
+                <a:spcPts val="1200"/>
+              </a:spcBef>
+              <a:spcAft>
+                <a:spcPts val="0"/>
+              </a:spcAft>
+              <a:buClr>
+                <a:schemeClr val="dk1"/>
+              </a:buClr>
+              <a:buSzPts val="1100"/>
+              <a:buFont typeface="Times New Roman"/>
+              <a:buChar char="-"/>
+            </a:pPr>
+            <a:r>
+              <a:rPr lang="en" sz="1100">
+                <a:solidFill>
+                  <a:schemeClr val="dk1"/>
+                </a:solidFill>
+                <a:latin typeface="Times New Roman"/>
+                <a:ea typeface="Times New Roman"/>
+                <a:cs typeface="Times New Roman"/>
+                <a:sym typeface="Times New Roman"/>
+              </a:rPr>
+              <a:t>Data Availability: Limited access to sufficient and high-quality data can hinder the training and validation of machine learning models. </a:t>
+            </a:r>
+            <a:endParaRPr sz="1100">
+              <a:solidFill>
+                <a:schemeClr val="dk1"/>
+              </a:solidFill>
+              <a:latin typeface="Times New Roman"/>
+              <a:ea typeface="Times New Roman"/>
+              <a:cs typeface="Times New Roman"/>
+              <a:sym typeface="Times New Roman"/>
+            </a:endParaRPr>
+          </a:p>
+          <a:p>
+            <a:pPr indent="-298450" lvl="0" marL="457200" rtl="0" algn="l">
+              <a:lnSpc>
+                <a:spcPct val="115000"/>
+              </a:lnSpc>
+              <a:spcBef>
+                <a:spcPts val="0"/>
+              </a:spcBef>
+              <a:spcAft>
+                <a:spcPts val="0"/>
+              </a:spcAft>
+              <a:buClr>
+                <a:schemeClr val="dk1"/>
+              </a:buClr>
+              <a:buSzPts val="1100"/>
+              <a:buFont typeface="Times New Roman"/>
+              <a:buChar char="-"/>
+            </a:pPr>
+            <a:r>
+              <a:rPr lang="en" sz="1100">
+                <a:solidFill>
+                  <a:schemeClr val="dk1"/>
+                </a:solidFill>
+                <a:latin typeface="Times New Roman"/>
+                <a:ea typeface="Times New Roman"/>
+                <a:cs typeface="Times New Roman"/>
+                <a:sym typeface="Times New Roman"/>
+              </a:rPr>
+              <a:t>Data Quality: Inconsistent, incomplete, or noisy data can pose significant challenges in ensuring the accuracy and reliability of analysis and model predictions.</a:t>
+            </a:r>
+            <a:endParaRPr sz="1100">
+              <a:solidFill>
+                <a:schemeClr val="dk1"/>
+              </a:solidFill>
+              <a:latin typeface="Times New Roman"/>
+              <a:ea typeface="Times New Roman"/>
+              <a:cs typeface="Times New Roman"/>
+              <a:sym typeface="Times New Roman"/>
+            </a:endParaRPr>
+          </a:p>
+          <a:p>
+            <a:pPr indent="0" lvl="0" marL="0" marR="0" rtl="0" algn="l">
+              <a:lnSpc>
+                <a:spcPct val="120000"/>
+              </a:lnSpc>
+              <a:spcBef>
+                <a:spcPts val="1200"/>
+              </a:spcBef>
+              <a:spcAft>
+                <a:spcPts val="0"/>
+              </a:spcAft>
+              <a:buClr>
+                <a:srgbClr val="000000"/>
+              </a:buClr>
+              <a:buSzPts val="1000"/>
+              <a:buFont typeface="Arial"/>
+              <a:buNone/>
+            </a:pPr>
+            <a:r>
+              <a:t/>
+            </a:r>
+            <a:endParaRPr b="1" sz="1100">
+              <a:solidFill>
+                <a:schemeClr val="dk1"/>
+              </a:solidFill>
+              <a:latin typeface="Times New Roman"/>
+              <a:ea typeface="Times New Roman"/>
+              <a:cs typeface="Times New Roman"/>
+              <a:sym typeface="Times New Roman"/>
+            </a:endParaRPr>
           </a:p>
         </p:txBody>
       </p:sp>
@@ -41912,6 +41984,43 @@
                 <a:sym typeface="Work Sans Medium"/>
               </a:rPr>
               <a:t>Data Analyst</a:t>
+            </a:r>
+            <a:endParaRPr sz="900">
+              <a:solidFill>
+                <a:schemeClr val="lt1"/>
+              </a:solidFill>
+              <a:latin typeface="Work Sans Medium"/>
+              <a:ea typeface="Work Sans Medium"/>
+              <a:cs typeface="Work Sans Medium"/>
+              <a:sym typeface="Work Sans Medium"/>
+            </a:endParaRPr>
+          </a:p>
+          <a:p>
+            <a:pPr indent="0" lvl="0" marL="0" rtl="0" algn="l">
+              <a:spcBef>
+                <a:spcPts val="0"/>
+              </a:spcBef>
+              <a:spcAft>
+                <a:spcPts val="0"/>
+              </a:spcAft>
+              <a:buClr>
+                <a:schemeClr val="dk1"/>
+              </a:buClr>
+              <a:buSzPts val="1000"/>
+              <a:buFont typeface="Arial"/>
+              <a:buNone/>
+            </a:pPr>
+            <a:r>
+              <a:rPr lang="en" sz="900">
+                <a:solidFill>
+                  <a:schemeClr val="lt1"/>
+                </a:solidFill>
+                <a:latin typeface="Work Sans Medium"/>
+                <a:ea typeface="Work Sans Medium"/>
+                <a:cs typeface="Work Sans Medium"/>
+                <a:sym typeface="Work Sans Medium"/>
+              </a:rPr>
+              <a:t>raniesm@gmail.com</a:t>
             </a:r>
             <a:endParaRPr sz="900">
               <a:solidFill>
@@ -42363,7 +42472,7 @@
         </p:nvSpPr>
         <p:spPr>
           <a:xfrm>
-            <a:off x="3028521" y="2839500"/>
+            <a:off x="2774796" y="2839500"/>
             <a:ext cx="2045100" cy="1338600"/>
           </a:xfrm>
           <a:prstGeom prst="rect">
@@ -42496,6 +42605,46 @@
               <a:ea typeface="Work Sans Medium"/>
               <a:cs typeface="Work Sans Medium"/>
               <a:sym typeface="Work Sans Medium"/>
+            </a:endParaRPr>
+          </a:p>
+          <a:p>
+            <a:pPr indent="0" lvl="0" marL="0" marR="0" rtl="0" algn="l">
+              <a:lnSpc>
+                <a:spcPct val="100000"/>
+              </a:lnSpc>
+              <a:spcBef>
+                <a:spcPts val="0"/>
+              </a:spcBef>
+              <a:spcAft>
+                <a:spcPts val="0"/>
+              </a:spcAft>
+              <a:buClr>
+                <a:srgbClr val="000000"/>
+              </a:buClr>
+              <a:buSzPts val="1000"/>
+              <a:buFont typeface="Arial"/>
+              <a:buNone/>
+            </a:pPr>
+            <a:r>
+              <a:rPr lang="en" sz="900">
+                <a:solidFill>
+                  <a:schemeClr val="lt1"/>
+                </a:solidFill>
+                <a:latin typeface="Work Sans"/>
+                <a:ea typeface="Work Sans"/>
+                <a:cs typeface="Work Sans"/>
+                <a:sym typeface="Work Sans"/>
+              </a:rPr>
+              <a:t>raodahasman07@gmail.com</a:t>
+            </a:r>
+            <a:endParaRPr sz="900">
+              <a:solidFill>
+                <a:schemeClr val="lt1"/>
+              </a:solidFill>
+              <a:latin typeface="Work Sans"/>
+              <a:ea typeface="Work Sans"/>
+              <a:cs typeface="Work Sans"/>
+              <a:sym typeface="Work Sans"/>
             </a:endParaRPr>
           </a:p>
           <a:p>
@@ -42539,8 +42688,8 @@
         </p:nvSpPr>
         <p:spPr>
           <a:xfrm>
-            <a:off x="4720017" y="2839500"/>
-            <a:ext cx="1917600" cy="1338600"/>
+            <a:off x="4720026" y="2839500"/>
+            <a:ext cx="2045100" cy="1338600"/>
           </a:xfrm>
           <a:prstGeom prst="rect">
             <a:avLst/>
@@ -42701,6 +42850,43 @@
                 <a:sym typeface="Work Sans Medium"/>
               </a:rPr>
               <a:t>Data Engineer</a:t>
+            </a:r>
+            <a:endParaRPr sz="900">
+              <a:solidFill>
+                <a:schemeClr val="lt1"/>
+              </a:solidFill>
+              <a:latin typeface="Work Sans Medium"/>
+              <a:ea typeface="Work Sans Medium"/>
+              <a:cs typeface="Work Sans Medium"/>
+              <a:sym typeface="Work Sans Medium"/>
+            </a:endParaRPr>
+          </a:p>
+          <a:p>
+            <a:pPr indent="0" lvl="0" marL="0" rtl="0" algn="l">
+              <a:spcBef>
+                <a:spcPts val="0"/>
+              </a:spcBef>
+              <a:spcAft>
+                <a:spcPts val="0"/>
+              </a:spcAft>
+              <a:buClr>
+                <a:schemeClr val="dk1"/>
+              </a:buClr>
+              <a:buSzPts val="1000"/>
+              <a:buFont typeface="Arial"/>
+              <a:buNone/>
+            </a:pPr>
+            <a:r>
+              <a:rPr lang="en" sz="900">
+                <a:solidFill>
+                  <a:schemeClr val="lt1"/>
+                </a:solidFill>
+                <a:latin typeface="Work Sans Medium"/>
+                <a:ea typeface="Work Sans Medium"/>
+                <a:cs typeface="Work Sans Medium"/>
+                <a:sym typeface="Work Sans Medium"/>
+              </a:rPr>
+              <a:t>raymond.samuel99@gmail.com</a:t>
             </a:r>
             <a:endParaRPr sz="900">
               <a:solidFill>
@@ -42840,7 +43026,7 @@
         </p:nvSpPr>
         <p:spPr>
           <a:xfrm>
-            <a:off x="6334070" y="2832571"/>
+            <a:off x="6704520" y="2839496"/>
             <a:ext cx="1917600" cy="1338600"/>
           </a:xfrm>
           <a:prstGeom prst="rect">
@@ -42973,6 +43159,46 @@
               <a:ea typeface="Work Sans Medium"/>
               <a:cs typeface="Work Sans Medium"/>
               <a:sym typeface="Work Sans Medium"/>
+            </a:endParaRPr>
+          </a:p>
+          <a:p>
+            <a:pPr indent="0" lvl="0" marL="0" marR="0" rtl="0" algn="l">
+              <a:lnSpc>
+                <a:spcPct val="100000"/>
+              </a:lnSpc>
+              <a:spcBef>
+                <a:spcPts val="0"/>
+              </a:spcBef>
+              <a:spcAft>
+                <a:spcPts val="0"/>
+              </a:spcAft>
+              <a:buClr>
+                <a:srgbClr val="000000"/>
+              </a:buClr>
+              <a:buSzPts val="1000"/>
+              <a:buFont typeface="Arial"/>
+              <a:buNone/>
+            </a:pPr>
+            <a:r>
+              <a:rPr lang="en" sz="900">
+                <a:solidFill>
+                  <a:schemeClr val="lt1"/>
+                </a:solidFill>
+                <a:latin typeface="Work Sans"/>
+                <a:ea typeface="Work Sans"/>
+                <a:cs typeface="Work Sans"/>
+                <a:sym typeface="Work Sans"/>
+              </a:rPr>
+              <a:t>rizqchess@gmail.com</a:t>
+            </a:r>
+            <a:endParaRPr sz="900">
+              <a:solidFill>
+                <a:schemeClr val="lt1"/>
+              </a:solidFill>
+              <a:latin typeface="Work Sans"/>
+              <a:ea typeface="Work Sans"/>
+              <a:cs typeface="Work Sans"/>
+              <a:sym typeface="Work Sans"/>
             </a:endParaRPr>
           </a:p>
           <a:p>
@@ -46288,7 +46514,7 @@
                 <a:cs typeface="Inter"/>
                 <a:sym typeface="Inter"/>
               </a:rPr>
-              <a:t>Once these foundational decisions are made, the Data Engineer developing Airflow scripts for data tasks and creates PostgreSQL databases for raw and cleaned data..</a:t>
+              <a:t>Once these foundational decisions are made, the Data Engineer developing Airflow scripts for data tasks and creates PostgreSQL databases for cleaned data</a:t>
             </a:r>
             <a:endParaRPr b="1" i="0" sz="700" u="none" cap="none" strike="noStrike">
               <a:solidFill>
@@ -47796,7 +48022,7 @@
                   <a:schemeClr val="dk2"/>
                 </a:solidFill>
               </a:rPr>
-              <a:t>traffic_type</a:t>
+              <a:t>traffic_type </a:t>
             </a:r>
             <a:r>
               <a:rPr lang="en" sz="1200">
